--- a/static/img/tg-forum/partner-logo/logos.pptx
+++ b/static/img/tg-forum/partner-logo/logos.pptx
@@ -261,7 +261,7 @@
           <a:lstStyle/>
           <a:p>
             <a:fld id="{26C1D8DE-D085-B844-8474-AFD779F84500}" type="datetimeFigureOut">
-              <a:t>2025/12/7</a:t>
+              <a:t>2025/12/8</a:t>
             </a:fld>
             <a:endParaRPr kumimoji="1" lang="zh-CN" altLang="en-US"/>
           </a:p>
@@ -457,7 +457,7 @@
           <a:lstStyle/>
           <a:p>
             <a:fld id="{26C1D8DE-D085-B844-8474-AFD779F84500}" type="datetimeFigureOut">
-              <a:t>2025/12/7</a:t>
+              <a:t>2025/12/8</a:t>
             </a:fld>
             <a:endParaRPr kumimoji="1" lang="zh-CN" altLang="en-US"/>
           </a:p>
@@ -663,7 +663,7 @@
           <a:lstStyle/>
           <a:p>
             <a:fld id="{26C1D8DE-D085-B844-8474-AFD779F84500}" type="datetimeFigureOut">
-              <a:t>2025/12/7</a:t>
+              <a:t>2025/12/8</a:t>
             </a:fld>
             <a:endParaRPr kumimoji="1" lang="zh-CN" altLang="en-US"/>
           </a:p>
@@ -859,7 +859,7 @@
           <a:lstStyle/>
           <a:p>
             <a:fld id="{26C1D8DE-D085-B844-8474-AFD779F84500}" type="datetimeFigureOut">
-              <a:t>2025/12/7</a:t>
+              <a:t>2025/12/8</a:t>
             </a:fld>
             <a:endParaRPr kumimoji="1" lang="zh-CN" altLang="en-US"/>
           </a:p>
@@ -1132,7 +1132,7 @@
           <a:lstStyle/>
           <a:p>
             <a:fld id="{26C1D8DE-D085-B844-8474-AFD779F84500}" type="datetimeFigureOut">
-              <a:t>2025/12/7</a:t>
+              <a:t>2025/12/8</a:t>
             </a:fld>
             <a:endParaRPr kumimoji="1" lang="zh-CN" altLang="en-US"/>
           </a:p>
@@ -1395,7 +1395,7 @@
           <a:lstStyle/>
           <a:p>
             <a:fld id="{26C1D8DE-D085-B844-8474-AFD779F84500}" type="datetimeFigureOut">
-              <a:t>2025/12/7</a:t>
+              <a:t>2025/12/8</a:t>
             </a:fld>
             <a:endParaRPr kumimoji="1" lang="zh-CN" altLang="en-US"/>
           </a:p>
@@ -1805,7 +1805,7 @@
           <a:lstStyle/>
           <a:p>
             <a:fld id="{26C1D8DE-D085-B844-8474-AFD779F84500}" type="datetimeFigureOut">
-              <a:t>2025/12/7</a:t>
+              <a:t>2025/12/8</a:t>
             </a:fld>
             <a:endParaRPr kumimoji="1" lang="zh-CN" altLang="en-US"/>
           </a:p>
@@ -1944,7 +1944,7 @@
           <a:lstStyle/>
           <a:p>
             <a:fld id="{26C1D8DE-D085-B844-8474-AFD779F84500}" type="datetimeFigureOut">
-              <a:t>2025/12/7</a:t>
+              <a:t>2025/12/8</a:t>
             </a:fld>
             <a:endParaRPr kumimoji="1" lang="zh-CN" altLang="en-US"/>
           </a:p>
@@ -2055,7 +2055,7 @@
           <a:lstStyle/>
           <a:p>
             <a:fld id="{26C1D8DE-D085-B844-8474-AFD779F84500}" type="datetimeFigureOut">
-              <a:t>2025/12/7</a:t>
+              <a:t>2025/12/8</a:t>
             </a:fld>
             <a:endParaRPr kumimoji="1" lang="zh-CN" altLang="en-US"/>
           </a:p>
@@ -2364,7 +2364,7 @@
           <a:lstStyle/>
           <a:p>
             <a:fld id="{26C1D8DE-D085-B844-8474-AFD779F84500}" type="datetimeFigureOut">
-              <a:t>2025/12/7</a:t>
+              <a:t>2025/12/8</a:t>
             </a:fld>
             <a:endParaRPr kumimoji="1" lang="zh-CN" altLang="en-US"/>
           </a:p>
@@ -2650,7 +2650,7 @@
           <a:lstStyle/>
           <a:p>
             <a:fld id="{26C1D8DE-D085-B844-8474-AFD779F84500}" type="datetimeFigureOut">
-              <a:t>2025/12/7</a:t>
+              <a:t>2025/12/8</a:t>
             </a:fld>
             <a:endParaRPr kumimoji="1" lang="zh-CN" altLang="en-US"/>
           </a:p>
@@ -2889,7 +2889,7 @@
           </a:lstStyle>
           <a:p>
             <a:fld id="{26C1D8DE-D085-B844-8474-AFD779F84500}" type="datetimeFigureOut">
-              <a:t>2025/12/7</a:t>
+              <a:t>2025/12/8</a:t>
             </a:fld>
             <a:endParaRPr kumimoji="1" lang="zh-CN" altLang="en-US"/>
           </a:p>
@@ -3628,555 +3628,23 @@
           </p:cNvPicPr>
           <p:nvPr/>
         </p:nvPicPr>
-        <p:blipFill>
+        <p:blipFill rotWithShape="1">
           <a:blip r:embed="rId2"/>
-          <a:srcRect l="3994" t="21735" r="3988" b="28485"/>
+          <a:srcRect l="3991" t="10177" r="3991" b="10177"/>
           <a:stretch>
             <a:fillRect/>
           </a:stretch>
         </p:blipFill>
         <p:spPr>
           <a:xfrm>
-            <a:off x="0" y="0"/>
-            <a:ext cx="12192000" cy="4286312"/>
+            <a:off x="-1" y="1"/>
+            <a:ext cx="12192001" cy="6858000"/>
           </a:xfrm>
           <a:prstGeom prst="rect">
             <a:avLst/>
           </a:prstGeom>
         </p:spPr>
       </p:pic>
-      <p:sp>
-        <p:nvSpPr>
-          <p:cNvPr id="3" name="文本框 2">
-            <a:extLst>
-              <a:ext uri="{FF2B5EF4-FFF2-40B4-BE49-F238E27FC236}">
-                <a16:creationId xmlns:a16="http://schemas.microsoft.com/office/drawing/2014/main" id="{F23D9694-A81C-49D9-A34E-08375F23D1AD}"/>
-              </a:ext>
-            </a:extLst>
-          </p:cNvPr>
-          <p:cNvSpPr txBox="1"/>
-          <p:nvPr/>
-        </p:nvSpPr>
-        <p:spPr>
-          <a:xfrm>
-            <a:off x="0" y="4106428"/>
-            <a:ext cx="12191272" cy="2092881"/>
-          </a:xfrm>
-          <a:prstGeom prst="rect">
-            <a:avLst/>
-          </a:prstGeom>
-          <a:noFill/>
-        </p:spPr>
-        <p:txBody>
-          <a:bodyPr wrap="square">
-            <a:spAutoFit/>
-          </a:bodyPr>
-          <a:lstStyle/>
-          <a:p>
-            <a:pPr algn="ctr"/>
-            <a:r>
-              <a:rPr lang="zh-CN" altLang="en-US" sz="3200" b="0" i="0">
-                <a:solidFill>
-                  <a:schemeClr val="tx1">
-                    <a:lumMod val="75000"/>
-                    <a:lumOff val="25000"/>
-                  </a:schemeClr>
-                </a:solidFill>
-                <a:effectLst/>
-                <a:latin typeface="Helvetica" pitchFamily="2" charset="0"/>
-                <a:ea typeface="SimHei" panose="02010609060101010101" pitchFamily="49" charset="-122"/>
-              </a:rPr>
-              <a:t>清华大学 </a:t>
-            </a:r>
-            <a:r>
-              <a:rPr lang="en-US" altLang="zh-CN" sz="3200" b="0" i="0">
-                <a:solidFill>
-                  <a:schemeClr val="tx1">
-                    <a:lumMod val="75000"/>
-                    <a:lumOff val="25000"/>
-                  </a:schemeClr>
-                </a:solidFill>
-                <a:effectLst/>
-                <a:latin typeface="Helvetica" pitchFamily="2" charset="0"/>
-                <a:ea typeface="SimHei" panose="02010609060101010101" pitchFamily="49" charset="-122"/>
-              </a:rPr>
-              <a:t>·</a:t>
-            </a:r>
-            <a:r>
-              <a:rPr lang="zh-CN" altLang="en-US" sz="3200" b="0" i="0">
-                <a:solidFill>
-                  <a:schemeClr val="tx1">
-                    <a:lumMod val="75000"/>
-                    <a:lumOff val="25000"/>
-                  </a:schemeClr>
-                </a:solidFill>
-                <a:effectLst/>
-                <a:latin typeface="Helvetica" pitchFamily="2" charset="0"/>
-                <a:ea typeface="SimHei" panose="02010609060101010101" pitchFamily="49" charset="-122"/>
-              </a:rPr>
-              <a:t> 日立 </a:t>
-            </a:r>
-            <a:r>
-              <a:rPr lang="en-US" altLang="zh-CN" sz="3200" b="0" i="0">
-                <a:solidFill>
-                  <a:schemeClr val="tx1">
-                    <a:lumMod val="75000"/>
-                    <a:lumOff val="25000"/>
-                  </a:schemeClr>
-                </a:solidFill>
-                <a:effectLst/>
-                <a:latin typeface="Helvetica" pitchFamily="2" charset="0"/>
-                <a:ea typeface="SimHei" panose="02010609060101010101" pitchFamily="49" charset="-122"/>
-              </a:rPr>
-              <a:t>·</a:t>
-            </a:r>
-            <a:r>
-              <a:rPr lang="zh-CN" altLang="en-US" sz="3200" b="0" i="0">
-                <a:solidFill>
-                  <a:schemeClr val="tx1">
-                    <a:lumMod val="75000"/>
-                    <a:lumOff val="25000"/>
-                  </a:schemeClr>
-                </a:solidFill>
-                <a:effectLst/>
-                <a:latin typeface="Helvetica" pitchFamily="2" charset="0"/>
-                <a:ea typeface="SimHei" panose="02010609060101010101" pitchFamily="49" charset="-122"/>
-              </a:rPr>
-              <a:t> 丰田 </a:t>
-            </a:r>
-            <a:r>
-              <a:rPr lang="en-US" altLang="zh-CN" sz="3200" b="0" i="0">
-                <a:solidFill>
-                  <a:schemeClr val="tx1">
-                    <a:lumMod val="75000"/>
-                    <a:lumOff val="25000"/>
-                  </a:schemeClr>
-                </a:solidFill>
-                <a:effectLst/>
-                <a:latin typeface="Helvetica" pitchFamily="2" charset="0"/>
-                <a:ea typeface="SimHei" panose="02010609060101010101" pitchFamily="49" charset="-122"/>
-              </a:rPr>
-              <a:t>·</a:t>
-            </a:r>
-            <a:r>
-              <a:rPr lang="zh-CN" altLang="en-US" sz="3200" b="0" i="0">
-                <a:solidFill>
-                  <a:schemeClr val="tx1">
-                    <a:lumMod val="75000"/>
-                    <a:lumOff val="25000"/>
-                  </a:schemeClr>
-                </a:solidFill>
-                <a:effectLst/>
-                <a:latin typeface="Helvetica" pitchFamily="2" charset="0"/>
-                <a:ea typeface="SimHei" panose="02010609060101010101" pitchFamily="49" charset="-122"/>
-              </a:rPr>
-              <a:t> 三菱 </a:t>
-            </a:r>
-            <a:r>
-              <a:rPr lang="en-US" altLang="zh-CN" sz="3200" b="0" i="0">
-                <a:solidFill>
-                  <a:schemeClr val="tx1">
-                    <a:lumMod val="75000"/>
-                    <a:lumOff val="25000"/>
-                  </a:schemeClr>
-                </a:solidFill>
-                <a:effectLst/>
-                <a:latin typeface="Helvetica" pitchFamily="2" charset="0"/>
-                <a:ea typeface="SimHei" panose="02010609060101010101" pitchFamily="49" charset="-122"/>
-              </a:rPr>
-              <a:t>·</a:t>
-            </a:r>
-            <a:r>
-              <a:rPr lang="zh-CN" altLang="en-US" sz="3200" b="0" i="0">
-                <a:solidFill>
-                  <a:schemeClr val="tx1">
-                    <a:lumMod val="75000"/>
-                    <a:lumOff val="25000"/>
-                  </a:schemeClr>
-                </a:solidFill>
-                <a:effectLst/>
-                <a:latin typeface="Helvetica" pitchFamily="2" charset="0"/>
-                <a:ea typeface="SimHei" panose="02010609060101010101" pitchFamily="49" charset="-122"/>
-              </a:rPr>
-              <a:t> </a:t>
-            </a:r>
-            <a:r>
-              <a:rPr lang="zh-CN" altLang="en-US" sz="3200">
-                <a:solidFill>
-                  <a:schemeClr val="tx1">
-                    <a:lumMod val="75000"/>
-                    <a:lumOff val="25000"/>
-                  </a:schemeClr>
-                </a:solidFill>
-                <a:latin typeface="Helvetica" pitchFamily="2" charset="0"/>
-                <a:ea typeface="SimHei" panose="02010609060101010101" pitchFamily="49" charset="-122"/>
-              </a:rPr>
-              <a:t>英国石油 </a:t>
-            </a:r>
-            <a:r>
-              <a:rPr lang="en-US" altLang="zh-CN" sz="3200" b="0" i="0">
-                <a:solidFill>
-                  <a:schemeClr val="tx1">
-                    <a:lumMod val="75000"/>
-                    <a:lumOff val="25000"/>
-                  </a:schemeClr>
-                </a:solidFill>
-                <a:effectLst/>
-                <a:latin typeface="Helvetica" pitchFamily="2" charset="0"/>
-                <a:ea typeface="SimHei" panose="02010609060101010101" pitchFamily="49" charset="-122"/>
-              </a:rPr>
-              <a:t>·</a:t>
-            </a:r>
-            <a:r>
-              <a:rPr lang="zh-CN" altLang="en-US" sz="3200" b="0" i="0">
-                <a:solidFill>
-                  <a:schemeClr val="tx1">
-                    <a:lumMod val="75000"/>
-                    <a:lumOff val="25000"/>
-                  </a:schemeClr>
-                </a:solidFill>
-                <a:effectLst/>
-                <a:latin typeface="Helvetica" pitchFamily="2" charset="0"/>
-                <a:ea typeface="SimHei" panose="02010609060101010101" pitchFamily="49" charset="-122"/>
-              </a:rPr>
-              <a:t> 力拓 </a:t>
-            </a:r>
-            <a:r>
-              <a:rPr lang="en-US" altLang="zh-CN" sz="3200" b="0" i="0">
-                <a:solidFill>
-                  <a:schemeClr val="tx1">
-                    <a:lumMod val="75000"/>
-                    <a:lumOff val="25000"/>
-                  </a:schemeClr>
-                </a:solidFill>
-                <a:effectLst/>
-                <a:latin typeface="Helvetica" pitchFamily="2" charset="0"/>
-                <a:ea typeface="SimHei" panose="02010609060101010101" pitchFamily="49" charset="-122"/>
-              </a:rPr>
-              <a:t>·</a:t>
-            </a:r>
-            <a:r>
-              <a:rPr lang="zh-CN" altLang="en-US" sz="3200" b="0" i="0">
-                <a:solidFill>
-                  <a:schemeClr val="tx1">
-                    <a:lumMod val="75000"/>
-                    <a:lumOff val="25000"/>
-                  </a:schemeClr>
-                </a:solidFill>
-                <a:effectLst/>
-                <a:latin typeface="Helvetica" pitchFamily="2" charset="0"/>
-                <a:ea typeface="SimHei" panose="02010609060101010101" pitchFamily="49" charset="-122"/>
-              </a:rPr>
-              <a:t> 大众</a:t>
-            </a:r>
-            <a:endParaRPr lang="en-US" altLang="zh-CN" sz="3200" b="0" i="0">
-              <a:solidFill>
-                <a:schemeClr val="tx1">
-                  <a:lumMod val="75000"/>
-                  <a:lumOff val="25000"/>
-                </a:schemeClr>
-              </a:solidFill>
-              <a:effectLst/>
-              <a:latin typeface="Helvetica" pitchFamily="2" charset="0"/>
-              <a:ea typeface="SimHei" panose="02010609060101010101" pitchFamily="49" charset="-122"/>
-            </a:endParaRPr>
-          </a:p>
-          <a:p>
-            <a:pPr algn="ctr">
-              <a:spcAft>
-                <a:spcPts val="1200"/>
-              </a:spcAft>
-            </a:pPr>
-            <a:r>
-              <a:rPr lang="zh-CN" altLang="en-US" sz="3200" b="0" i="0">
-                <a:solidFill>
-                  <a:schemeClr val="tx1">
-                    <a:lumMod val="75000"/>
-                    <a:lumOff val="25000"/>
-                  </a:schemeClr>
-                </a:solidFill>
-                <a:effectLst/>
-                <a:latin typeface="Helvetica" pitchFamily="2" charset="0"/>
-                <a:ea typeface="SimHei" panose="02010609060101010101" pitchFamily="49" charset="-122"/>
-              </a:rPr>
-              <a:t>微软 </a:t>
-            </a:r>
-            <a:r>
-              <a:rPr lang="en-US" altLang="zh-CN" sz="3200" b="0" i="0">
-                <a:solidFill>
-                  <a:schemeClr val="tx1">
-                    <a:lumMod val="75000"/>
-                    <a:lumOff val="25000"/>
-                  </a:schemeClr>
-                </a:solidFill>
-                <a:effectLst/>
-                <a:latin typeface="Helvetica" pitchFamily="2" charset="0"/>
-                <a:ea typeface="SimHei" panose="02010609060101010101" pitchFamily="49" charset="-122"/>
-              </a:rPr>
-              <a:t>·</a:t>
-            </a:r>
-            <a:r>
-              <a:rPr lang="zh-CN" altLang="en-US" sz="3200" b="0" i="0">
-                <a:solidFill>
-                  <a:schemeClr val="tx1">
-                    <a:lumMod val="75000"/>
-                    <a:lumOff val="25000"/>
-                  </a:schemeClr>
-                </a:solidFill>
-                <a:effectLst/>
-                <a:latin typeface="Helvetica" pitchFamily="2" charset="0"/>
-                <a:ea typeface="SimHei" panose="02010609060101010101" pitchFamily="49" charset="-122"/>
-              </a:rPr>
-              <a:t> 石川岛磨 </a:t>
-            </a:r>
-            <a:r>
-              <a:rPr lang="en-US" altLang="zh-CN" sz="3200" b="0" i="0">
-                <a:solidFill>
-                  <a:schemeClr val="tx1">
-                    <a:lumMod val="75000"/>
-                    <a:lumOff val="25000"/>
-                  </a:schemeClr>
-                </a:solidFill>
-                <a:effectLst/>
-                <a:latin typeface="Helvetica" pitchFamily="2" charset="0"/>
-                <a:ea typeface="SimHei" panose="02010609060101010101" pitchFamily="49" charset="-122"/>
-              </a:rPr>
-              <a:t>·</a:t>
-            </a:r>
-            <a:r>
-              <a:rPr lang="zh-CN" altLang="en-US" sz="3200" b="0" i="0">
-                <a:solidFill>
-                  <a:schemeClr val="tx1">
-                    <a:lumMod val="75000"/>
-                    <a:lumOff val="25000"/>
-                  </a:schemeClr>
-                </a:solidFill>
-                <a:effectLst/>
-                <a:latin typeface="Helvetica" pitchFamily="2" charset="0"/>
-                <a:ea typeface="SimHei" panose="02010609060101010101" pitchFamily="49" charset="-122"/>
-              </a:rPr>
-              <a:t> 大金 </a:t>
-            </a:r>
-            <a:r>
-              <a:rPr lang="en-US" altLang="zh-CN" sz="3200" b="0" i="0">
-                <a:solidFill>
-                  <a:schemeClr val="tx1">
-                    <a:lumMod val="75000"/>
-                    <a:lumOff val="25000"/>
-                  </a:schemeClr>
-                </a:solidFill>
-                <a:effectLst/>
-                <a:latin typeface="Helvetica" pitchFamily="2" charset="0"/>
-                <a:ea typeface="SimHei" panose="02010609060101010101" pitchFamily="49" charset="-122"/>
-              </a:rPr>
-              <a:t>·</a:t>
-            </a:r>
-            <a:r>
-              <a:rPr lang="zh-CN" altLang="en-US" sz="3200" b="0" i="0">
-                <a:solidFill>
-                  <a:schemeClr val="tx1">
-                    <a:lumMod val="75000"/>
-                    <a:lumOff val="25000"/>
-                  </a:schemeClr>
-                </a:solidFill>
-                <a:effectLst/>
-                <a:latin typeface="Helvetica" pitchFamily="2" charset="0"/>
-                <a:ea typeface="SimHei" panose="02010609060101010101" pitchFamily="49" charset="-122"/>
-              </a:rPr>
-              <a:t> 苹果 </a:t>
-            </a:r>
-            <a:r>
-              <a:rPr lang="en-US" altLang="zh-CN" sz="3200" b="0" i="0">
-                <a:solidFill>
-                  <a:schemeClr val="tx1">
-                    <a:lumMod val="75000"/>
-                    <a:lumOff val="25000"/>
-                  </a:schemeClr>
-                </a:solidFill>
-                <a:effectLst/>
-                <a:latin typeface="Helvetica" pitchFamily="2" charset="0"/>
-                <a:ea typeface="SimHei" panose="02010609060101010101" pitchFamily="49" charset="-122"/>
-              </a:rPr>
-              <a:t>·</a:t>
-            </a:r>
-            <a:r>
-              <a:rPr lang="zh-CN" altLang="en-US" sz="3200" b="0" i="0">
-                <a:solidFill>
-                  <a:schemeClr val="tx1">
-                    <a:lumMod val="75000"/>
-                    <a:lumOff val="25000"/>
-                  </a:schemeClr>
-                </a:solidFill>
-                <a:effectLst/>
-                <a:latin typeface="Helvetica" pitchFamily="2" charset="0"/>
-                <a:ea typeface="SimHei" panose="02010609060101010101" pitchFamily="49" charset="-122"/>
-              </a:rPr>
-              <a:t> 沙特阿美 </a:t>
-            </a:r>
-            <a:r>
-              <a:rPr lang="en-US" altLang="zh-CN" sz="3200" b="0" i="0">
-                <a:solidFill>
-                  <a:schemeClr val="tx1">
-                    <a:lumMod val="75000"/>
-                    <a:lumOff val="25000"/>
-                  </a:schemeClr>
-                </a:solidFill>
-                <a:effectLst/>
-                <a:latin typeface="Helvetica" pitchFamily="2" charset="0"/>
-                <a:ea typeface="SimHei" panose="02010609060101010101" pitchFamily="49" charset="-122"/>
-              </a:rPr>
-              <a:t>·</a:t>
-            </a:r>
-            <a:r>
-              <a:rPr lang="zh-CN" altLang="en-US" sz="3200" b="0" i="0">
-                <a:solidFill>
-                  <a:schemeClr val="tx1">
-                    <a:lumMod val="75000"/>
-                    <a:lumOff val="25000"/>
-                  </a:schemeClr>
-                </a:solidFill>
-                <a:effectLst/>
-                <a:latin typeface="Helvetica" pitchFamily="2" charset="0"/>
-                <a:ea typeface="SimHei" panose="02010609060101010101" pitchFamily="49" charset="-122"/>
-              </a:rPr>
-              <a:t> 波音 </a:t>
-            </a:r>
-            <a:r>
-              <a:rPr lang="en-US" altLang="zh-CN" sz="3200" b="0" i="0">
-                <a:solidFill>
-                  <a:schemeClr val="tx1">
-                    <a:lumMod val="75000"/>
-                    <a:lumOff val="25000"/>
-                  </a:schemeClr>
-                </a:solidFill>
-                <a:effectLst/>
-                <a:latin typeface="Helvetica" pitchFamily="2" charset="0"/>
-                <a:ea typeface="SimHei" panose="02010609060101010101" pitchFamily="49" charset="-122"/>
-              </a:rPr>
-              <a:t>·</a:t>
-            </a:r>
-            <a:r>
-              <a:rPr lang="zh-CN" altLang="en-US" sz="3200" b="0" i="0">
-                <a:solidFill>
-                  <a:schemeClr val="tx1">
-                    <a:lumMod val="75000"/>
-                    <a:lumOff val="25000"/>
-                  </a:schemeClr>
-                </a:solidFill>
-                <a:effectLst/>
-                <a:latin typeface="Helvetica" pitchFamily="2" charset="0"/>
-                <a:ea typeface="SimHei" panose="02010609060101010101" pitchFamily="49" charset="-122"/>
-              </a:rPr>
-              <a:t> 宝洁</a:t>
-            </a:r>
-            <a:endParaRPr lang="en-US" altLang="zh-CN" sz="3200" b="0" i="0">
-              <a:solidFill>
-                <a:schemeClr val="tx1">
-                  <a:lumMod val="75000"/>
-                  <a:lumOff val="25000"/>
-                </a:schemeClr>
-              </a:solidFill>
-              <a:effectLst/>
-              <a:latin typeface="Helvetica" pitchFamily="2" charset="0"/>
-              <a:ea typeface="SimHei" panose="02010609060101010101" pitchFamily="49" charset="-122"/>
-            </a:endParaRPr>
-          </a:p>
-          <a:p>
-            <a:pPr algn="ctr"/>
-            <a:r>
-              <a:rPr lang="en-US" altLang="zh-CN" sz="2800">
-                <a:solidFill>
-                  <a:schemeClr val="tx1">
-                    <a:lumMod val="75000"/>
-                    <a:lumOff val="25000"/>
-                  </a:schemeClr>
-                </a:solidFill>
-                <a:latin typeface="Helvetica" pitchFamily="2" charset="0"/>
-                <a:ea typeface="SimHei" panose="02010609060101010101" pitchFamily="49" charset="-122"/>
-              </a:rPr>
-              <a:t>Tsinghua University – Toyota – Mitsubishi – BP</a:t>
-            </a:r>
-            <a:r>
-              <a:rPr lang="zh-CN" altLang="en-US" sz="2800">
-                <a:solidFill>
-                  <a:schemeClr val="tx1">
-                    <a:lumMod val="75000"/>
-                    <a:lumOff val="25000"/>
-                  </a:schemeClr>
-                </a:solidFill>
-                <a:latin typeface="Helvetica" pitchFamily="2" charset="0"/>
-                <a:ea typeface="SimHei" panose="02010609060101010101" pitchFamily="49" charset="-122"/>
-              </a:rPr>
-              <a:t> </a:t>
-            </a:r>
-            <a:r>
-              <a:rPr lang="en-US" altLang="zh-CN" sz="2800">
-                <a:solidFill>
-                  <a:schemeClr val="tx1">
-                    <a:lumMod val="75000"/>
-                    <a:lumOff val="25000"/>
-                  </a:schemeClr>
-                </a:solidFill>
-                <a:latin typeface="Helvetica" pitchFamily="2" charset="0"/>
-                <a:ea typeface="SimHei" panose="02010609060101010101" pitchFamily="49" charset="-122"/>
-              </a:rPr>
-              <a:t>–</a:t>
-            </a:r>
-            <a:r>
-              <a:rPr lang="zh-CN" altLang="en-US" sz="2800">
-                <a:solidFill>
-                  <a:schemeClr val="tx1">
-                    <a:lumMod val="75000"/>
-                    <a:lumOff val="25000"/>
-                  </a:schemeClr>
-                </a:solidFill>
-                <a:latin typeface="Helvetica" pitchFamily="2" charset="0"/>
-                <a:ea typeface="SimHei" panose="02010609060101010101" pitchFamily="49" charset="-122"/>
-              </a:rPr>
-              <a:t> </a:t>
-            </a:r>
-            <a:r>
-              <a:rPr lang="en-US" altLang="zh-CN" sz="2800">
-                <a:solidFill>
-                  <a:schemeClr val="tx1">
-                    <a:lumMod val="75000"/>
-                    <a:lumOff val="25000"/>
-                  </a:schemeClr>
-                </a:solidFill>
-                <a:latin typeface="Helvetica" pitchFamily="2" charset="0"/>
-                <a:ea typeface="SimHei" panose="02010609060101010101" pitchFamily="49" charset="-122"/>
-              </a:rPr>
-              <a:t>Rio Tinto – Volkswagen</a:t>
-            </a:r>
-          </a:p>
-          <a:p>
-            <a:pPr algn="ctr"/>
-            <a:r>
-              <a:rPr lang="en-US" altLang="zh-CN" sz="2800">
-                <a:solidFill>
-                  <a:schemeClr val="tx1">
-                    <a:lumMod val="75000"/>
-                    <a:lumOff val="25000"/>
-                  </a:schemeClr>
-                </a:solidFill>
-                <a:latin typeface="Helvetica" pitchFamily="2" charset="0"/>
-                <a:ea typeface="SimHei" panose="02010609060101010101" pitchFamily="49" charset="-122"/>
-              </a:rPr>
-              <a:t>Microsoft – IHI – Daikin – Apple – Saudi Aramco – Boeing – P&amp;G</a:t>
-            </a:r>
-            <a:endParaRPr lang="zh-CN" altLang="en-US" sz="2800">
-              <a:solidFill>
-                <a:schemeClr val="tx1">
-                  <a:lumMod val="75000"/>
-                  <a:lumOff val="25000"/>
-                </a:schemeClr>
-              </a:solidFill>
-              <a:latin typeface="Helvetica" pitchFamily="2" charset="0"/>
-              <a:ea typeface="SimHei" panose="02010609060101010101" pitchFamily="49" charset="-122"/>
-            </a:endParaRPr>
-          </a:p>
-        </p:txBody>
-      </p:sp>
     </p:spTree>
     <p:extLst>
       <p:ext uri="{BB962C8B-B14F-4D97-AF65-F5344CB8AC3E}">

--- a/static/img/tg-forum/partner-logo/logos.pptx
+++ b/static/img/tg-forum/partner-logo/logos.pptx
@@ -1,14 +1,25 @@
 
 <file path=ppt/presentation.xml><?xml version="1.0" encoding="utf-8"?>
-<p:presentation xmlns:a="http://schemas.openxmlformats.org/drawingml/2006/main" xmlns:r="http://schemas.openxmlformats.org/officeDocument/2006/relationships" xmlns:p="http://schemas.openxmlformats.org/presentationml/2006/main" saveSubsetFonts="1" autoCompressPictures="0">
+<p:presentation xmlns:a="http://schemas.openxmlformats.org/drawingml/2006/main" xmlns:r="http://schemas.openxmlformats.org/officeDocument/2006/relationships" xmlns:p="http://schemas.openxmlformats.org/presentationml/2006/main" autoCompressPictures="0">
   <p:sldMasterIdLst>
     <p:sldMasterId id="2147483648" r:id="rId1"/>
+    <p:sldMasterId id="2147483660" r:id="rId2"/>
   </p:sldMasterIdLst>
   <p:sldIdLst>
-    <p:sldId id="258" r:id="rId2"/>
-    <p:sldId id="256" r:id="rId3"/>
-    <p:sldId id="257" r:id="rId4"/>
-    <p:sldId id="259" r:id="rId5"/>
+    <p:sldId id="258" r:id="rId3"/>
+    <p:sldId id="256" r:id="rId4"/>
+    <p:sldId id="257" r:id="rId5"/>
+    <p:sldId id="259" r:id="rId6"/>
+    <p:sldId id="260" r:id="rId7"/>
+    <p:sldId id="261" r:id="rId8"/>
+    <p:sldId id="262" r:id="rId9"/>
+    <p:sldId id="263" r:id="rId10"/>
+    <p:sldId id="264" r:id="rId11"/>
+    <p:sldId id="265" r:id="rId12"/>
+    <p:sldId id="271" r:id="rId13"/>
+    <p:sldId id="266" r:id="rId14"/>
+    <p:sldId id="267" r:id="rId15"/>
+    <p:sldId id="272" r:id="rId16"/>
   </p:sldIdLst>
   <p:sldSz cx="12192000" cy="6858000"/>
   <p:notesSz cx="6858000" cy="9144000"/>
@@ -134,13 +145,7 @@
       </p:grpSpPr>
       <p:sp>
         <p:nvSpPr>
-          <p:cNvPr id="2" name="标题 1">
-            <a:extLst>
-              <a:ext uri="{FF2B5EF4-FFF2-40B4-BE49-F238E27FC236}">
-                <a16:creationId xmlns:a16="http://schemas.microsoft.com/office/drawing/2014/main" id="{6B9BEA5B-7AC7-1CD2-C8C0-52209D21933F}"/>
-              </a:ext>
-            </a:extLst>
-          </p:cNvPr>
+          <p:cNvPr id="2" name="标题 1"/>
           <p:cNvSpPr>
             <a:spLocks noGrp="1"/>
           </p:cNvSpPr>
@@ -171,13 +176,7 @@
       </p:sp>
       <p:sp>
         <p:nvSpPr>
-          <p:cNvPr id="3" name="副标题 2">
-            <a:extLst>
-              <a:ext uri="{FF2B5EF4-FFF2-40B4-BE49-F238E27FC236}">
-                <a16:creationId xmlns:a16="http://schemas.microsoft.com/office/drawing/2014/main" id="{643BAE49-8468-D1B9-04D8-509D5AB651A2}"/>
-              </a:ext>
-            </a:extLst>
-          </p:cNvPr>
+          <p:cNvPr id="3" name="副标题 2"/>
           <p:cNvSpPr>
             <a:spLocks noGrp="1"/>
           </p:cNvSpPr>
@@ -241,13 +240,7 @@
       </p:sp>
       <p:sp>
         <p:nvSpPr>
-          <p:cNvPr id="4" name="日期占位符 3">
-            <a:extLst>
-              <a:ext uri="{FF2B5EF4-FFF2-40B4-BE49-F238E27FC236}">
-                <a16:creationId xmlns:a16="http://schemas.microsoft.com/office/drawing/2014/main" id="{E9FB1C68-ACCB-AEAA-5898-BF531BE7E2D2}"/>
-              </a:ext>
-            </a:extLst>
-          </p:cNvPr>
+          <p:cNvPr id="4" name="日期占位符 3"/>
           <p:cNvSpPr>
             <a:spLocks noGrp="1"/>
           </p:cNvSpPr>
@@ -261,7 +254,8 @@
           <a:lstStyle/>
           <a:p>
             <a:fld id="{26C1D8DE-D085-B844-8474-AFD779F84500}" type="datetimeFigureOut">
-              <a:t>2025/12/8</a:t>
+              <a:rPr lang="zh-CN" altLang="en-US"/>
+              <a:t>2026/2/27</a:t>
             </a:fld>
             <a:endParaRPr kumimoji="1" lang="zh-CN" altLang="en-US"/>
           </a:p>
@@ -269,13 +263,7 @@
       </p:sp>
       <p:sp>
         <p:nvSpPr>
-          <p:cNvPr id="5" name="页脚占位符 4">
-            <a:extLst>
-              <a:ext uri="{FF2B5EF4-FFF2-40B4-BE49-F238E27FC236}">
-                <a16:creationId xmlns:a16="http://schemas.microsoft.com/office/drawing/2014/main" id="{D1F0CF12-7FBF-D4DC-1529-E54DBF02B3FA}"/>
-              </a:ext>
-            </a:extLst>
-          </p:cNvPr>
+          <p:cNvPr id="5" name="页脚占位符 4"/>
           <p:cNvSpPr>
             <a:spLocks noGrp="1"/>
           </p:cNvSpPr>
@@ -294,13 +282,7 @@
       </p:sp>
       <p:sp>
         <p:nvSpPr>
-          <p:cNvPr id="6" name="灯片编号占位符 5">
-            <a:extLst>
-              <a:ext uri="{FF2B5EF4-FFF2-40B4-BE49-F238E27FC236}">
-                <a16:creationId xmlns:a16="http://schemas.microsoft.com/office/drawing/2014/main" id="{EF440780-1116-4E4A-B884-ADD84E0E82FE}"/>
-              </a:ext>
-            </a:extLst>
-          </p:cNvPr>
+          <p:cNvPr id="6" name="灯片编号占位符 5"/>
           <p:cNvSpPr>
             <a:spLocks noGrp="1"/>
           </p:cNvSpPr>
@@ -314,6 +296,7 @@
           <a:lstStyle/>
           <a:p>
             <a:fld id="{BFA2D2D8-75F2-7C46-9B4E-B9ACD5B2CF84}" type="slidenum">
+              <a:rPr/>
               <a:t>‹#›</a:t>
             </a:fld>
             <a:endParaRPr kumimoji="1" lang="zh-CN" altLang="en-US"/>
@@ -321,11 +304,6 @@
         </p:txBody>
       </p:sp>
     </p:spTree>
-    <p:extLst>
-      <p:ext uri="{BB962C8B-B14F-4D97-AF65-F5344CB8AC3E}">
-        <p14:creationId xmlns:p14="http://schemas.microsoft.com/office/powerpoint/2010/main" val="1399629404"/>
-      </p:ext>
-    </p:extLst>
   </p:cSld>
   <p:clrMapOvr>
     <a:masterClrMapping/>
@@ -352,13 +330,7 @@
       </p:grpSpPr>
       <p:sp>
         <p:nvSpPr>
-          <p:cNvPr id="2" name="标题 1">
-            <a:extLst>
-              <a:ext uri="{FF2B5EF4-FFF2-40B4-BE49-F238E27FC236}">
-                <a16:creationId xmlns:a16="http://schemas.microsoft.com/office/drawing/2014/main" id="{40156526-4D52-7C85-1A87-80FC3CD1EE55}"/>
-              </a:ext>
-            </a:extLst>
-          </p:cNvPr>
+          <p:cNvPr id="2" name="标题 1"/>
           <p:cNvSpPr>
             <a:spLocks noGrp="1"/>
           </p:cNvSpPr>
@@ -380,13 +352,7 @@
       </p:sp>
       <p:sp>
         <p:nvSpPr>
-          <p:cNvPr id="3" name="竖排文字占位符 2">
-            <a:extLst>
-              <a:ext uri="{FF2B5EF4-FFF2-40B4-BE49-F238E27FC236}">
-                <a16:creationId xmlns:a16="http://schemas.microsoft.com/office/drawing/2014/main" id="{8B8D7681-78A2-0C23-CED1-FA0D7DAE2F37}"/>
-              </a:ext>
-            </a:extLst>
-          </p:cNvPr>
+          <p:cNvPr id="3" name="竖排文字占位符 2"/>
           <p:cNvSpPr>
             <a:spLocks noGrp="1"/>
           </p:cNvSpPr>
@@ -437,13 +403,7 @@
       </p:sp>
       <p:sp>
         <p:nvSpPr>
-          <p:cNvPr id="4" name="日期占位符 3">
-            <a:extLst>
-              <a:ext uri="{FF2B5EF4-FFF2-40B4-BE49-F238E27FC236}">
-                <a16:creationId xmlns:a16="http://schemas.microsoft.com/office/drawing/2014/main" id="{529DB7B8-3D97-00B6-F519-3A2C14C4A7DF}"/>
-              </a:ext>
-            </a:extLst>
-          </p:cNvPr>
+          <p:cNvPr id="4" name="日期占位符 3"/>
           <p:cNvSpPr>
             <a:spLocks noGrp="1"/>
           </p:cNvSpPr>
@@ -457,7 +417,8 @@
           <a:lstStyle/>
           <a:p>
             <a:fld id="{26C1D8DE-D085-B844-8474-AFD779F84500}" type="datetimeFigureOut">
-              <a:t>2025/12/8</a:t>
+              <a:rPr lang="zh-CN" altLang="en-US"/>
+              <a:t>2026/2/27</a:t>
             </a:fld>
             <a:endParaRPr kumimoji="1" lang="zh-CN" altLang="en-US"/>
           </a:p>
@@ -465,13 +426,7 @@
       </p:sp>
       <p:sp>
         <p:nvSpPr>
-          <p:cNvPr id="5" name="页脚占位符 4">
-            <a:extLst>
-              <a:ext uri="{FF2B5EF4-FFF2-40B4-BE49-F238E27FC236}">
-                <a16:creationId xmlns:a16="http://schemas.microsoft.com/office/drawing/2014/main" id="{42357CE7-7AB2-919E-7318-D8B715AF224D}"/>
-              </a:ext>
-            </a:extLst>
-          </p:cNvPr>
+          <p:cNvPr id="5" name="页脚占位符 4"/>
           <p:cNvSpPr>
             <a:spLocks noGrp="1"/>
           </p:cNvSpPr>
@@ -490,13 +445,7 @@
       </p:sp>
       <p:sp>
         <p:nvSpPr>
-          <p:cNvPr id="6" name="灯片编号占位符 5">
-            <a:extLst>
-              <a:ext uri="{FF2B5EF4-FFF2-40B4-BE49-F238E27FC236}">
-                <a16:creationId xmlns:a16="http://schemas.microsoft.com/office/drawing/2014/main" id="{C251A8FB-C294-27A9-041B-6B276B886E62}"/>
-              </a:ext>
-            </a:extLst>
-          </p:cNvPr>
+          <p:cNvPr id="6" name="灯片编号占位符 5"/>
           <p:cNvSpPr>
             <a:spLocks noGrp="1"/>
           </p:cNvSpPr>
@@ -510,6 +459,7 @@
           <a:lstStyle/>
           <a:p>
             <a:fld id="{BFA2D2D8-75F2-7C46-9B4E-B9ACD5B2CF84}" type="slidenum">
+              <a:rPr/>
               <a:t>‹#›</a:t>
             </a:fld>
             <a:endParaRPr kumimoji="1" lang="zh-CN" altLang="en-US"/>
@@ -517,11 +467,6 @@
         </p:txBody>
       </p:sp>
     </p:spTree>
-    <p:extLst>
-      <p:ext uri="{BB962C8B-B14F-4D97-AF65-F5344CB8AC3E}">
-        <p14:creationId xmlns:p14="http://schemas.microsoft.com/office/powerpoint/2010/main" val="2400378435"/>
-      </p:ext>
-    </p:extLst>
   </p:cSld>
   <p:clrMapOvr>
     <a:masterClrMapping/>
@@ -548,13 +493,7 @@
       </p:grpSpPr>
       <p:sp>
         <p:nvSpPr>
-          <p:cNvPr id="2" name="竖排标题 1">
-            <a:extLst>
-              <a:ext uri="{FF2B5EF4-FFF2-40B4-BE49-F238E27FC236}">
-                <a16:creationId xmlns:a16="http://schemas.microsoft.com/office/drawing/2014/main" id="{F06739B5-024A-CC6D-5567-63C323179400}"/>
-              </a:ext>
-            </a:extLst>
-          </p:cNvPr>
+          <p:cNvPr id="2" name="竖排标题 1"/>
           <p:cNvSpPr>
             <a:spLocks noGrp="1"/>
           </p:cNvSpPr>
@@ -581,13 +520,7 @@
       </p:sp>
       <p:sp>
         <p:nvSpPr>
-          <p:cNvPr id="3" name="竖排文字占位符 2">
-            <a:extLst>
-              <a:ext uri="{FF2B5EF4-FFF2-40B4-BE49-F238E27FC236}">
-                <a16:creationId xmlns:a16="http://schemas.microsoft.com/office/drawing/2014/main" id="{548C1839-B464-4467-5226-5F2D0BF44226}"/>
-              </a:ext>
-            </a:extLst>
-          </p:cNvPr>
+          <p:cNvPr id="3" name="竖排文字占位符 2"/>
           <p:cNvSpPr>
             <a:spLocks noGrp="1"/>
           </p:cNvSpPr>
@@ -643,13 +576,7 @@
       </p:sp>
       <p:sp>
         <p:nvSpPr>
-          <p:cNvPr id="4" name="日期占位符 3">
-            <a:extLst>
-              <a:ext uri="{FF2B5EF4-FFF2-40B4-BE49-F238E27FC236}">
-                <a16:creationId xmlns:a16="http://schemas.microsoft.com/office/drawing/2014/main" id="{7B6AE4F4-413A-0C8F-C74E-6A988E75B232}"/>
-              </a:ext>
-            </a:extLst>
-          </p:cNvPr>
+          <p:cNvPr id="4" name="日期占位符 3"/>
           <p:cNvSpPr>
             <a:spLocks noGrp="1"/>
           </p:cNvSpPr>
@@ -663,7 +590,8 @@
           <a:lstStyle/>
           <a:p>
             <a:fld id="{26C1D8DE-D085-B844-8474-AFD779F84500}" type="datetimeFigureOut">
-              <a:t>2025/12/8</a:t>
+              <a:rPr lang="zh-CN" altLang="en-US"/>
+              <a:t>2026/2/27</a:t>
             </a:fld>
             <a:endParaRPr kumimoji="1" lang="zh-CN" altLang="en-US"/>
           </a:p>
@@ -671,13 +599,7 @@
       </p:sp>
       <p:sp>
         <p:nvSpPr>
-          <p:cNvPr id="5" name="页脚占位符 4">
-            <a:extLst>
-              <a:ext uri="{FF2B5EF4-FFF2-40B4-BE49-F238E27FC236}">
-                <a16:creationId xmlns:a16="http://schemas.microsoft.com/office/drawing/2014/main" id="{83C5E6B4-8C0F-925E-F375-153C3865005D}"/>
-              </a:ext>
-            </a:extLst>
-          </p:cNvPr>
+          <p:cNvPr id="5" name="页脚占位符 4"/>
           <p:cNvSpPr>
             <a:spLocks noGrp="1"/>
           </p:cNvSpPr>
@@ -696,13 +618,7 @@
       </p:sp>
       <p:sp>
         <p:nvSpPr>
-          <p:cNvPr id="6" name="灯片编号占位符 5">
-            <a:extLst>
-              <a:ext uri="{FF2B5EF4-FFF2-40B4-BE49-F238E27FC236}">
-                <a16:creationId xmlns:a16="http://schemas.microsoft.com/office/drawing/2014/main" id="{E5B0189F-3E71-6A8E-2F59-7571F067FB33}"/>
-              </a:ext>
-            </a:extLst>
-          </p:cNvPr>
+          <p:cNvPr id="6" name="灯片编号占位符 5"/>
           <p:cNvSpPr>
             <a:spLocks noGrp="1"/>
           </p:cNvSpPr>
@@ -716,6 +632,7 @@
           <a:lstStyle/>
           <a:p>
             <a:fld id="{BFA2D2D8-75F2-7C46-9B4E-B9ACD5B2CF84}" type="slidenum">
+              <a:rPr/>
               <a:t>‹#›</a:t>
             </a:fld>
             <a:endParaRPr kumimoji="1" lang="zh-CN" altLang="en-US"/>
@@ -723,11 +640,6 @@
         </p:txBody>
       </p:sp>
     </p:spTree>
-    <p:extLst>
-      <p:ext uri="{BB962C8B-B14F-4D97-AF65-F5344CB8AC3E}">
-        <p14:creationId xmlns:p14="http://schemas.microsoft.com/office/powerpoint/2010/main" val="805009493"/>
-      </p:ext>
-    </p:extLst>
   </p:cSld>
   <p:clrMapOvr>
     <a:masterClrMapping/>
@@ -735,7 +647,192 @@
 </p:sldLayout>
 </file>
 
-<file path=ppt/slideLayouts/slideLayout2.xml><?xml version="1.0" encoding="utf-8"?>
+<file path=ppt/slideLayouts/slideLayout12.xml><?xml version="1.0" encoding="utf-8"?>
+<p:sldLayout xmlns:a="http://schemas.openxmlformats.org/drawingml/2006/main" xmlns:r="http://schemas.openxmlformats.org/officeDocument/2006/relationships" xmlns:p="http://schemas.openxmlformats.org/presentationml/2006/main" type="title" preserve="1">
+  <p:cSld name="标题幻灯片">
+    <p:spTree>
+      <p:nvGrpSpPr>
+        <p:cNvPr id="1" name=""/>
+        <p:cNvGrpSpPr/>
+        <p:nvPr/>
+      </p:nvGrpSpPr>
+      <p:grpSpPr>
+        <a:xfrm>
+          <a:off x="0" y="0"/>
+          <a:ext cx="0" cy="0"/>
+          <a:chOff x="0" y="0"/>
+          <a:chExt cx="0" cy="0"/>
+        </a:xfrm>
+      </p:grpSpPr>
+      <p:sp>
+        <p:nvSpPr>
+          <p:cNvPr id="2" name="标题 1"/>
+          <p:cNvSpPr>
+            <a:spLocks noGrp="1"/>
+          </p:cNvSpPr>
+          <p:nvPr>
+            <p:ph type="ctrTitle"/>
+          </p:nvPr>
+        </p:nvSpPr>
+        <p:spPr>
+          <a:xfrm>
+            <a:off x="1524000" y="1122363"/>
+            <a:ext cx="9144000" cy="2387600"/>
+          </a:xfrm>
+        </p:spPr>
+        <p:txBody>
+          <a:bodyPr anchor="b"/>
+          <a:lstStyle>
+            <a:lvl1pPr algn="ctr">
+              <a:defRPr sz="6000"/>
+            </a:lvl1pPr>
+          </a:lstStyle>
+          <a:p>
+            <a:r>
+              <a:rPr kumimoji="1" lang="zh-CN" altLang="en-US"/>
+              <a:t>单击此处编辑母版标题样式</a:t>
+            </a:r>
+          </a:p>
+        </p:txBody>
+      </p:sp>
+      <p:sp>
+        <p:nvSpPr>
+          <p:cNvPr id="3" name="副标题 2"/>
+          <p:cNvSpPr>
+            <a:spLocks noGrp="1"/>
+          </p:cNvSpPr>
+          <p:nvPr>
+            <p:ph type="subTitle" idx="1"/>
+          </p:nvPr>
+        </p:nvSpPr>
+        <p:spPr>
+          <a:xfrm>
+            <a:off x="1524000" y="3602038"/>
+            <a:ext cx="9144000" cy="1655762"/>
+          </a:xfrm>
+        </p:spPr>
+        <p:txBody>
+          <a:bodyPr/>
+          <a:lstStyle>
+            <a:lvl1pPr marL="0" indent="0" algn="ctr">
+              <a:buNone/>
+              <a:defRPr sz="2400"/>
+            </a:lvl1pPr>
+            <a:lvl2pPr marL="457200" indent="0" algn="ctr">
+              <a:buNone/>
+              <a:defRPr sz="2000"/>
+            </a:lvl2pPr>
+            <a:lvl3pPr marL="914400" indent="0" algn="ctr">
+              <a:buNone/>
+              <a:defRPr sz="1800"/>
+            </a:lvl3pPr>
+            <a:lvl4pPr marL="1371600" indent="0" algn="ctr">
+              <a:buNone/>
+              <a:defRPr sz="1600"/>
+            </a:lvl4pPr>
+            <a:lvl5pPr marL="1828800" indent="0" algn="ctr">
+              <a:buNone/>
+              <a:defRPr sz="1600"/>
+            </a:lvl5pPr>
+            <a:lvl6pPr marL="2286000" indent="0" algn="ctr">
+              <a:buNone/>
+              <a:defRPr sz="1600"/>
+            </a:lvl6pPr>
+            <a:lvl7pPr marL="2743200" indent="0" algn="ctr">
+              <a:buNone/>
+              <a:defRPr sz="1600"/>
+            </a:lvl7pPr>
+            <a:lvl8pPr marL="3200400" indent="0" algn="ctr">
+              <a:buNone/>
+              <a:defRPr sz="1600"/>
+            </a:lvl8pPr>
+            <a:lvl9pPr marL="3657600" indent="0" algn="ctr">
+              <a:buNone/>
+              <a:defRPr sz="1600"/>
+            </a:lvl9pPr>
+          </a:lstStyle>
+          <a:p>
+            <a:r>
+              <a:rPr kumimoji="1" lang="zh-CN" altLang="en-US"/>
+              <a:t>单击此处编辑母版副标题样式</a:t>
+            </a:r>
+          </a:p>
+        </p:txBody>
+      </p:sp>
+      <p:sp>
+        <p:nvSpPr>
+          <p:cNvPr id="4" name="日期占位符 3"/>
+          <p:cNvSpPr>
+            <a:spLocks noGrp="1"/>
+          </p:cNvSpPr>
+          <p:nvPr>
+            <p:ph type="dt" sz="half" idx="10"/>
+          </p:nvPr>
+        </p:nvSpPr>
+        <p:spPr/>
+        <p:txBody>
+          <a:bodyPr/>
+          <a:lstStyle/>
+          <a:p>
+            <a:fld id="{26C1D8DE-D085-B844-8474-AFD779F84500}" type="datetimeFigureOut">
+              <a:rPr lang="zh-CN" altLang="en-US"/>
+              <a:t>2026/2/27</a:t>
+            </a:fld>
+            <a:endParaRPr kumimoji="1" lang="zh-CN" altLang="en-US"/>
+          </a:p>
+        </p:txBody>
+      </p:sp>
+      <p:sp>
+        <p:nvSpPr>
+          <p:cNvPr id="5" name="页脚占位符 4"/>
+          <p:cNvSpPr>
+            <a:spLocks noGrp="1"/>
+          </p:cNvSpPr>
+          <p:nvPr>
+            <p:ph type="ftr" sz="quarter" idx="11"/>
+          </p:nvPr>
+        </p:nvSpPr>
+        <p:spPr/>
+        <p:txBody>
+          <a:bodyPr/>
+          <a:lstStyle/>
+          <a:p>
+            <a:endParaRPr kumimoji="1" lang="zh-CN" altLang="en-US"/>
+          </a:p>
+        </p:txBody>
+      </p:sp>
+      <p:sp>
+        <p:nvSpPr>
+          <p:cNvPr id="6" name="灯片编号占位符 5"/>
+          <p:cNvSpPr>
+            <a:spLocks noGrp="1"/>
+          </p:cNvSpPr>
+          <p:nvPr>
+            <p:ph type="sldNum" sz="quarter" idx="12"/>
+          </p:nvPr>
+        </p:nvSpPr>
+        <p:spPr/>
+        <p:txBody>
+          <a:bodyPr/>
+          <a:lstStyle/>
+          <a:p>
+            <a:fld id="{BFA2D2D8-75F2-7C46-9B4E-B9ACD5B2CF84}" type="slidenum">
+              <a:rPr/>
+              <a:t>‹#›</a:t>
+            </a:fld>
+            <a:endParaRPr kumimoji="1" lang="zh-CN" altLang="en-US"/>
+          </a:p>
+        </p:txBody>
+      </p:sp>
+    </p:spTree>
+  </p:cSld>
+  <p:clrMapOvr>
+    <a:masterClrMapping/>
+  </p:clrMapOvr>
+</p:sldLayout>
+</file>
+
+<file path=ppt/slideLayouts/slideLayout13.xml><?xml version="1.0" encoding="utf-8"?>
 <p:sldLayout xmlns:a="http://schemas.openxmlformats.org/drawingml/2006/main" xmlns:r="http://schemas.openxmlformats.org/officeDocument/2006/relationships" xmlns:p="http://schemas.openxmlformats.org/presentationml/2006/main" type="obj" preserve="1">
   <p:cSld name="标题和内容">
     <p:spTree>
@@ -754,13 +851,7 @@
       </p:grpSpPr>
       <p:sp>
         <p:nvSpPr>
-          <p:cNvPr id="2" name="标题 1">
-            <a:extLst>
-              <a:ext uri="{FF2B5EF4-FFF2-40B4-BE49-F238E27FC236}">
-                <a16:creationId xmlns:a16="http://schemas.microsoft.com/office/drawing/2014/main" id="{4F449B17-DB3C-9C5E-3C66-C75B04948CF7}"/>
-              </a:ext>
-            </a:extLst>
-          </p:cNvPr>
+          <p:cNvPr id="2" name="标题 1"/>
           <p:cNvSpPr>
             <a:spLocks noGrp="1"/>
           </p:cNvSpPr>
@@ -782,13 +873,7 @@
       </p:sp>
       <p:sp>
         <p:nvSpPr>
-          <p:cNvPr id="3" name="内容占位符 2">
-            <a:extLst>
-              <a:ext uri="{FF2B5EF4-FFF2-40B4-BE49-F238E27FC236}">
-                <a16:creationId xmlns:a16="http://schemas.microsoft.com/office/drawing/2014/main" id="{977F2E13-61CD-E643-AFB8-C815ECB1E5B1}"/>
-              </a:ext>
-            </a:extLst>
-          </p:cNvPr>
+          <p:cNvPr id="3" name="内容占位符 2"/>
           <p:cNvSpPr>
             <a:spLocks noGrp="1"/>
           </p:cNvSpPr>
@@ -839,13 +924,7 @@
       </p:sp>
       <p:sp>
         <p:nvSpPr>
-          <p:cNvPr id="4" name="日期占位符 3">
-            <a:extLst>
-              <a:ext uri="{FF2B5EF4-FFF2-40B4-BE49-F238E27FC236}">
-                <a16:creationId xmlns:a16="http://schemas.microsoft.com/office/drawing/2014/main" id="{66BBB564-3977-28DA-5BC0-C50E87FBB884}"/>
-              </a:ext>
-            </a:extLst>
-          </p:cNvPr>
+          <p:cNvPr id="4" name="日期占位符 3"/>
           <p:cNvSpPr>
             <a:spLocks noGrp="1"/>
           </p:cNvSpPr>
@@ -859,7 +938,8 @@
           <a:lstStyle/>
           <a:p>
             <a:fld id="{26C1D8DE-D085-B844-8474-AFD779F84500}" type="datetimeFigureOut">
-              <a:t>2025/12/8</a:t>
+              <a:rPr lang="zh-CN" altLang="en-US"/>
+              <a:t>2026/2/27</a:t>
             </a:fld>
             <a:endParaRPr kumimoji="1" lang="zh-CN" altLang="en-US"/>
           </a:p>
@@ -867,13 +947,7 @@
       </p:sp>
       <p:sp>
         <p:nvSpPr>
-          <p:cNvPr id="5" name="页脚占位符 4">
-            <a:extLst>
-              <a:ext uri="{FF2B5EF4-FFF2-40B4-BE49-F238E27FC236}">
-                <a16:creationId xmlns:a16="http://schemas.microsoft.com/office/drawing/2014/main" id="{70FEFB9A-801D-E8C1-3A45-5CF6EF608374}"/>
-              </a:ext>
-            </a:extLst>
-          </p:cNvPr>
+          <p:cNvPr id="5" name="页脚占位符 4"/>
           <p:cNvSpPr>
             <a:spLocks noGrp="1"/>
           </p:cNvSpPr>
@@ -892,13 +966,7 @@
       </p:sp>
       <p:sp>
         <p:nvSpPr>
-          <p:cNvPr id="6" name="灯片编号占位符 5">
-            <a:extLst>
-              <a:ext uri="{FF2B5EF4-FFF2-40B4-BE49-F238E27FC236}">
-                <a16:creationId xmlns:a16="http://schemas.microsoft.com/office/drawing/2014/main" id="{44ECBC34-3F0B-E941-B02B-EB00BFA95558}"/>
-              </a:ext>
-            </a:extLst>
-          </p:cNvPr>
+          <p:cNvPr id="6" name="灯片编号占位符 5"/>
           <p:cNvSpPr>
             <a:spLocks noGrp="1"/>
           </p:cNvSpPr>
@@ -912,6 +980,7 @@
           <a:lstStyle/>
           <a:p>
             <a:fld id="{BFA2D2D8-75F2-7C46-9B4E-B9ACD5B2CF84}" type="slidenum">
+              <a:rPr/>
               <a:t>‹#›</a:t>
             </a:fld>
             <a:endParaRPr kumimoji="1" lang="zh-CN" altLang="en-US"/>
@@ -919,11 +988,6 @@
         </p:txBody>
       </p:sp>
     </p:spTree>
-    <p:extLst>
-      <p:ext uri="{BB962C8B-B14F-4D97-AF65-F5344CB8AC3E}">
-        <p14:creationId xmlns:p14="http://schemas.microsoft.com/office/powerpoint/2010/main" val="3599644541"/>
-      </p:ext>
-    </p:extLst>
   </p:cSld>
   <p:clrMapOvr>
     <a:masterClrMapping/>
@@ -931,7 +995,7 @@
 </p:sldLayout>
 </file>
 
-<file path=ppt/slideLayouts/slideLayout3.xml><?xml version="1.0" encoding="utf-8"?>
+<file path=ppt/slideLayouts/slideLayout14.xml><?xml version="1.0" encoding="utf-8"?>
 <p:sldLayout xmlns:a="http://schemas.openxmlformats.org/drawingml/2006/main" xmlns:r="http://schemas.openxmlformats.org/officeDocument/2006/relationships" xmlns:p="http://schemas.openxmlformats.org/presentationml/2006/main" type="secHead" preserve="1">
   <p:cSld name="节标题">
     <p:spTree>
@@ -950,13 +1014,7 @@
       </p:grpSpPr>
       <p:sp>
         <p:nvSpPr>
-          <p:cNvPr id="2" name="标题 1">
-            <a:extLst>
-              <a:ext uri="{FF2B5EF4-FFF2-40B4-BE49-F238E27FC236}">
-                <a16:creationId xmlns:a16="http://schemas.microsoft.com/office/drawing/2014/main" id="{CDD03344-0131-8D53-1337-C8A3753B8417}"/>
-              </a:ext>
-            </a:extLst>
-          </p:cNvPr>
+          <p:cNvPr id="2" name="标题 1"/>
           <p:cNvSpPr>
             <a:spLocks noGrp="1"/>
           </p:cNvSpPr>
@@ -987,13 +1045,7 @@
       </p:sp>
       <p:sp>
         <p:nvSpPr>
-          <p:cNvPr id="3" name="文本占位符 2">
-            <a:extLst>
-              <a:ext uri="{FF2B5EF4-FFF2-40B4-BE49-F238E27FC236}">
-                <a16:creationId xmlns:a16="http://schemas.microsoft.com/office/drawing/2014/main" id="{A8E024A0-13D3-F207-1DB6-DC1D1D65DB25}"/>
-              </a:ext>
-            </a:extLst>
-          </p:cNvPr>
+          <p:cNvPr id="3" name="文本占位符 2"/>
           <p:cNvSpPr>
             <a:spLocks noGrp="1"/>
           </p:cNvSpPr>
@@ -1112,13 +1164,7 @@
       </p:sp>
       <p:sp>
         <p:nvSpPr>
-          <p:cNvPr id="4" name="日期占位符 3">
-            <a:extLst>
-              <a:ext uri="{FF2B5EF4-FFF2-40B4-BE49-F238E27FC236}">
-                <a16:creationId xmlns:a16="http://schemas.microsoft.com/office/drawing/2014/main" id="{454462E1-7696-DC35-DD1E-29F15BBA3511}"/>
-              </a:ext>
-            </a:extLst>
-          </p:cNvPr>
+          <p:cNvPr id="4" name="日期占位符 3"/>
           <p:cNvSpPr>
             <a:spLocks noGrp="1"/>
           </p:cNvSpPr>
@@ -1132,7 +1178,8 @@
           <a:lstStyle/>
           <a:p>
             <a:fld id="{26C1D8DE-D085-B844-8474-AFD779F84500}" type="datetimeFigureOut">
-              <a:t>2025/12/8</a:t>
+              <a:rPr lang="zh-CN" altLang="en-US"/>
+              <a:t>2026/2/27</a:t>
             </a:fld>
             <a:endParaRPr kumimoji="1" lang="zh-CN" altLang="en-US"/>
           </a:p>
@@ -1140,13 +1187,7 @@
       </p:sp>
       <p:sp>
         <p:nvSpPr>
-          <p:cNvPr id="5" name="页脚占位符 4">
-            <a:extLst>
-              <a:ext uri="{FF2B5EF4-FFF2-40B4-BE49-F238E27FC236}">
-                <a16:creationId xmlns:a16="http://schemas.microsoft.com/office/drawing/2014/main" id="{B79B16B4-77DF-9F26-BC8A-F4B36C14DB0B}"/>
-              </a:ext>
-            </a:extLst>
-          </p:cNvPr>
+          <p:cNvPr id="5" name="页脚占位符 4"/>
           <p:cNvSpPr>
             <a:spLocks noGrp="1"/>
           </p:cNvSpPr>
@@ -1165,13 +1206,7 @@
       </p:sp>
       <p:sp>
         <p:nvSpPr>
-          <p:cNvPr id="6" name="灯片编号占位符 5">
-            <a:extLst>
-              <a:ext uri="{FF2B5EF4-FFF2-40B4-BE49-F238E27FC236}">
-                <a16:creationId xmlns:a16="http://schemas.microsoft.com/office/drawing/2014/main" id="{D5E122AE-8C9C-BE23-9111-416F11C9D2BD}"/>
-              </a:ext>
-            </a:extLst>
-          </p:cNvPr>
+          <p:cNvPr id="6" name="灯片编号占位符 5"/>
           <p:cNvSpPr>
             <a:spLocks noGrp="1"/>
           </p:cNvSpPr>
@@ -1185,6 +1220,7 @@
           <a:lstStyle/>
           <a:p>
             <a:fld id="{BFA2D2D8-75F2-7C46-9B4E-B9ACD5B2CF84}" type="slidenum">
+              <a:rPr/>
               <a:t>‹#›</a:t>
             </a:fld>
             <a:endParaRPr kumimoji="1" lang="zh-CN" altLang="en-US"/>
@@ -1192,11 +1228,6 @@
         </p:txBody>
       </p:sp>
     </p:spTree>
-    <p:extLst>
-      <p:ext uri="{BB962C8B-B14F-4D97-AF65-F5344CB8AC3E}">
-        <p14:creationId xmlns:p14="http://schemas.microsoft.com/office/powerpoint/2010/main" val="525293708"/>
-      </p:ext>
-    </p:extLst>
   </p:cSld>
   <p:clrMapOvr>
     <a:masterClrMapping/>
@@ -1204,7 +1235,7 @@
 </p:sldLayout>
 </file>
 
-<file path=ppt/slideLayouts/slideLayout4.xml><?xml version="1.0" encoding="utf-8"?>
+<file path=ppt/slideLayouts/slideLayout15.xml><?xml version="1.0" encoding="utf-8"?>
 <p:sldLayout xmlns:a="http://schemas.openxmlformats.org/drawingml/2006/main" xmlns:r="http://schemas.openxmlformats.org/officeDocument/2006/relationships" xmlns:p="http://schemas.openxmlformats.org/presentationml/2006/main" type="twoObj" preserve="1">
   <p:cSld name="两栏内容">
     <p:spTree>
@@ -1223,13 +1254,7 @@
       </p:grpSpPr>
       <p:sp>
         <p:nvSpPr>
-          <p:cNvPr id="2" name="标题 1">
-            <a:extLst>
-              <a:ext uri="{FF2B5EF4-FFF2-40B4-BE49-F238E27FC236}">
-                <a16:creationId xmlns:a16="http://schemas.microsoft.com/office/drawing/2014/main" id="{A54413BD-F235-0AF9-6B94-DEDE86FC1FCE}"/>
-              </a:ext>
-            </a:extLst>
-          </p:cNvPr>
+          <p:cNvPr id="2" name="标题 1"/>
           <p:cNvSpPr>
             <a:spLocks noGrp="1"/>
           </p:cNvSpPr>
@@ -1251,13 +1276,7 @@
       </p:sp>
       <p:sp>
         <p:nvSpPr>
-          <p:cNvPr id="3" name="内容占位符 2">
-            <a:extLst>
-              <a:ext uri="{FF2B5EF4-FFF2-40B4-BE49-F238E27FC236}">
-                <a16:creationId xmlns:a16="http://schemas.microsoft.com/office/drawing/2014/main" id="{61454415-AB63-5C7F-4F00-20D3E5C39F2D}"/>
-              </a:ext>
-            </a:extLst>
-          </p:cNvPr>
+          <p:cNvPr id="3" name="内容占位符 2"/>
           <p:cNvSpPr>
             <a:spLocks noGrp="1"/>
           </p:cNvSpPr>
@@ -1313,13 +1332,7 @@
       </p:sp>
       <p:sp>
         <p:nvSpPr>
-          <p:cNvPr id="4" name="内容占位符 3">
-            <a:extLst>
-              <a:ext uri="{FF2B5EF4-FFF2-40B4-BE49-F238E27FC236}">
-                <a16:creationId xmlns:a16="http://schemas.microsoft.com/office/drawing/2014/main" id="{3A6F39EC-A2D7-0A11-2AB8-D7E018CE929D}"/>
-              </a:ext>
-            </a:extLst>
-          </p:cNvPr>
+          <p:cNvPr id="4" name="内容占位符 3"/>
           <p:cNvSpPr>
             <a:spLocks noGrp="1"/>
           </p:cNvSpPr>
@@ -1375,13 +1388,7 @@
       </p:sp>
       <p:sp>
         <p:nvSpPr>
-          <p:cNvPr id="5" name="日期占位符 4">
-            <a:extLst>
-              <a:ext uri="{FF2B5EF4-FFF2-40B4-BE49-F238E27FC236}">
-                <a16:creationId xmlns:a16="http://schemas.microsoft.com/office/drawing/2014/main" id="{94776097-DDE2-3752-88C1-51C85FF1A57E}"/>
-              </a:ext>
-            </a:extLst>
-          </p:cNvPr>
+          <p:cNvPr id="5" name="日期占位符 4"/>
           <p:cNvSpPr>
             <a:spLocks noGrp="1"/>
           </p:cNvSpPr>
@@ -1395,7 +1402,8 @@
           <a:lstStyle/>
           <a:p>
             <a:fld id="{26C1D8DE-D085-B844-8474-AFD779F84500}" type="datetimeFigureOut">
-              <a:t>2025/12/8</a:t>
+              <a:rPr lang="zh-CN" altLang="en-US"/>
+              <a:t>2026/2/27</a:t>
             </a:fld>
             <a:endParaRPr kumimoji="1" lang="zh-CN" altLang="en-US"/>
           </a:p>
@@ -1403,13 +1411,7 @@
       </p:sp>
       <p:sp>
         <p:nvSpPr>
-          <p:cNvPr id="6" name="页脚占位符 5">
-            <a:extLst>
-              <a:ext uri="{FF2B5EF4-FFF2-40B4-BE49-F238E27FC236}">
-                <a16:creationId xmlns:a16="http://schemas.microsoft.com/office/drawing/2014/main" id="{831E29A0-9E74-F648-1D7F-8575B9482EC6}"/>
-              </a:ext>
-            </a:extLst>
-          </p:cNvPr>
+          <p:cNvPr id="6" name="页脚占位符 5"/>
           <p:cNvSpPr>
             <a:spLocks noGrp="1"/>
           </p:cNvSpPr>
@@ -1428,13 +1430,7 @@
       </p:sp>
       <p:sp>
         <p:nvSpPr>
-          <p:cNvPr id="7" name="灯片编号占位符 6">
-            <a:extLst>
-              <a:ext uri="{FF2B5EF4-FFF2-40B4-BE49-F238E27FC236}">
-                <a16:creationId xmlns:a16="http://schemas.microsoft.com/office/drawing/2014/main" id="{6AD84028-4234-58C4-8943-5B2FAA2716A7}"/>
-              </a:ext>
-            </a:extLst>
-          </p:cNvPr>
+          <p:cNvPr id="7" name="灯片编号占位符 6"/>
           <p:cNvSpPr>
             <a:spLocks noGrp="1"/>
           </p:cNvSpPr>
@@ -1448,6 +1444,7 @@
           <a:lstStyle/>
           <a:p>
             <a:fld id="{BFA2D2D8-75F2-7C46-9B4E-B9ACD5B2CF84}" type="slidenum">
+              <a:rPr/>
               <a:t>‹#›</a:t>
             </a:fld>
             <a:endParaRPr kumimoji="1" lang="zh-CN" altLang="en-US"/>
@@ -1455,11 +1452,6 @@
         </p:txBody>
       </p:sp>
     </p:spTree>
-    <p:extLst>
-      <p:ext uri="{BB962C8B-B14F-4D97-AF65-F5344CB8AC3E}">
-        <p14:creationId xmlns:p14="http://schemas.microsoft.com/office/powerpoint/2010/main" val="2160279347"/>
-      </p:ext>
-    </p:extLst>
   </p:cSld>
   <p:clrMapOvr>
     <a:masterClrMapping/>
@@ -1467,7 +1459,7 @@
 </p:sldLayout>
 </file>
 
-<file path=ppt/slideLayouts/slideLayout5.xml><?xml version="1.0" encoding="utf-8"?>
+<file path=ppt/slideLayouts/slideLayout16.xml><?xml version="1.0" encoding="utf-8"?>
 <p:sldLayout xmlns:a="http://schemas.openxmlformats.org/drawingml/2006/main" xmlns:r="http://schemas.openxmlformats.org/officeDocument/2006/relationships" xmlns:p="http://schemas.openxmlformats.org/presentationml/2006/main" type="twoTxTwoObj" preserve="1">
   <p:cSld name="比较">
     <p:spTree>
@@ -1486,13 +1478,7 @@
       </p:grpSpPr>
       <p:sp>
         <p:nvSpPr>
-          <p:cNvPr id="2" name="标题 1">
-            <a:extLst>
-              <a:ext uri="{FF2B5EF4-FFF2-40B4-BE49-F238E27FC236}">
-                <a16:creationId xmlns:a16="http://schemas.microsoft.com/office/drawing/2014/main" id="{5CA1A453-D655-7F0A-E9A3-A5F8D7200A4D}"/>
-              </a:ext>
-            </a:extLst>
-          </p:cNvPr>
+          <p:cNvPr id="2" name="标题 1"/>
           <p:cNvSpPr>
             <a:spLocks noGrp="1"/>
           </p:cNvSpPr>
@@ -1519,13 +1505,7 @@
       </p:sp>
       <p:sp>
         <p:nvSpPr>
-          <p:cNvPr id="3" name="文本占位符 2">
-            <a:extLst>
-              <a:ext uri="{FF2B5EF4-FFF2-40B4-BE49-F238E27FC236}">
-                <a16:creationId xmlns:a16="http://schemas.microsoft.com/office/drawing/2014/main" id="{277BE0E8-74AC-DDDD-2608-EC22DB49F400}"/>
-              </a:ext>
-            </a:extLst>
-          </p:cNvPr>
+          <p:cNvPr id="3" name="文本占位符 2"/>
           <p:cNvSpPr>
             <a:spLocks noGrp="1"/>
           </p:cNvSpPr>
@@ -1590,13 +1570,7 @@
       </p:sp>
       <p:sp>
         <p:nvSpPr>
-          <p:cNvPr id="4" name="内容占位符 3">
-            <a:extLst>
-              <a:ext uri="{FF2B5EF4-FFF2-40B4-BE49-F238E27FC236}">
-                <a16:creationId xmlns:a16="http://schemas.microsoft.com/office/drawing/2014/main" id="{DE78AAF4-6E34-50AA-CCDB-710AB3DD66EF}"/>
-              </a:ext>
-            </a:extLst>
-          </p:cNvPr>
+          <p:cNvPr id="4" name="内容占位符 3"/>
           <p:cNvSpPr>
             <a:spLocks noGrp="1"/>
           </p:cNvSpPr>
@@ -1652,13 +1626,7 @@
       </p:sp>
       <p:sp>
         <p:nvSpPr>
-          <p:cNvPr id="5" name="文本占位符 4">
-            <a:extLst>
-              <a:ext uri="{FF2B5EF4-FFF2-40B4-BE49-F238E27FC236}">
-                <a16:creationId xmlns:a16="http://schemas.microsoft.com/office/drawing/2014/main" id="{5101CB78-4CDB-6058-EA70-2F9CE95C9D92}"/>
-              </a:ext>
-            </a:extLst>
-          </p:cNvPr>
+          <p:cNvPr id="5" name="文本占位符 4"/>
           <p:cNvSpPr>
             <a:spLocks noGrp="1"/>
           </p:cNvSpPr>
@@ -1723,13 +1691,7 @@
       </p:sp>
       <p:sp>
         <p:nvSpPr>
-          <p:cNvPr id="6" name="内容占位符 5">
-            <a:extLst>
-              <a:ext uri="{FF2B5EF4-FFF2-40B4-BE49-F238E27FC236}">
-                <a16:creationId xmlns:a16="http://schemas.microsoft.com/office/drawing/2014/main" id="{4F0AE267-BB3B-BD74-0F78-E984DACC543F}"/>
-              </a:ext>
-            </a:extLst>
-          </p:cNvPr>
+          <p:cNvPr id="6" name="内容占位符 5"/>
           <p:cNvSpPr>
             <a:spLocks noGrp="1"/>
           </p:cNvSpPr>
@@ -1785,13 +1747,7 @@
       </p:sp>
       <p:sp>
         <p:nvSpPr>
-          <p:cNvPr id="7" name="日期占位符 6">
-            <a:extLst>
-              <a:ext uri="{FF2B5EF4-FFF2-40B4-BE49-F238E27FC236}">
-                <a16:creationId xmlns:a16="http://schemas.microsoft.com/office/drawing/2014/main" id="{75B3EC9C-AAE8-BC91-F285-FECA0536536A}"/>
-              </a:ext>
-            </a:extLst>
-          </p:cNvPr>
+          <p:cNvPr id="7" name="日期占位符 6"/>
           <p:cNvSpPr>
             <a:spLocks noGrp="1"/>
           </p:cNvSpPr>
@@ -1805,7 +1761,8 @@
           <a:lstStyle/>
           <a:p>
             <a:fld id="{26C1D8DE-D085-B844-8474-AFD779F84500}" type="datetimeFigureOut">
-              <a:t>2025/12/8</a:t>
+              <a:rPr lang="zh-CN" altLang="en-US"/>
+              <a:t>2026/2/27</a:t>
             </a:fld>
             <a:endParaRPr kumimoji="1" lang="zh-CN" altLang="en-US"/>
           </a:p>
@@ -1813,13 +1770,7 @@
       </p:sp>
       <p:sp>
         <p:nvSpPr>
-          <p:cNvPr id="8" name="页脚占位符 7">
-            <a:extLst>
-              <a:ext uri="{FF2B5EF4-FFF2-40B4-BE49-F238E27FC236}">
-                <a16:creationId xmlns:a16="http://schemas.microsoft.com/office/drawing/2014/main" id="{035D268D-9D78-632E-3857-43300E43DE5E}"/>
-              </a:ext>
-            </a:extLst>
-          </p:cNvPr>
+          <p:cNvPr id="8" name="页脚占位符 7"/>
           <p:cNvSpPr>
             <a:spLocks noGrp="1"/>
           </p:cNvSpPr>
@@ -1838,13 +1789,7 @@
       </p:sp>
       <p:sp>
         <p:nvSpPr>
-          <p:cNvPr id="9" name="灯片编号占位符 8">
-            <a:extLst>
-              <a:ext uri="{FF2B5EF4-FFF2-40B4-BE49-F238E27FC236}">
-                <a16:creationId xmlns:a16="http://schemas.microsoft.com/office/drawing/2014/main" id="{16A1B57E-A82D-A9DF-D1DB-A67538B0774A}"/>
-              </a:ext>
-            </a:extLst>
-          </p:cNvPr>
+          <p:cNvPr id="9" name="灯片编号占位符 8"/>
           <p:cNvSpPr>
             <a:spLocks noGrp="1"/>
           </p:cNvSpPr>
@@ -1858,6 +1803,7 @@
           <a:lstStyle/>
           <a:p>
             <a:fld id="{BFA2D2D8-75F2-7C46-9B4E-B9ACD5B2CF84}" type="slidenum">
+              <a:rPr/>
               <a:t>‹#›</a:t>
             </a:fld>
             <a:endParaRPr kumimoji="1" lang="zh-CN" altLang="en-US"/>
@@ -1865,11 +1811,6 @@
         </p:txBody>
       </p:sp>
     </p:spTree>
-    <p:extLst>
-      <p:ext uri="{BB962C8B-B14F-4D97-AF65-F5344CB8AC3E}">
-        <p14:creationId xmlns:p14="http://schemas.microsoft.com/office/powerpoint/2010/main" val="1638406421"/>
-      </p:ext>
-    </p:extLst>
   </p:cSld>
   <p:clrMapOvr>
     <a:masterClrMapping/>
@@ -1877,7 +1818,7 @@
 </p:sldLayout>
 </file>
 
-<file path=ppt/slideLayouts/slideLayout6.xml><?xml version="1.0" encoding="utf-8"?>
+<file path=ppt/slideLayouts/slideLayout17.xml><?xml version="1.0" encoding="utf-8"?>
 <p:sldLayout xmlns:a="http://schemas.openxmlformats.org/drawingml/2006/main" xmlns:r="http://schemas.openxmlformats.org/officeDocument/2006/relationships" xmlns:p="http://schemas.openxmlformats.org/presentationml/2006/main" type="titleOnly" preserve="1">
   <p:cSld name="仅标题">
     <p:spTree>
@@ -1896,13 +1837,7 @@
       </p:grpSpPr>
       <p:sp>
         <p:nvSpPr>
-          <p:cNvPr id="2" name="标题 1">
-            <a:extLst>
-              <a:ext uri="{FF2B5EF4-FFF2-40B4-BE49-F238E27FC236}">
-                <a16:creationId xmlns:a16="http://schemas.microsoft.com/office/drawing/2014/main" id="{3E9E3BF3-1E30-1DE7-22D5-9A274E1C8749}"/>
-              </a:ext>
-            </a:extLst>
-          </p:cNvPr>
+          <p:cNvPr id="2" name="标题 1"/>
           <p:cNvSpPr>
             <a:spLocks noGrp="1"/>
           </p:cNvSpPr>
@@ -1924,13 +1859,7 @@
       </p:sp>
       <p:sp>
         <p:nvSpPr>
-          <p:cNvPr id="3" name="日期占位符 2">
-            <a:extLst>
-              <a:ext uri="{FF2B5EF4-FFF2-40B4-BE49-F238E27FC236}">
-                <a16:creationId xmlns:a16="http://schemas.microsoft.com/office/drawing/2014/main" id="{9C33F7A2-23B7-84C5-E826-1DE5738EA4B6}"/>
-              </a:ext>
-            </a:extLst>
-          </p:cNvPr>
+          <p:cNvPr id="3" name="日期占位符 2"/>
           <p:cNvSpPr>
             <a:spLocks noGrp="1"/>
           </p:cNvSpPr>
@@ -1944,7 +1873,8 @@
           <a:lstStyle/>
           <a:p>
             <a:fld id="{26C1D8DE-D085-B844-8474-AFD779F84500}" type="datetimeFigureOut">
-              <a:t>2025/12/8</a:t>
+              <a:rPr lang="zh-CN" altLang="en-US"/>
+              <a:t>2026/2/27</a:t>
             </a:fld>
             <a:endParaRPr kumimoji="1" lang="zh-CN" altLang="en-US"/>
           </a:p>
@@ -1952,13 +1882,7 @@
       </p:sp>
       <p:sp>
         <p:nvSpPr>
-          <p:cNvPr id="4" name="页脚占位符 3">
-            <a:extLst>
-              <a:ext uri="{FF2B5EF4-FFF2-40B4-BE49-F238E27FC236}">
-                <a16:creationId xmlns:a16="http://schemas.microsoft.com/office/drawing/2014/main" id="{2D1E9285-971A-476A-4F81-250CA1F458A7}"/>
-              </a:ext>
-            </a:extLst>
-          </p:cNvPr>
+          <p:cNvPr id="4" name="页脚占位符 3"/>
           <p:cNvSpPr>
             <a:spLocks noGrp="1"/>
           </p:cNvSpPr>
@@ -1977,13 +1901,7 @@
       </p:sp>
       <p:sp>
         <p:nvSpPr>
-          <p:cNvPr id="5" name="灯片编号占位符 4">
-            <a:extLst>
-              <a:ext uri="{FF2B5EF4-FFF2-40B4-BE49-F238E27FC236}">
-                <a16:creationId xmlns:a16="http://schemas.microsoft.com/office/drawing/2014/main" id="{22A86CB5-9A59-CC5A-7701-5344538286D8}"/>
-              </a:ext>
-            </a:extLst>
-          </p:cNvPr>
+          <p:cNvPr id="5" name="灯片编号占位符 4"/>
           <p:cNvSpPr>
             <a:spLocks noGrp="1"/>
           </p:cNvSpPr>
@@ -1997,6 +1915,7 @@
           <a:lstStyle/>
           <a:p>
             <a:fld id="{BFA2D2D8-75F2-7C46-9B4E-B9ACD5B2CF84}" type="slidenum">
+              <a:rPr/>
               <a:t>‹#›</a:t>
             </a:fld>
             <a:endParaRPr kumimoji="1" lang="zh-CN" altLang="en-US"/>
@@ -2004,11 +1923,6 @@
         </p:txBody>
       </p:sp>
     </p:spTree>
-    <p:extLst>
-      <p:ext uri="{BB962C8B-B14F-4D97-AF65-F5344CB8AC3E}">
-        <p14:creationId xmlns:p14="http://schemas.microsoft.com/office/powerpoint/2010/main" val="3856786096"/>
-      </p:ext>
-    </p:extLst>
   </p:cSld>
   <p:clrMapOvr>
     <a:masterClrMapping/>
@@ -2016,7 +1930,7 @@
 </p:sldLayout>
 </file>
 
-<file path=ppt/slideLayouts/slideLayout7.xml><?xml version="1.0" encoding="utf-8"?>
+<file path=ppt/slideLayouts/slideLayout18.xml><?xml version="1.0" encoding="utf-8"?>
 <p:sldLayout xmlns:a="http://schemas.openxmlformats.org/drawingml/2006/main" xmlns:r="http://schemas.openxmlformats.org/officeDocument/2006/relationships" xmlns:p="http://schemas.openxmlformats.org/presentationml/2006/main" type="blank" preserve="1">
   <p:cSld name="空白">
     <p:spTree>
@@ -2035,13 +1949,7 @@
       </p:grpSpPr>
       <p:sp>
         <p:nvSpPr>
-          <p:cNvPr id="2" name="日期占位符 1">
-            <a:extLst>
-              <a:ext uri="{FF2B5EF4-FFF2-40B4-BE49-F238E27FC236}">
-                <a16:creationId xmlns:a16="http://schemas.microsoft.com/office/drawing/2014/main" id="{F3B81622-DFD9-2784-6716-815A8DC618D4}"/>
-              </a:ext>
-            </a:extLst>
-          </p:cNvPr>
+          <p:cNvPr id="2" name="日期占位符 1"/>
           <p:cNvSpPr>
             <a:spLocks noGrp="1"/>
           </p:cNvSpPr>
@@ -2055,7 +1963,8 @@
           <a:lstStyle/>
           <a:p>
             <a:fld id="{26C1D8DE-D085-B844-8474-AFD779F84500}" type="datetimeFigureOut">
-              <a:t>2025/12/8</a:t>
+              <a:rPr lang="zh-CN" altLang="en-US"/>
+              <a:t>2026/2/27</a:t>
             </a:fld>
             <a:endParaRPr kumimoji="1" lang="zh-CN" altLang="en-US"/>
           </a:p>
@@ -2063,13 +1972,7 @@
       </p:sp>
       <p:sp>
         <p:nvSpPr>
-          <p:cNvPr id="3" name="页脚占位符 2">
-            <a:extLst>
-              <a:ext uri="{FF2B5EF4-FFF2-40B4-BE49-F238E27FC236}">
-                <a16:creationId xmlns:a16="http://schemas.microsoft.com/office/drawing/2014/main" id="{36C0DED4-F83E-33DD-3566-F4EB18438B8A}"/>
-              </a:ext>
-            </a:extLst>
-          </p:cNvPr>
+          <p:cNvPr id="3" name="页脚占位符 2"/>
           <p:cNvSpPr>
             <a:spLocks noGrp="1"/>
           </p:cNvSpPr>
@@ -2088,13 +1991,7 @@
       </p:sp>
       <p:sp>
         <p:nvSpPr>
-          <p:cNvPr id="4" name="灯片编号占位符 3">
-            <a:extLst>
-              <a:ext uri="{FF2B5EF4-FFF2-40B4-BE49-F238E27FC236}">
-                <a16:creationId xmlns:a16="http://schemas.microsoft.com/office/drawing/2014/main" id="{A4954B14-BB39-0171-5CE5-270EBF044ECC}"/>
-              </a:ext>
-            </a:extLst>
-          </p:cNvPr>
+          <p:cNvPr id="4" name="灯片编号占位符 3"/>
           <p:cNvSpPr>
             <a:spLocks noGrp="1"/>
           </p:cNvSpPr>
@@ -2108,6 +2005,7 @@
           <a:lstStyle/>
           <a:p>
             <a:fld id="{BFA2D2D8-75F2-7C46-9B4E-B9ACD5B2CF84}" type="slidenum">
+              <a:rPr/>
               <a:t>‹#›</a:t>
             </a:fld>
             <a:endParaRPr kumimoji="1" lang="zh-CN" altLang="en-US"/>
@@ -2115,11 +2013,6 @@
         </p:txBody>
       </p:sp>
     </p:spTree>
-    <p:extLst>
-      <p:ext uri="{BB962C8B-B14F-4D97-AF65-F5344CB8AC3E}">
-        <p14:creationId xmlns:p14="http://schemas.microsoft.com/office/powerpoint/2010/main" val="3772070975"/>
-      </p:ext>
-    </p:extLst>
   </p:cSld>
   <p:clrMapOvr>
     <a:masterClrMapping/>
@@ -2127,7 +2020,7 @@
 </p:sldLayout>
 </file>
 
-<file path=ppt/slideLayouts/slideLayout8.xml><?xml version="1.0" encoding="utf-8"?>
+<file path=ppt/slideLayouts/slideLayout19.xml><?xml version="1.0" encoding="utf-8"?>
 <p:sldLayout xmlns:a="http://schemas.openxmlformats.org/drawingml/2006/main" xmlns:r="http://schemas.openxmlformats.org/officeDocument/2006/relationships" xmlns:p="http://schemas.openxmlformats.org/presentationml/2006/main" type="objTx" preserve="1">
   <p:cSld name="内容与标题">
     <p:spTree>
@@ -2146,13 +2039,7 @@
       </p:grpSpPr>
       <p:sp>
         <p:nvSpPr>
-          <p:cNvPr id="2" name="标题 1">
-            <a:extLst>
-              <a:ext uri="{FF2B5EF4-FFF2-40B4-BE49-F238E27FC236}">
-                <a16:creationId xmlns:a16="http://schemas.microsoft.com/office/drawing/2014/main" id="{68FBCF08-6202-10FB-0DA5-F42A69EA7AA8}"/>
-              </a:ext>
-            </a:extLst>
-          </p:cNvPr>
+          <p:cNvPr id="2" name="标题 1"/>
           <p:cNvSpPr>
             <a:spLocks noGrp="1"/>
           </p:cNvSpPr>
@@ -2183,13 +2070,7 @@
       </p:sp>
       <p:sp>
         <p:nvSpPr>
-          <p:cNvPr id="3" name="内容占位符 2">
-            <a:extLst>
-              <a:ext uri="{FF2B5EF4-FFF2-40B4-BE49-F238E27FC236}">
-                <a16:creationId xmlns:a16="http://schemas.microsoft.com/office/drawing/2014/main" id="{8A733FE8-9317-7ADA-7F18-679C1BB9EAB0}"/>
-              </a:ext>
-            </a:extLst>
-          </p:cNvPr>
+          <p:cNvPr id="3" name="内容占位符 2"/>
           <p:cNvSpPr>
             <a:spLocks noGrp="1"/>
           </p:cNvSpPr>
@@ -2273,13 +2154,7 @@
       </p:sp>
       <p:sp>
         <p:nvSpPr>
-          <p:cNvPr id="4" name="文本占位符 3">
-            <a:extLst>
-              <a:ext uri="{FF2B5EF4-FFF2-40B4-BE49-F238E27FC236}">
-                <a16:creationId xmlns:a16="http://schemas.microsoft.com/office/drawing/2014/main" id="{CBBA2E37-ACA4-3682-EBE4-57B77E87CE93}"/>
-              </a:ext>
-            </a:extLst>
-          </p:cNvPr>
+          <p:cNvPr id="4" name="文本占位符 3"/>
           <p:cNvSpPr>
             <a:spLocks noGrp="1"/>
           </p:cNvSpPr>
@@ -2344,13 +2219,7 @@
       </p:sp>
       <p:sp>
         <p:nvSpPr>
-          <p:cNvPr id="5" name="日期占位符 4">
-            <a:extLst>
-              <a:ext uri="{FF2B5EF4-FFF2-40B4-BE49-F238E27FC236}">
-                <a16:creationId xmlns:a16="http://schemas.microsoft.com/office/drawing/2014/main" id="{6A3F9363-B09A-D3D5-A370-FA7D0CB3DFE9}"/>
-              </a:ext>
-            </a:extLst>
-          </p:cNvPr>
+          <p:cNvPr id="5" name="日期占位符 4"/>
           <p:cNvSpPr>
             <a:spLocks noGrp="1"/>
           </p:cNvSpPr>
@@ -2364,7 +2233,8 @@
           <a:lstStyle/>
           <a:p>
             <a:fld id="{26C1D8DE-D085-B844-8474-AFD779F84500}" type="datetimeFigureOut">
-              <a:t>2025/12/8</a:t>
+              <a:rPr lang="zh-CN" altLang="en-US"/>
+              <a:t>2026/2/27</a:t>
             </a:fld>
             <a:endParaRPr kumimoji="1" lang="zh-CN" altLang="en-US"/>
           </a:p>
@@ -2372,13 +2242,7 @@
       </p:sp>
       <p:sp>
         <p:nvSpPr>
-          <p:cNvPr id="6" name="页脚占位符 5">
-            <a:extLst>
-              <a:ext uri="{FF2B5EF4-FFF2-40B4-BE49-F238E27FC236}">
-                <a16:creationId xmlns:a16="http://schemas.microsoft.com/office/drawing/2014/main" id="{088918D5-6A1F-1245-4056-7E9FEBEF8A56}"/>
-              </a:ext>
-            </a:extLst>
-          </p:cNvPr>
+          <p:cNvPr id="6" name="页脚占位符 5"/>
           <p:cNvSpPr>
             <a:spLocks noGrp="1"/>
           </p:cNvSpPr>
@@ -2397,13 +2261,7 @@
       </p:sp>
       <p:sp>
         <p:nvSpPr>
-          <p:cNvPr id="7" name="灯片编号占位符 6">
-            <a:extLst>
-              <a:ext uri="{FF2B5EF4-FFF2-40B4-BE49-F238E27FC236}">
-                <a16:creationId xmlns:a16="http://schemas.microsoft.com/office/drawing/2014/main" id="{E01BB504-D7D8-9FED-B2D0-480B30C2D51D}"/>
-              </a:ext>
-            </a:extLst>
-          </p:cNvPr>
+          <p:cNvPr id="7" name="灯片编号占位符 6"/>
           <p:cNvSpPr>
             <a:spLocks noGrp="1"/>
           </p:cNvSpPr>
@@ -2417,6 +2275,7 @@
           <a:lstStyle/>
           <a:p>
             <a:fld id="{BFA2D2D8-75F2-7C46-9B4E-B9ACD5B2CF84}" type="slidenum">
+              <a:rPr/>
               <a:t>‹#›</a:t>
             </a:fld>
             <a:endParaRPr kumimoji="1" lang="zh-CN" altLang="en-US"/>
@@ -2424,11 +2283,2047 @@
         </p:txBody>
       </p:sp>
     </p:spTree>
-    <p:extLst>
-      <p:ext uri="{BB962C8B-B14F-4D97-AF65-F5344CB8AC3E}">
-        <p14:creationId xmlns:p14="http://schemas.microsoft.com/office/powerpoint/2010/main" val="2399061332"/>
-      </p:ext>
-    </p:extLst>
+  </p:cSld>
+  <p:clrMapOvr>
+    <a:masterClrMapping/>
+  </p:clrMapOvr>
+</p:sldLayout>
+</file>
+
+<file path=ppt/slideLayouts/slideLayout2.xml><?xml version="1.0" encoding="utf-8"?>
+<p:sldLayout xmlns:a="http://schemas.openxmlformats.org/drawingml/2006/main" xmlns:r="http://schemas.openxmlformats.org/officeDocument/2006/relationships" xmlns:p="http://schemas.openxmlformats.org/presentationml/2006/main" type="obj" preserve="1">
+  <p:cSld name="标题和内容">
+    <p:spTree>
+      <p:nvGrpSpPr>
+        <p:cNvPr id="1" name=""/>
+        <p:cNvGrpSpPr/>
+        <p:nvPr/>
+      </p:nvGrpSpPr>
+      <p:grpSpPr>
+        <a:xfrm>
+          <a:off x="0" y="0"/>
+          <a:ext cx="0" cy="0"/>
+          <a:chOff x="0" y="0"/>
+          <a:chExt cx="0" cy="0"/>
+        </a:xfrm>
+      </p:grpSpPr>
+      <p:sp>
+        <p:nvSpPr>
+          <p:cNvPr id="2" name="标题 1"/>
+          <p:cNvSpPr>
+            <a:spLocks noGrp="1"/>
+          </p:cNvSpPr>
+          <p:nvPr>
+            <p:ph type="title"/>
+          </p:nvPr>
+        </p:nvSpPr>
+        <p:spPr/>
+        <p:txBody>
+          <a:bodyPr/>
+          <a:lstStyle/>
+          <a:p>
+            <a:r>
+              <a:rPr kumimoji="1" lang="zh-CN" altLang="en-US"/>
+              <a:t>单击此处编辑母版标题样式</a:t>
+            </a:r>
+          </a:p>
+        </p:txBody>
+      </p:sp>
+      <p:sp>
+        <p:nvSpPr>
+          <p:cNvPr id="3" name="内容占位符 2"/>
+          <p:cNvSpPr>
+            <a:spLocks noGrp="1"/>
+          </p:cNvSpPr>
+          <p:nvPr>
+            <p:ph idx="1"/>
+          </p:nvPr>
+        </p:nvSpPr>
+        <p:spPr/>
+        <p:txBody>
+          <a:bodyPr/>
+          <a:lstStyle/>
+          <a:p>
+            <a:pPr lvl="0"/>
+            <a:r>
+              <a:rPr kumimoji="1" lang="zh-CN" altLang="en-US"/>
+              <a:t>单击此处编辑母版文本样式</a:t>
+            </a:r>
+          </a:p>
+          <a:p>
+            <a:pPr lvl="1"/>
+            <a:r>
+              <a:rPr kumimoji="1" lang="zh-CN" altLang="en-US"/>
+              <a:t>二级</a:t>
+            </a:r>
+          </a:p>
+          <a:p>
+            <a:pPr lvl="2"/>
+            <a:r>
+              <a:rPr kumimoji="1" lang="zh-CN" altLang="en-US"/>
+              <a:t>三级</a:t>
+            </a:r>
+          </a:p>
+          <a:p>
+            <a:pPr lvl="3"/>
+            <a:r>
+              <a:rPr kumimoji="1" lang="zh-CN" altLang="en-US"/>
+              <a:t>四级</a:t>
+            </a:r>
+          </a:p>
+          <a:p>
+            <a:pPr lvl="4"/>
+            <a:r>
+              <a:rPr kumimoji="1" lang="zh-CN" altLang="en-US"/>
+              <a:t>五级</a:t>
+            </a:r>
+          </a:p>
+        </p:txBody>
+      </p:sp>
+      <p:sp>
+        <p:nvSpPr>
+          <p:cNvPr id="4" name="日期占位符 3"/>
+          <p:cNvSpPr>
+            <a:spLocks noGrp="1"/>
+          </p:cNvSpPr>
+          <p:nvPr>
+            <p:ph type="dt" sz="half" idx="10"/>
+          </p:nvPr>
+        </p:nvSpPr>
+        <p:spPr/>
+        <p:txBody>
+          <a:bodyPr/>
+          <a:lstStyle/>
+          <a:p>
+            <a:fld id="{26C1D8DE-D085-B844-8474-AFD779F84500}" type="datetimeFigureOut">
+              <a:rPr lang="zh-CN" altLang="en-US"/>
+              <a:t>2026/2/27</a:t>
+            </a:fld>
+            <a:endParaRPr kumimoji="1" lang="zh-CN" altLang="en-US"/>
+          </a:p>
+        </p:txBody>
+      </p:sp>
+      <p:sp>
+        <p:nvSpPr>
+          <p:cNvPr id="5" name="页脚占位符 4"/>
+          <p:cNvSpPr>
+            <a:spLocks noGrp="1"/>
+          </p:cNvSpPr>
+          <p:nvPr>
+            <p:ph type="ftr" sz="quarter" idx="11"/>
+          </p:nvPr>
+        </p:nvSpPr>
+        <p:spPr/>
+        <p:txBody>
+          <a:bodyPr/>
+          <a:lstStyle/>
+          <a:p>
+            <a:endParaRPr kumimoji="1" lang="zh-CN" altLang="en-US"/>
+          </a:p>
+        </p:txBody>
+      </p:sp>
+      <p:sp>
+        <p:nvSpPr>
+          <p:cNvPr id="6" name="灯片编号占位符 5"/>
+          <p:cNvSpPr>
+            <a:spLocks noGrp="1"/>
+          </p:cNvSpPr>
+          <p:nvPr>
+            <p:ph type="sldNum" sz="quarter" idx="12"/>
+          </p:nvPr>
+        </p:nvSpPr>
+        <p:spPr/>
+        <p:txBody>
+          <a:bodyPr/>
+          <a:lstStyle/>
+          <a:p>
+            <a:fld id="{BFA2D2D8-75F2-7C46-9B4E-B9ACD5B2CF84}" type="slidenum">
+              <a:rPr/>
+              <a:t>‹#›</a:t>
+            </a:fld>
+            <a:endParaRPr kumimoji="1" lang="zh-CN" altLang="en-US"/>
+          </a:p>
+        </p:txBody>
+      </p:sp>
+    </p:spTree>
+  </p:cSld>
+  <p:clrMapOvr>
+    <a:masterClrMapping/>
+  </p:clrMapOvr>
+</p:sldLayout>
+</file>
+
+<file path=ppt/slideLayouts/slideLayout20.xml><?xml version="1.0" encoding="utf-8"?>
+<p:sldLayout xmlns:a="http://schemas.openxmlformats.org/drawingml/2006/main" xmlns:r="http://schemas.openxmlformats.org/officeDocument/2006/relationships" xmlns:p="http://schemas.openxmlformats.org/presentationml/2006/main" type="picTx" preserve="1">
+  <p:cSld name="图片与标题">
+    <p:spTree>
+      <p:nvGrpSpPr>
+        <p:cNvPr id="1" name=""/>
+        <p:cNvGrpSpPr/>
+        <p:nvPr/>
+      </p:nvGrpSpPr>
+      <p:grpSpPr>
+        <a:xfrm>
+          <a:off x="0" y="0"/>
+          <a:ext cx="0" cy="0"/>
+          <a:chOff x="0" y="0"/>
+          <a:chExt cx="0" cy="0"/>
+        </a:xfrm>
+      </p:grpSpPr>
+      <p:sp>
+        <p:nvSpPr>
+          <p:cNvPr id="2" name="标题 1"/>
+          <p:cNvSpPr>
+            <a:spLocks noGrp="1"/>
+          </p:cNvSpPr>
+          <p:nvPr>
+            <p:ph type="title"/>
+          </p:nvPr>
+        </p:nvSpPr>
+        <p:spPr>
+          <a:xfrm>
+            <a:off x="839788" y="457200"/>
+            <a:ext cx="3932237" cy="1600200"/>
+          </a:xfrm>
+        </p:spPr>
+        <p:txBody>
+          <a:bodyPr anchor="b"/>
+          <a:lstStyle>
+            <a:lvl1pPr>
+              <a:defRPr sz="3200"/>
+            </a:lvl1pPr>
+          </a:lstStyle>
+          <a:p>
+            <a:r>
+              <a:rPr kumimoji="1" lang="zh-CN" altLang="en-US"/>
+              <a:t>单击此处编辑母版标题样式</a:t>
+            </a:r>
+          </a:p>
+        </p:txBody>
+      </p:sp>
+      <p:sp>
+        <p:nvSpPr>
+          <p:cNvPr id="3" name="图片占位符 2"/>
+          <p:cNvSpPr>
+            <a:spLocks noGrp="1"/>
+          </p:cNvSpPr>
+          <p:nvPr>
+            <p:ph type="pic" idx="1"/>
+          </p:nvPr>
+        </p:nvSpPr>
+        <p:spPr>
+          <a:xfrm>
+            <a:off x="5183188" y="987425"/>
+            <a:ext cx="6172200" cy="4873625"/>
+          </a:xfrm>
+        </p:spPr>
+        <p:txBody>
+          <a:bodyPr/>
+          <a:lstStyle>
+            <a:lvl1pPr marL="0" indent="0">
+              <a:buNone/>
+              <a:defRPr sz="3200"/>
+            </a:lvl1pPr>
+            <a:lvl2pPr marL="457200" indent="0">
+              <a:buNone/>
+              <a:defRPr sz="2800"/>
+            </a:lvl2pPr>
+            <a:lvl3pPr marL="914400" indent="0">
+              <a:buNone/>
+              <a:defRPr sz="2400"/>
+            </a:lvl3pPr>
+            <a:lvl4pPr marL="1371600" indent="0">
+              <a:buNone/>
+              <a:defRPr sz="2000"/>
+            </a:lvl4pPr>
+            <a:lvl5pPr marL="1828800" indent="0">
+              <a:buNone/>
+              <a:defRPr sz="2000"/>
+            </a:lvl5pPr>
+            <a:lvl6pPr marL="2286000" indent="0">
+              <a:buNone/>
+              <a:defRPr sz="2000"/>
+            </a:lvl6pPr>
+            <a:lvl7pPr marL="2743200" indent="0">
+              <a:buNone/>
+              <a:defRPr sz="2000"/>
+            </a:lvl7pPr>
+            <a:lvl8pPr marL="3200400" indent="0">
+              <a:buNone/>
+              <a:defRPr sz="2000"/>
+            </a:lvl8pPr>
+            <a:lvl9pPr marL="3657600" indent="0">
+              <a:buNone/>
+              <a:defRPr sz="2000"/>
+            </a:lvl9pPr>
+          </a:lstStyle>
+          <a:p>
+            <a:endParaRPr kumimoji="1" lang="zh-CN" altLang="en-US"/>
+          </a:p>
+        </p:txBody>
+      </p:sp>
+      <p:sp>
+        <p:nvSpPr>
+          <p:cNvPr id="4" name="文本占位符 3"/>
+          <p:cNvSpPr>
+            <a:spLocks noGrp="1"/>
+          </p:cNvSpPr>
+          <p:nvPr>
+            <p:ph type="body" sz="half" idx="2"/>
+          </p:nvPr>
+        </p:nvSpPr>
+        <p:spPr>
+          <a:xfrm>
+            <a:off x="839788" y="2057400"/>
+            <a:ext cx="3932237" cy="3811588"/>
+          </a:xfrm>
+        </p:spPr>
+        <p:txBody>
+          <a:bodyPr/>
+          <a:lstStyle>
+            <a:lvl1pPr marL="0" indent="0">
+              <a:buNone/>
+              <a:defRPr sz="1600"/>
+            </a:lvl1pPr>
+            <a:lvl2pPr marL="457200" indent="0">
+              <a:buNone/>
+              <a:defRPr sz="1400"/>
+            </a:lvl2pPr>
+            <a:lvl3pPr marL="914400" indent="0">
+              <a:buNone/>
+              <a:defRPr sz="1200"/>
+            </a:lvl3pPr>
+            <a:lvl4pPr marL="1371600" indent="0">
+              <a:buNone/>
+              <a:defRPr sz="1000"/>
+            </a:lvl4pPr>
+            <a:lvl5pPr marL="1828800" indent="0">
+              <a:buNone/>
+              <a:defRPr sz="1000"/>
+            </a:lvl5pPr>
+            <a:lvl6pPr marL="2286000" indent="0">
+              <a:buNone/>
+              <a:defRPr sz="1000"/>
+            </a:lvl6pPr>
+            <a:lvl7pPr marL="2743200" indent="0">
+              <a:buNone/>
+              <a:defRPr sz="1000"/>
+            </a:lvl7pPr>
+            <a:lvl8pPr marL="3200400" indent="0">
+              <a:buNone/>
+              <a:defRPr sz="1000"/>
+            </a:lvl8pPr>
+            <a:lvl9pPr marL="3657600" indent="0">
+              <a:buNone/>
+              <a:defRPr sz="1000"/>
+            </a:lvl9pPr>
+          </a:lstStyle>
+          <a:p>
+            <a:pPr lvl="0"/>
+            <a:r>
+              <a:rPr kumimoji="1" lang="zh-CN" altLang="en-US"/>
+              <a:t>单击此处编辑母版文本样式</a:t>
+            </a:r>
+          </a:p>
+        </p:txBody>
+      </p:sp>
+      <p:sp>
+        <p:nvSpPr>
+          <p:cNvPr id="5" name="日期占位符 4"/>
+          <p:cNvSpPr>
+            <a:spLocks noGrp="1"/>
+          </p:cNvSpPr>
+          <p:nvPr>
+            <p:ph type="dt" sz="half" idx="10"/>
+          </p:nvPr>
+        </p:nvSpPr>
+        <p:spPr/>
+        <p:txBody>
+          <a:bodyPr/>
+          <a:lstStyle/>
+          <a:p>
+            <a:fld id="{26C1D8DE-D085-B844-8474-AFD779F84500}" type="datetimeFigureOut">
+              <a:rPr lang="zh-CN" altLang="en-US"/>
+              <a:t>2026/2/27</a:t>
+            </a:fld>
+            <a:endParaRPr kumimoji="1" lang="zh-CN" altLang="en-US"/>
+          </a:p>
+        </p:txBody>
+      </p:sp>
+      <p:sp>
+        <p:nvSpPr>
+          <p:cNvPr id="6" name="页脚占位符 5"/>
+          <p:cNvSpPr>
+            <a:spLocks noGrp="1"/>
+          </p:cNvSpPr>
+          <p:nvPr>
+            <p:ph type="ftr" sz="quarter" idx="11"/>
+          </p:nvPr>
+        </p:nvSpPr>
+        <p:spPr/>
+        <p:txBody>
+          <a:bodyPr/>
+          <a:lstStyle/>
+          <a:p>
+            <a:endParaRPr kumimoji="1" lang="zh-CN" altLang="en-US"/>
+          </a:p>
+        </p:txBody>
+      </p:sp>
+      <p:sp>
+        <p:nvSpPr>
+          <p:cNvPr id="7" name="灯片编号占位符 6"/>
+          <p:cNvSpPr>
+            <a:spLocks noGrp="1"/>
+          </p:cNvSpPr>
+          <p:nvPr>
+            <p:ph type="sldNum" sz="quarter" idx="12"/>
+          </p:nvPr>
+        </p:nvSpPr>
+        <p:spPr/>
+        <p:txBody>
+          <a:bodyPr/>
+          <a:lstStyle/>
+          <a:p>
+            <a:fld id="{BFA2D2D8-75F2-7C46-9B4E-B9ACD5B2CF84}" type="slidenum">
+              <a:rPr/>
+              <a:t>‹#›</a:t>
+            </a:fld>
+            <a:endParaRPr kumimoji="1" lang="zh-CN" altLang="en-US"/>
+          </a:p>
+        </p:txBody>
+      </p:sp>
+    </p:spTree>
+  </p:cSld>
+  <p:clrMapOvr>
+    <a:masterClrMapping/>
+  </p:clrMapOvr>
+</p:sldLayout>
+</file>
+
+<file path=ppt/slideLayouts/slideLayout21.xml><?xml version="1.0" encoding="utf-8"?>
+<p:sldLayout xmlns:a="http://schemas.openxmlformats.org/drawingml/2006/main" xmlns:r="http://schemas.openxmlformats.org/officeDocument/2006/relationships" xmlns:p="http://schemas.openxmlformats.org/presentationml/2006/main" type="vertTx" preserve="1">
+  <p:cSld name="标题和竖排文字">
+    <p:spTree>
+      <p:nvGrpSpPr>
+        <p:cNvPr id="1" name=""/>
+        <p:cNvGrpSpPr/>
+        <p:nvPr/>
+      </p:nvGrpSpPr>
+      <p:grpSpPr>
+        <a:xfrm>
+          <a:off x="0" y="0"/>
+          <a:ext cx="0" cy="0"/>
+          <a:chOff x="0" y="0"/>
+          <a:chExt cx="0" cy="0"/>
+        </a:xfrm>
+      </p:grpSpPr>
+      <p:sp>
+        <p:nvSpPr>
+          <p:cNvPr id="2" name="标题 1"/>
+          <p:cNvSpPr>
+            <a:spLocks noGrp="1"/>
+          </p:cNvSpPr>
+          <p:nvPr>
+            <p:ph type="title"/>
+          </p:nvPr>
+        </p:nvSpPr>
+        <p:spPr/>
+        <p:txBody>
+          <a:bodyPr/>
+          <a:lstStyle/>
+          <a:p>
+            <a:r>
+              <a:rPr kumimoji="1" lang="zh-CN" altLang="en-US"/>
+              <a:t>单击此处编辑母版标题样式</a:t>
+            </a:r>
+          </a:p>
+        </p:txBody>
+      </p:sp>
+      <p:sp>
+        <p:nvSpPr>
+          <p:cNvPr id="3" name="竖排文字占位符 2"/>
+          <p:cNvSpPr>
+            <a:spLocks noGrp="1"/>
+          </p:cNvSpPr>
+          <p:nvPr>
+            <p:ph type="body" orient="vert" idx="1"/>
+          </p:nvPr>
+        </p:nvSpPr>
+        <p:spPr/>
+        <p:txBody>
+          <a:bodyPr vert="eaVert"/>
+          <a:lstStyle/>
+          <a:p>
+            <a:pPr lvl="0"/>
+            <a:r>
+              <a:rPr kumimoji="1" lang="zh-CN" altLang="en-US"/>
+              <a:t>单击此处编辑母版文本样式</a:t>
+            </a:r>
+          </a:p>
+          <a:p>
+            <a:pPr lvl="1"/>
+            <a:r>
+              <a:rPr kumimoji="1" lang="zh-CN" altLang="en-US"/>
+              <a:t>二级</a:t>
+            </a:r>
+          </a:p>
+          <a:p>
+            <a:pPr lvl="2"/>
+            <a:r>
+              <a:rPr kumimoji="1" lang="zh-CN" altLang="en-US"/>
+              <a:t>三级</a:t>
+            </a:r>
+          </a:p>
+          <a:p>
+            <a:pPr lvl="3"/>
+            <a:r>
+              <a:rPr kumimoji="1" lang="zh-CN" altLang="en-US"/>
+              <a:t>四级</a:t>
+            </a:r>
+          </a:p>
+          <a:p>
+            <a:pPr lvl="4"/>
+            <a:r>
+              <a:rPr kumimoji="1" lang="zh-CN" altLang="en-US"/>
+              <a:t>五级</a:t>
+            </a:r>
+          </a:p>
+        </p:txBody>
+      </p:sp>
+      <p:sp>
+        <p:nvSpPr>
+          <p:cNvPr id="4" name="日期占位符 3"/>
+          <p:cNvSpPr>
+            <a:spLocks noGrp="1"/>
+          </p:cNvSpPr>
+          <p:nvPr>
+            <p:ph type="dt" sz="half" idx="10"/>
+          </p:nvPr>
+        </p:nvSpPr>
+        <p:spPr/>
+        <p:txBody>
+          <a:bodyPr/>
+          <a:lstStyle/>
+          <a:p>
+            <a:fld id="{26C1D8DE-D085-B844-8474-AFD779F84500}" type="datetimeFigureOut">
+              <a:rPr lang="zh-CN" altLang="en-US"/>
+              <a:t>2026/2/27</a:t>
+            </a:fld>
+            <a:endParaRPr kumimoji="1" lang="zh-CN" altLang="en-US"/>
+          </a:p>
+        </p:txBody>
+      </p:sp>
+      <p:sp>
+        <p:nvSpPr>
+          <p:cNvPr id="5" name="页脚占位符 4"/>
+          <p:cNvSpPr>
+            <a:spLocks noGrp="1"/>
+          </p:cNvSpPr>
+          <p:nvPr>
+            <p:ph type="ftr" sz="quarter" idx="11"/>
+          </p:nvPr>
+        </p:nvSpPr>
+        <p:spPr/>
+        <p:txBody>
+          <a:bodyPr/>
+          <a:lstStyle/>
+          <a:p>
+            <a:endParaRPr kumimoji="1" lang="zh-CN" altLang="en-US"/>
+          </a:p>
+        </p:txBody>
+      </p:sp>
+      <p:sp>
+        <p:nvSpPr>
+          <p:cNvPr id="6" name="灯片编号占位符 5"/>
+          <p:cNvSpPr>
+            <a:spLocks noGrp="1"/>
+          </p:cNvSpPr>
+          <p:nvPr>
+            <p:ph type="sldNum" sz="quarter" idx="12"/>
+          </p:nvPr>
+        </p:nvSpPr>
+        <p:spPr/>
+        <p:txBody>
+          <a:bodyPr/>
+          <a:lstStyle/>
+          <a:p>
+            <a:fld id="{BFA2D2D8-75F2-7C46-9B4E-B9ACD5B2CF84}" type="slidenum">
+              <a:rPr/>
+              <a:t>‹#›</a:t>
+            </a:fld>
+            <a:endParaRPr kumimoji="1" lang="zh-CN" altLang="en-US"/>
+          </a:p>
+        </p:txBody>
+      </p:sp>
+    </p:spTree>
+  </p:cSld>
+  <p:clrMapOvr>
+    <a:masterClrMapping/>
+  </p:clrMapOvr>
+</p:sldLayout>
+</file>
+
+<file path=ppt/slideLayouts/slideLayout22.xml><?xml version="1.0" encoding="utf-8"?>
+<p:sldLayout xmlns:a="http://schemas.openxmlformats.org/drawingml/2006/main" xmlns:r="http://schemas.openxmlformats.org/officeDocument/2006/relationships" xmlns:p="http://schemas.openxmlformats.org/presentationml/2006/main" type="vertTitleAndTx" preserve="1">
+  <p:cSld name="竖排标题与文本">
+    <p:spTree>
+      <p:nvGrpSpPr>
+        <p:cNvPr id="1" name=""/>
+        <p:cNvGrpSpPr/>
+        <p:nvPr/>
+      </p:nvGrpSpPr>
+      <p:grpSpPr>
+        <a:xfrm>
+          <a:off x="0" y="0"/>
+          <a:ext cx="0" cy="0"/>
+          <a:chOff x="0" y="0"/>
+          <a:chExt cx="0" cy="0"/>
+        </a:xfrm>
+      </p:grpSpPr>
+      <p:sp>
+        <p:nvSpPr>
+          <p:cNvPr id="2" name="竖排标题 1"/>
+          <p:cNvSpPr>
+            <a:spLocks noGrp="1"/>
+          </p:cNvSpPr>
+          <p:nvPr>
+            <p:ph type="title" orient="vert"/>
+          </p:nvPr>
+        </p:nvSpPr>
+        <p:spPr>
+          <a:xfrm>
+            <a:off x="8724900" y="365125"/>
+            <a:ext cx="2628900" cy="5811838"/>
+          </a:xfrm>
+        </p:spPr>
+        <p:txBody>
+          <a:bodyPr vert="eaVert"/>
+          <a:lstStyle/>
+          <a:p>
+            <a:r>
+              <a:rPr kumimoji="1" lang="zh-CN" altLang="en-US"/>
+              <a:t>单击此处编辑母版标题样式</a:t>
+            </a:r>
+          </a:p>
+        </p:txBody>
+      </p:sp>
+      <p:sp>
+        <p:nvSpPr>
+          <p:cNvPr id="3" name="竖排文字占位符 2"/>
+          <p:cNvSpPr>
+            <a:spLocks noGrp="1"/>
+          </p:cNvSpPr>
+          <p:nvPr>
+            <p:ph type="body" orient="vert" idx="1"/>
+          </p:nvPr>
+        </p:nvSpPr>
+        <p:spPr>
+          <a:xfrm>
+            <a:off x="838200" y="365125"/>
+            <a:ext cx="7734300" cy="5811838"/>
+          </a:xfrm>
+        </p:spPr>
+        <p:txBody>
+          <a:bodyPr vert="eaVert"/>
+          <a:lstStyle/>
+          <a:p>
+            <a:pPr lvl="0"/>
+            <a:r>
+              <a:rPr kumimoji="1" lang="zh-CN" altLang="en-US"/>
+              <a:t>单击此处编辑母版文本样式</a:t>
+            </a:r>
+          </a:p>
+          <a:p>
+            <a:pPr lvl="1"/>
+            <a:r>
+              <a:rPr kumimoji="1" lang="zh-CN" altLang="en-US"/>
+              <a:t>二级</a:t>
+            </a:r>
+          </a:p>
+          <a:p>
+            <a:pPr lvl="2"/>
+            <a:r>
+              <a:rPr kumimoji="1" lang="zh-CN" altLang="en-US"/>
+              <a:t>三级</a:t>
+            </a:r>
+          </a:p>
+          <a:p>
+            <a:pPr lvl="3"/>
+            <a:r>
+              <a:rPr kumimoji="1" lang="zh-CN" altLang="en-US"/>
+              <a:t>四级</a:t>
+            </a:r>
+          </a:p>
+          <a:p>
+            <a:pPr lvl="4"/>
+            <a:r>
+              <a:rPr kumimoji="1" lang="zh-CN" altLang="en-US"/>
+              <a:t>五级</a:t>
+            </a:r>
+          </a:p>
+        </p:txBody>
+      </p:sp>
+      <p:sp>
+        <p:nvSpPr>
+          <p:cNvPr id="4" name="日期占位符 3"/>
+          <p:cNvSpPr>
+            <a:spLocks noGrp="1"/>
+          </p:cNvSpPr>
+          <p:nvPr>
+            <p:ph type="dt" sz="half" idx="10"/>
+          </p:nvPr>
+        </p:nvSpPr>
+        <p:spPr/>
+        <p:txBody>
+          <a:bodyPr/>
+          <a:lstStyle/>
+          <a:p>
+            <a:fld id="{26C1D8DE-D085-B844-8474-AFD779F84500}" type="datetimeFigureOut">
+              <a:rPr lang="zh-CN" altLang="en-US"/>
+              <a:t>2026/2/27</a:t>
+            </a:fld>
+            <a:endParaRPr kumimoji="1" lang="zh-CN" altLang="en-US"/>
+          </a:p>
+        </p:txBody>
+      </p:sp>
+      <p:sp>
+        <p:nvSpPr>
+          <p:cNvPr id="5" name="页脚占位符 4"/>
+          <p:cNvSpPr>
+            <a:spLocks noGrp="1"/>
+          </p:cNvSpPr>
+          <p:nvPr>
+            <p:ph type="ftr" sz="quarter" idx="11"/>
+          </p:nvPr>
+        </p:nvSpPr>
+        <p:spPr/>
+        <p:txBody>
+          <a:bodyPr/>
+          <a:lstStyle/>
+          <a:p>
+            <a:endParaRPr kumimoji="1" lang="zh-CN" altLang="en-US"/>
+          </a:p>
+        </p:txBody>
+      </p:sp>
+      <p:sp>
+        <p:nvSpPr>
+          <p:cNvPr id="6" name="灯片编号占位符 5"/>
+          <p:cNvSpPr>
+            <a:spLocks noGrp="1"/>
+          </p:cNvSpPr>
+          <p:nvPr>
+            <p:ph type="sldNum" sz="quarter" idx="12"/>
+          </p:nvPr>
+        </p:nvSpPr>
+        <p:spPr/>
+        <p:txBody>
+          <a:bodyPr/>
+          <a:lstStyle/>
+          <a:p>
+            <a:fld id="{BFA2D2D8-75F2-7C46-9B4E-B9ACD5B2CF84}" type="slidenum">
+              <a:rPr/>
+              <a:t>‹#›</a:t>
+            </a:fld>
+            <a:endParaRPr kumimoji="1" lang="zh-CN" altLang="en-US"/>
+          </a:p>
+        </p:txBody>
+      </p:sp>
+    </p:spTree>
+  </p:cSld>
+  <p:clrMapOvr>
+    <a:masterClrMapping/>
+  </p:clrMapOvr>
+</p:sldLayout>
+</file>
+
+<file path=ppt/slideLayouts/slideLayout3.xml><?xml version="1.0" encoding="utf-8"?>
+<p:sldLayout xmlns:a="http://schemas.openxmlformats.org/drawingml/2006/main" xmlns:r="http://schemas.openxmlformats.org/officeDocument/2006/relationships" xmlns:p="http://schemas.openxmlformats.org/presentationml/2006/main" type="secHead" preserve="1">
+  <p:cSld name="节标题">
+    <p:spTree>
+      <p:nvGrpSpPr>
+        <p:cNvPr id="1" name=""/>
+        <p:cNvGrpSpPr/>
+        <p:nvPr/>
+      </p:nvGrpSpPr>
+      <p:grpSpPr>
+        <a:xfrm>
+          <a:off x="0" y="0"/>
+          <a:ext cx="0" cy="0"/>
+          <a:chOff x="0" y="0"/>
+          <a:chExt cx="0" cy="0"/>
+        </a:xfrm>
+      </p:grpSpPr>
+      <p:sp>
+        <p:nvSpPr>
+          <p:cNvPr id="2" name="标题 1"/>
+          <p:cNvSpPr>
+            <a:spLocks noGrp="1"/>
+          </p:cNvSpPr>
+          <p:nvPr>
+            <p:ph type="title"/>
+          </p:nvPr>
+        </p:nvSpPr>
+        <p:spPr>
+          <a:xfrm>
+            <a:off x="831850" y="1709738"/>
+            <a:ext cx="10515600" cy="2852737"/>
+          </a:xfrm>
+        </p:spPr>
+        <p:txBody>
+          <a:bodyPr anchor="b"/>
+          <a:lstStyle>
+            <a:lvl1pPr>
+              <a:defRPr sz="6000"/>
+            </a:lvl1pPr>
+          </a:lstStyle>
+          <a:p>
+            <a:r>
+              <a:rPr kumimoji="1" lang="zh-CN" altLang="en-US"/>
+              <a:t>单击此处编辑母版标题样式</a:t>
+            </a:r>
+          </a:p>
+        </p:txBody>
+      </p:sp>
+      <p:sp>
+        <p:nvSpPr>
+          <p:cNvPr id="3" name="文本占位符 2"/>
+          <p:cNvSpPr>
+            <a:spLocks noGrp="1"/>
+          </p:cNvSpPr>
+          <p:nvPr>
+            <p:ph type="body" idx="1"/>
+          </p:nvPr>
+        </p:nvSpPr>
+        <p:spPr>
+          <a:xfrm>
+            <a:off x="831850" y="4589463"/>
+            <a:ext cx="10515600" cy="1500187"/>
+          </a:xfrm>
+        </p:spPr>
+        <p:txBody>
+          <a:bodyPr/>
+          <a:lstStyle>
+            <a:lvl1pPr marL="0" indent="0">
+              <a:buNone/>
+              <a:defRPr sz="2400">
+                <a:solidFill>
+                  <a:schemeClr val="tx1">
+                    <a:tint val="82000"/>
+                  </a:schemeClr>
+                </a:solidFill>
+              </a:defRPr>
+            </a:lvl1pPr>
+            <a:lvl2pPr marL="457200" indent="0">
+              <a:buNone/>
+              <a:defRPr sz="2000">
+                <a:solidFill>
+                  <a:schemeClr val="tx1">
+                    <a:tint val="82000"/>
+                  </a:schemeClr>
+                </a:solidFill>
+              </a:defRPr>
+            </a:lvl2pPr>
+            <a:lvl3pPr marL="914400" indent="0">
+              <a:buNone/>
+              <a:defRPr sz="1800">
+                <a:solidFill>
+                  <a:schemeClr val="tx1">
+                    <a:tint val="82000"/>
+                  </a:schemeClr>
+                </a:solidFill>
+              </a:defRPr>
+            </a:lvl3pPr>
+            <a:lvl4pPr marL="1371600" indent="0">
+              <a:buNone/>
+              <a:defRPr sz="1600">
+                <a:solidFill>
+                  <a:schemeClr val="tx1">
+                    <a:tint val="82000"/>
+                  </a:schemeClr>
+                </a:solidFill>
+              </a:defRPr>
+            </a:lvl4pPr>
+            <a:lvl5pPr marL="1828800" indent="0">
+              <a:buNone/>
+              <a:defRPr sz="1600">
+                <a:solidFill>
+                  <a:schemeClr val="tx1">
+                    <a:tint val="82000"/>
+                  </a:schemeClr>
+                </a:solidFill>
+              </a:defRPr>
+            </a:lvl5pPr>
+            <a:lvl6pPr marL="2286000" indent="0">
+              <a:buNone/>
+              <a:defRPr sz="1600">
+                <a:solidFill>
+                  <a:schemeClr val="tx1">
+                    <a:tint val="82000"/>
+                  </a:schemeClr>
+                </a:solidFill>
+              </a:defRPr>
+            </a:lvl6pPr>
+            <a:lvl7pPr marL="2743200" indent="0">
+              <a:buNone/>
+              <a:defRPr sz="1600">
+                <a:solidFill>
+                  <a:schemeClr val="tx1">
+                    <a:tint val="82000"/>
+                  </a:schemeClr>
+                </a:solidFill>
+              </a:defRPr>
+            </a:lvl7pPr>
+            <a:lvl8pPr marL="3200400" indent="0">
+              <a:buNone/>
+              <a:defRPr sz="1600">
+                <a:solidFill>
+                  <a:schemeClr val="tx1">
+                    <a:tint val="82000"/>
+                  </a:schemeClr>
+                </a:solidFill>
+              </a:defRPr>
+            </a:lvl8pPr>
+            <a:lvl9pPr marL="3657600" indent="0">
+              <a:buNone/>
+              <a:defRPr sz="1600">
+                <a:solidFill>
+                  <a:schemeClr val="tx1">
+                    <a:tint val="82000"/>
+                  </a:schemeClr>
+                </a:solidFill>
+              </a:defRPr>
+            </a:lvl9pPr>
+          </a:lstStyle>
+          <a:p>
+            <a:pPr lvl="0"/>
+            <a:r>
+              <a:rPr kumimoji="1" lang="zh-CN" altLang="en-US"/>
+              <a:t>单击此处编辑母版文本样式</a:t>
+            </a:r>
+          </a:p>
+        </p:txBody>
+      </p:sp>
+      <p:sp>
+        <p:nvSpPr>
+          <p:cNvPr id="4" name="日期占位符 3"/>
+          <p:cNvSpPr>
+            <a:spLocks noGrp="1"/>
+          </p:cNvSpPr>
+          <p:nvPr>
+            <p:ph type="dt" sz="half" idx="10"/>
+          </p:nvPr>
+        </p:nvSpPr>
+        <p:spPr/>
+        <p:txBody>
+          <a:bodyPr/>
+          <a:lstStyle/>
+          <a:p>
+            <a:fld id="{26C1D8DE-D085-B844-8474-AFD779F84500}" type="datetimeFigureOut">
+              <a:rPr lang="zh-CN" altLang="en-US"/>
+              <a:t>2026/2/27</a:t>
+            </a:fld>
+            <a:endParaRPr kumimoji="1" lang="zh-CN" altLang="en-US"/>
+          </a:p>
+        </p:txBody>
+      </p:sp>
+      <p:sp>
+        <p:nvSpPr>
+          <p:cNvPr id="5" name="页脚占位符 4"/>
+          <p:cNvSpPr>
+            <a:spLocks noGrp="1"/>
+          </p:cNvSpPr>
+          <p:nvPr>
+            <p:ph type="ftr" sz="quarter" idx="11"/>
+          </p:nvPr>
+        </p:nvSpPr>
+        <p:spPr/>
+        <p:txBody>
+          <a:bodyPr/>
+          <a:lstStyle/>
+          <a:p>
+            <a:endParaRPr kumimoji="1" lang="zh-CN" altLang="en-US"/>
+          </a:p>
+        </p:txBody>
+      </p:sp>
+      <p:sp>
+        <p:nvSpPr>
+          <p:cNvPr id="6" name="灯片编号占位符 5"/>
+          <p:cNvSpPr>
+            <a:spLocks noGrp="1"/>
+          </p:cNvSpPr>
+          <p:nvPr>
+            <p:ph type="sldNum" sz="quarter" idx="12"/>
+          </p:nvPr>
+        </p:nvSpPr>
+        <p:spPr/>
+        <p:txBody>
+          <a:bodyPr/>
+          <a:lstStyle/>
+          <a:p>
+            <a:fld id="{BFA2D2D8-75F2-7C46-9B4E-B9ACD5B2CF84}" type="slidenum">
+              <a:rPr/>
+              <a:t>‹#›</a:t>
+            </a:fld>
+            <a:endParaRPr kumimoji="1" lang="zh-CN" altLang="en-US"/>
+          </a:p>
+        </p:txBody>
+      </p:sp>
+    </p:spTree>
+  </p:cSld>
+  <p:clrMapOvr>
+    <a:masterClrMapping/>
+  </p:clrMapOvr>
+</p:sldLayout>
+</file>
+
+<file path=ppt/slideLayouts/slideLayout4.xml><?xml version="1.0" encoding="utf-8"?>
+<p:sldLayout xmlns:a="http://schemas.openxmlformats.org/drawingml/2006/main" xmlns:r="http://schemas.openxmlformats.org/officeDocument/2006/relationships" xmlns:p="http://schemas.openxmlformats.org/presentationml/2006/main" type="twoObj" preserve="1">
+  <p:cSld name="两栏内容">
+    <p:spTree>
+      <p:nvGrpSpPr>
+        <p:cNvPr id="1" name=""/>
+        <p:cNvGrpSpPr/>
+        <p:nvPr/>
+      </p:nvGrpSpPr>
+      <p:grpSpPr>
+        <a:xfrm>
+          <a:off x="0" y="0"/>
+          <a:ext cx="0" cy="0"/>
+          <a:chOff x="0" y="0"/>
+          <a:chExt cx="0" cy="0"/>
+        </a:xfrm>
+      </p:grpSpPr>
+      <p:sp>
+        <p:nvSpPr>
+          <p:cNvPr id="2" name="标题 1"/>
+          <p:cNvSpPr>
+            <a:spLocks noGrp="1"/>
+          </p:cNvSpPr>
+          <p:nvPr>
+            <p:ph type="title"/>
+          </p:nvPr>
+        </p:nvSpPr>
+        <p:spPr/>
+        <p:txBody>
+          <a:bodyPr/>
+          <a:lstStyle/>
+          <a:p>
+            <a:r>
+              <a:rPr kumimoji="1" lang="zh-CN" altLang="en-US"/>
+              <a:t>单击此处编辑母版标题样式</a:t>
+            </a:r>
+          </a:p>
+        </p:txBody>
+      </p:sp>
+      <p:sp>
+        <p:nvSpPr>
+          <p:cNvPr id="3" name="内容占位符 2"/>
+          <p:cNvSpPr>
+            <a:spLocks noGrp="1"/>
+          </p:cNvSpPr>
+          <p:nvPr>
+            <p:ph sz="half" idx="1"/>
+          </p:nvPr>
+        </p:nvSpPr>
+        <p:spPr>
+          <a:xfrm>
+            <a:off x="838200" y="1825625"/>
+            <a:ext cx="5181600" cy="4351338"/>
+          </a:xfrm>
+        </p:spPr>
+        <p:txBody>
+          <a:bodyPr/>
+          <a:lstStyle/>
+          <a:p>
+            <a:pPr lvl="0"/>
+            <a:r>
+              <a:rPr kumimoji="1" lang="zh-CN" altLang="en-US"/>
+              <a:t>单击此处编辑母版文本样式</a:t>
+            </a:r>
+          </a:p>
+          <a:p>
+            <a:pPr lvl="1"/>
+            <a:r>
+              <a:rPr kumimoji="1" lang="zh-CN" altLang="en-US"/>
+              <a:t>二级</a:t>
+            </a:r>
+          </a:p>
+          <a:p>
+            <a:pPr lvl="2"/>
+            <a:r>
+              <a:rPr kumimoji="1" lang="zh-CN" altLang="en-US"/>
+              <a:t>三级</a:t>
+            </a:r>
+          </a:p>
+          <a:p>
+            <a:pPr lvl="3"/>
+            <a:r>
+              <a:rPr kumimoji="1" lang="zh-CN" altLang="en-US"/>
+              <a:t>四级</a:t>
+            </a:r>
+          </a:p>
+          <a:p>
+            <a:pPr lvl="4"/>
+            <a:r>
+              <a:rPr kumimoji="1" lang="zh-CN" altLang="en-US"/>
+              <a:t>五级</a:t>
+            </a:r>
+          </a:p>
+        </p:txBody>
+      </p:sp>
+      <p:sp>
+        <p:nvSpPr>
+          <p:cNvPr id="4" name="内容占位符 3"/>
+          <p:cNvSpPr>
+            <a:spLocks noGrp="1"/>
+          </p:cNvSpPr>
+          <p:nvPr>
+            <p:ph sz="half" idx="2"/>
+          </p:nvPr>
+        </p:nvSpPr>
+        <p:spPr>
+          <a:xfrm>
+            <a:off x="6172200" y="1825625"/>
+            <a:ext cx="5181600" cy="4351338"/>
+          </a:xfrm>
+        </p:spPr>
+        <p:txBody>
+          <a:bodyPr/>
+          <a:lstStyle/>
+          <a:p>
+            <a:pPr lvl="0"/>
+            <a:r>
+              <a:rPr kumimoji="1" lang="zh-CN" altLang="en-US"/>
+              <a:t>单击此处编辑母版文本样式</a:t>
+            </a:r>
+          </a:p>
+          <a:p>
+            <a:pPr lvl="1"/>
+            <a:r>
+              <a:rPr kumimoji="1" lang="zh-CN" altLang="en-US"/>
+              <a:t>二级</a:t>
+            </a:r>
+          </a:p>
+          <a:p>
+            <a:pPr lvl="2"/>
+            <a:r>
+              <a:rPr kumimoji="1" lang="zh-CN" altLang="en-US"/>
+              <a:t>三级</a:t>
+            </a:r>
+          </a:p>
+          <a:p>
+            <a:pPr lvl="3"/>
+            <a:r>
+              <a:rPr kumimoji="1" lang="zh-CN" altLang="en-US"/>
+              <a:t>四级</a:t>
+            </a:r>
+          </a:p>
+          <a:p>
+            <a:pPr lvl="4"/>
+            <a:r>
+              <a:rPr kumimoji="1" lang="zh-CN" altLang="en-US"/>
+              <a:t>五级</a:t>
+            </a:r>
+          </a:p>
+        </p:txBody>
+      </p:sp>
+      <p:sp>
+        <p:nvSpPr>
+          <p:cNvPr id="5" name="日期占位符 4"/>
+          <p:cNvSpPr>
+            <a:spLocks noGrp="1"/>
+          </p:cNvSpPr>
+          <p:nvPr>
+            <p:ph type="dt" sz="half" idx="10"/>
+          </p:nvPr>
+        </p:nvSpPr>
+        <p:spPr/>
+        <p:txBody>
+          <a:bodyPr/>
+          <a:lstStyle/>
+          <a:p>
+            <a:fld id="{26C1D8DE-D085-B844-8474-AFD779F84500}" type="datetimeFigureOut">
+              <a:rPr lang="zh-CN" altLang="en-US"/>
+              <a:t>2026/2/27</a:t>
+            </a:fld>
+            <a:endParaRPr kumimoji="1" lang="zh-CN" altLang="en-US"/>
+          </a:p>
+        </p:txBody>
+      </p:sp>
+      <p:sp>
+        <p:nvSpPr>
+          <p:cNvPr id="6" name="页脚占位符 5"/>
+          <p:cNvSpPr>
+            <a:spLocks noGrp="1"/>
+          </p:cNvSpPr>
+          <p:nvPr>
+            <p:ph type="ftr" sz="quarter" idx="11"/>
+          </p:nvPr>
+        </p:nvSpPr>
+        <p:spPr/>
+        <p:txBody>
+          <a:bodyPr/>
+          <a:lstStyle/>
+          <a:p>
+            <a:endParaRPr kumimoji="1" lang="zh-CN" altLang="en-US"/>
+          </a:p>
+        </p:txBody>
+      </p:sp>
+      <p:sp>
+        <p:nvSpPr>
+          <p:cNvPr id="7" name="灯片编号占位符 6"/>
+          <p:cNvSpPr>
+            <a:spLocks noGrp="1"/>
+          </p:cNvSpPr>
+          <p:nvPr>
+            <p:ph type="sldNum" sz="quarter" idx="12"/>
+          </p:nvPr>
+        </p:nvSpPr>
+        <p:spPr/>
+        <p:txBody>
+          <a:bodyPr/>
+          <a:lstStyle/>
+          <a:p>
+            <a:fld id="{BFA2D2D8-75F2-7C46-9B4E-B9ACD5B2CF84}" type="slidenum">
+              <a:rPr/>
+              <a:t>‹#›</a:t>
+            </a:fld>
+            <a:endParaRPr kumimoji="1" lang="zh-CN" altLang="en-US"/>
+          </a:p>
+        </p:txBody>
+      </p:sp>
+    </p:spTree>
+  </p:cSld>
+  <p:clrMapOvr>
+    <a:masterClrMapping/>
+  </p:clrMapOvr>
+</p:sldLayout>
+</file>
+
+<file path=ppt/slideLayouts/slideLayout5.xml><?xml version="1.0" encoding="utf-8"?>
+<p:sldLayout xmlns:a="http://schemas.openxmlformats.org/drawingml/2006/main" xmlns:r="http://schemas.openxmlformats.org/officeDocument/2006/relationships" xmlns:p="http://schemas.openxmlformats.org/presentationml/2006/main" type="twoTxTwoObj" preserve="1">
+  <p:cSld name="比较">
+    <p:spTree>
+      <p:nvGrpSpPr>
+        <p:cNvPr id="1" name=""/>
+        <p:cNvGrpSpPr/>
+        <p:nvPr/>
+      </p:nvGrpSpPr>
+      <p:grpSpPr>
+        <a:xfrm>
+          <a:off x="0" y="0"/>
+          <a:ext cx="0" cy="0"/>
+          <a:chOff x="0" y="0"/>
+          <a:chExt cx="0" cy="0"/>
+        </a:xfrm>
+      </p:grpSpPr>
+      <p:sp>
+        <p:nvSpPr>
+          <p:cNvPr id="2" name="标题 1"/>
+          <p:cNvSpPr>
+            <a:spLocks noGrp="1"/>
+          </p:cNvSpPr>
+          <p:nvPr>
+            <p:ph type="title"/>
+          </p:nvPr>
+        </p:nvSpPr>
+        <p:spPr>
+          <a:xfrm>
+            <a:off x="839788" y="365125"/>
+            <a:ext cx="10515600" cy="1325563"/>
+          </a:xfrm>
+        </p:spPr>
+        <p:txBody>
+          <a:bodyPr/>
+          <a:lstStyle/>
+          <a:p>
+            <a:r>
+              <a:rPr kumimoji="1" lang="zh-CN" altLang="en-US"/>
+              <a:t>单击此处编辑母版标题样式</a:t>
+            </a:r>
+          </a:p>
+        </p:txBody>
+      </p:sp>
+      <p:sp>
+        <p:nvSpPr>
+          <p:cNvPr id="3" name="文本占位符 2"/>
+          <p:cNvSpPr>
+            <a:spLocks noGrp="1"/>
+          </p:cNvSpPr>
+          <p:nvPr>
+            <p:ph type="body" idx="1"/>
+          </p:nvPr>
+        </p:nvSpPr>
+        <p:spPr>
+          <a:xfrm>
+            <a:off x="839788" y="1681163"/>
+            <a:ext cx="5157787" cy="823912"/>
+          </a:xfrm>
+        </p:spPr>
+        <p:txBody>
+          <a:bodyPr anchor="b"/>
+          <a:lstStyle>
+            <a:lvl1pPr marL="0" indent="0">
+              <a:buNone/>
+              <a:defRPr sz="2400" b="1"/>
+            </a:lvl1pPr>
+            <a:lvl2pPr marL="457200" indent="0">
+              <a:buNone/>
+              <a:defRPr sz="2000" b="1"/>
+            </a:lvl2pPr>
+            <a:lvl3pPr marL="914400" indent="0">
+              <a:buNone/>
+              <a:defRPr sz="1800" b="1"/>
+            </a:lvl3pPr>
+            <a:lvl4pPr marL="1371600" indent="0">
+              <a:buNone/>
+              <a:defRPr sz="1600" b="1"/>
+            </a:lvl4pPr>
+            <a:lvl5pPr marL="1828800" indent="0">
+              <a:buNone/>
+              <a:defRPr sz="1600" b="1"/>
+            </a:lvl5pPr>
+            <a:lvl6pPr marL="2286000" indent="0">
+              <a:buNone/>
+              <a:defRPr sz="1600" b="1"/>
+            </a:lvl6pPr>
+            <a:lvl7pPr marL="2743200" indent="0">
+              <a:buNone/>
+              <a:defRPr sz="1600" b="1"/>
+            </a:lvl7pPr>
+            <a:lvl8pPr marL="3200400" indent="0">
+              <a:buNone/>
+              <a:defRPr sz="1600" b="1"/>
+            </a:lvl8pPr>
+            <a:lvl9pPr marL="3657600" indent="0">
+              <a:buNone/>
+              <a:defRPr sz="1600" b="1"/>
+            </a:lvl9pPr>
+          </a:lstStyle>
+          <a:p>
+            <a:pPr lvl="0"/>
+            <a:r>
+              <a:rPr kumimoji="1" lang="zh-CN" altLang="en-US"/>
+              <a:t>单击此处编辑母版文本样式</a:t>
+            </a:r>
+          </a:p>
+        </p:txBody>
+      </p:sp>
+      <p:sp>
+        <p:nvSpPr>
+          <p:cNvPr id="4" name="内容占位符 3"/>
+          <p:cNvSpPr>
+            <a:spLocks noGrp="1"/>
+          </p:cNvSpPr>
+          <p:nvPr>
+            <p:ph sz="half" idx="2"/>
+          </p:nvPr>
+        </p:nvSpPr>
+        <p:spPr>
+          <a:xfrm>
+            <a:off x="839788" y="2505075"/>
+            <a:ext cx="5157787" cy="3684588"/>
+          </a:xfrm>
+        </p:spPr>
+        <p:txBody>
+          <a:bodyPr/>
+          <a:lstStyle/>
+          <a:p>
+            <a:pPr lvl="0"/>
+            <a:r>
+              <a:rPr kumimoji="1" lang="zh-CN" altLang="en-US"/>
+              <a:t>单击此处编辑母版文本样式</a:t>
+            </a:r>
+          </a:p>
+          <a:p>
+            <a:pPr lvl="1"/>
+            <a:r>
+              <a:rPr kumimoji="1" lang="zh-CN" altLang="en-US"/>
+              <a:t>二级</a:t>
+            </a:r>
+          </a:p>
+          <a:p>
+            <a:pPr lvl="2"/>
+            <a:r>
+              <a:rPr kumimoji="1" lang="zh-CN" altLang="en-US"/>
+              <a:t>三级</a:t>
+            </a:r>
+          </a:p>
+          <a:p>
+            <a:pPr lvl="3"/>
+            <a:r>
+              <a:rPr kumimoji="1" lang="zh-CN" altLang="en-US"/>
+              <a:t>四级</a:t>
+            </a:r>
+          </a:p>
+          <a:p>
+            <a:pPr lvl="4"/>
+            <a:r>
+              <a:rPr kumimoji="1" lang="zh-CN" altLang="en-US"/>
+              <a:t>五级</a:t>
+            </a:r>
+          </a:p>
+        </p:txBody>
+      </p:sp>
+      <p:sp>
+        <p:nvSpPr>
+          <p:cNvPr id="5" name="文本占位符 4"/>
+          <p:cNvSpPr>
+            <a:spLocks noGrp="1"/>
+          </p:cNvSpPr>
+          <p:nvPr>
+            <p:ph type="body" sz="quarter" idx="3"/>
+          </p:nvPr>
+        </p:nvSpPr>
+        <p:spPr>
+          <a:xfrm>
+            <a:off x="6172200" y="1681163"/>
+            <a:ext cx="5183188" cy="823912"/>
+          </a:xfrm>
+        </p:spPr>
+        <p:txBody>
+          <a:bodyPr anchor="b"/>
+          <a:lstStyle>
+            <a:lvl1pPr marL="0" indent="0">
+              <a:buNone/>
+              <a:defRPr sz="2400" b="1"/>
+            </a:lvl1pPr>
+            <a:lvl2pPr marL="457200" indent="0">
+              <a:buNone/>
+              <a:defRPr sz="2000" b="1"/>
+            </a:lvl2pPr>
+            <a:lvl3pPr marL="914400" indent="0">
+              <a:buNone/>
+              <a:defRPr sz="1800" b="1"/>
+            </a:lvl3pPr>
+            <a:lvl4pPr marL="1371600" indent="0">
+              <a:buNone/>
+              <a:defRPr sz="1600" b="1"/>
+            </a:lvl4pPr>
+            <a:lvl5pPr marL="1828800" indent="0">
+              <a:buNone/>
+              <a:defRPr sz="1600" b="1"/>
+            </a:lvl5pPr>
+            <a:lvl6pPr marL="2286000" indent="0">
+              <a:buNone/>
+              <a:defRPr sz="1600" b="1"/>
+            </a:lvl6pPr>
+            <a:lvl7pPr marL="2743200" indent="0">
+              <a:buNone/>
+              <a:defRPr sz="1600" b="1"/>
+            </a:lvl7pPr>
+            <a:lvl8pPr marL="3200400" indent="0">
+              <a:buNone/>
+              <a:defRPr sz="1600" b="1"/>
+            </a:lvl8pPr>
+            <a:lvl9pPr marL="3657600" indent="0">
+              <a:buNone/>
+              <a:defRPr sz="1600" b="1"/>
+            </a:lvl9pPr>
+          </a:lstStyle>
+          <a:p>
+            <a:pPr lvl="0"/>
+            <a:r>
+              <a:rPr kumimoji="1" lang="zh-CN" altLang="en-US"/>
+              <a:t>单击此处编辑母版文本样式</a:t>
+            </a:r>
+          </a:p>
+        </p:txBody>
+      </p:sp>
+      <p:sp>
+        <p:nvSpPr>
+          <p:cNvPr id="6" name="内容占位符 5"/>
+          <p:cNvSpPr>
+            <a:spLocks noGrp="1"/>
+          </p:cNvSpPr>
+          <p:nvPr>
+            <p:ph sz="quarter" idx="4"/>
+          </p:nvPr>
+        </p:nvSpPr>
+        <p:spPr>
+          <a:xfrm>
+            <a:off x="6172200" y="2505075"/>
+            <a:ext cx="5183188" cy="3684588"/>
+          </a:xfrm>
+        </p:spPr>
+        <p:txBody>
+          <a:bodyPr/>
+          <a:lstStyle/>
+          <a:p>
+            <a:pPr lvl="0"/>
+            <a:r>
+              <a:rPr kumimoji="1" lang="zh-CN" altLang="en-US"/>
+              <a:t>单击此处编辑母版文本样式</a:t>
+            </a:r>
+          </a:p>
+          <a:p>
+            <a:pPr lvl="1"/>
+            <a:r>
+              <a:rPr kumimoji="1" lang="zh-CN" altLang="en-US"/>
+              <a:t>二级</a:t>
+            </a:r>
+          </a:p>
+          <a:p>
+            <a:pPr lvl="2"/>
+            <a:r>
+              <a:rPr kumimoji="1" lang="zh-CN" altLang="en-US"/>
+              <a:t>三级</a:t>
+            </a:r>
+          </a:p>
+          <a:p>
+            <a:pPr lvl="3"/>
+            <a:r>
+              <a:rPr kumimoji="1" lang="zh-CN" altLang="en-US"/>
+              <a:t>四级</a:t>
+            </a:r>
+          </a:p>
+          <a:p>
+            <a:pPr lvl="4"/>
+            <a:r>
+              <a:rPr kumimoji="1" lang="zh-CN" altLang="en-US"/>
+              <a:t>五级</a:t>
+            </a:r>
+          </a:p>
+        </p:txBody>
+      </p:sp>
+      <p:sp>
+        <p:nvSpPr>
+          <p:cNvPr id="7" name="日期占位符 6"/>
+          <p:cNvSpPr>
+            <a:spLocks noGrp="1"/>
+          </p:cNvSpPr>
+          <p:nvPr>
+            <p:ph type="dt" sz="half" idx="10"/>
+          </p:nvPr>
+        </p:nvSpPr>
+        <p:spPr/>
+        <p:txBody>
+          <a:bodyPr/>
+          <a:lstStyle/>
+          <a:p>
+            <a:fld id="{26C1D8DE-D085-B844-8474-AFD779F84500}" type="datetimeFigureOut">
+              <a:rPr lang="zh-CN" altLang="en-US"/>
+              <a:t>2026/2/27</a:t>
+            </a:fld>
+            <a:endParaRPr kumimoji="1" lang="zh-CN" altLang="en-US"/>
+          </a:p>
+        </p:txBody>
+      </p:sp>
+      <p:sp>
+        <p:nvSpPr>
+          <p:cNvPr id="8" name="页脚占位符 7"/>
+          <p:cNvSpPr>
+            <a:spLocks noGrp="1"/>
+          </p:cNvSpPr>
+          <p:nvPr>
+            <p:ph type="ftr" sz="quarter" idx="11"/>
+          </p:nvPr>
+        </p:nvSpPr>
+        <p:spPr/>
+        <p:txBody>
+          <a:bodyPr/>
+          <a:lstStyle/>
+          <a:p>
+            <a:endParaRPr kumimoji="1" lang="zh-CN" altLang="en-US"/>
+          </a:p>
+        </p:txBody>
+      </p:sp>
+      <p:sp>
+        <p:nvSpPr>
+          <p:cNvPr id="9" name="灯片编号占位符 8"/>
+          <p:cNvSpPr>
+            <a:spLocks noGrp="1"/>
+          </p:cNvSpPr>
+          <p:nvPr>
+            <p:ph type="sldNum" sz="quarter" idx="12"/>
+          </p:nvPr>
+        </p:nvSpPr>
+        <p:spPr/>
+        <p:txBody>
+          <a:bodyPr/>
+          <a:lstStyle/>
+          <a:p>
+            <a:fld id="{BFA2D2D8-75F2-7C46-9B4E-B9ACD5B2CF84}" type="slidenum">
+              <a:rPr/>
+              <a:t>‹#›</a:t>
+            </a:fld>
+            <a:endParaRPr kumimoji="1" lang="zh-CN" altLang="en-US"/>
+          </a:p>
+        </p:txBody>
+      </p:sp>
+    </p:spTree>
+  </p:cSld>
+  <p:clrMapOvr>
+    <a:masterClrMapping/>
+  </p:clrMapOvr>
+</p:sldLayout>
+</file>
+
+<file path=ppt/slideLayouts/slideLayout6.xml><?xml version="1.0" encoding="utf-8"?>
+<p:sldLayout xmlns:a="http://schemas.openxmlformats.org/drawingml/2006/main" xmlns:r="http://schemas.openxmlformats.org/officeDocument/2006/relationships" xmlns:p="http://schemas.openxmlformats.org/presentationml/2006/main" type="titleOnly" preserve="1">
+  <p:cSld name="仅标题">
+    <p:spTree>
+      <p:nvGrpSpPr>
+        <p:cNvPr id="1" name=""/>
+        <p:cNvGrpSpPr/>
+        <p:nvPr/>
+      </p:nvGrpSpPr>
+      <p:grpSpPr>
+        <a:xfrm>
+          <a:off x="0" y="0"/>
+          <a:ext cx="0" cy="0"/>
+          <a:chOff x="0" y="0"/>
+          <a:chExt cx="0" cy="0"/>
+        </a:xfrm>
+      </p:grpSpPr>
+      <p:sp>
+        <p:nvSpPr>
+          <p:cNvPr id="2" name="标题 1"/>
+          <p:cNvSpPr>
+            <a:spLocks noGrp="1"/>
+          </p:cNvSpPr>
+          <p:nvPr>
+            <p:ph type="title"/>
+          </p:nvPr>
+        </p:nvSpPr>
+        <p:spPr/>
+        <p:txBody>
+          <a:bodyPr/>
+          <a:lstStyle/>
+          <a:p>
+            <a:r>
+              <a:rPr kumimoji="1" lang="zh-CN" altLang="en-US"/>
+              <a:t>单击此处编辑母版标题样式</a:t>
+            </a:r>
+          </a:p>
+        </p:txBody>
+      </p:sp>
+      <p:sp>
+        <p:nvSpPr>
+          <p:cNvPr id="3" name="日期占位符 2"/>
+          <p:cNvSpPr>
+            <a:spLocks noGrp="1"/>
+          </p:cNvSpPr>
+          <p:nvPr>
+            <p:ph type="dt" sz="half" idx="10"/>
+          </p:nvPr>
+        </p:nvSpPr>
+        <p:spPr/>
+        <p:txBody>
+          <a:bodyPr/>
+          <a:lstStyle/>
+          <a:p>
+            <a:fld id="{26C1D8DE-D085-B844-8474-AFD779F84500}" type="datetimeFigureOut">
+              <a:rPr lang="zh-CN" altLang="en-US"/>
+              <a:t>2026/2/27</a:t>
+            </a:fld>
+            <a:endParaRPr kumimoji="1" lang="zh-CN" altLang="en-US"/>
+          </a:p>
+        </p:txBody>
+      </p:sp>
+      <p:sp>
+        <p:nvSpPr>
+          <p:cNvPr id="4" name="页脚占位符 3"/>
+          <p:cNvSpPr>
+            <a:spLocks noGrp="1"/>
+          </p:cNvSpPr>
+          <p:nvPr>
+            <p:ph type="ftr" sz="quarter" idx="11"/>
+          </p:nvPr>
+        </p:nvSpPr>
+        <p:spPr/>
+        <p:txBody>
+          <a:bodyPr/>
+          <a:lstStyle/>
+          <a:p>
+            <a:endParaRPr kumimoji="1" lang="zh-CN" altLang="en-US"/>
+          </a:p>
+        </p:txBody>
+      </p:sp>
+      <p:sp>
+        <p:nvSpPr>
+          <p:cNvPr id="5" name="灯片编号占位符 4"/>
+          <p:cNvSpPr>
+            <a:spLocks noGrp="1"/>
+          </p:cNvSpPr>
+          <p:nvPr>
+            <p:ph type="sldNum" sz="quarter" idx="12"/>
+          </p:nvPr>
+        </p:nvSpPr>
+        <p:spPr/>
+        <p:txBody>
+          <a:bodyPr/>
+          <a:lstStyle/>
+          <a:p>
+            <a:fld id="{BFA2D2D8-75F2-7C46-9B4E-B9ACD5B2CF84}" type="slidenum">
+              <a:rPr/>
+              <a:t>‹#›</a:t>
+            </a:fld>
+            <a:endParaRPr kumimoji="1" lang="zh-CN" altLang="en-US"/>
+          </a:p>
+        </p:txBody>
+      </p:sp>
+    </p:spTree>
+  </p:cSld>
+  <p:clrMapOvr>
+    <a:masterClrMapping/>
+  </p:clrMapOvr>
+</p:sldLayout>
+</file>
+
+<file path=ppt/slideLayouts/slideLayout7.xml><?xml version="1.0" encoding="utf-8"?>
+<p:sldLayout xmlns:a="http://schemas.openxmlformats.org/drawingml/2006/main" xmlns:r="http://schemas.openxmlformats.org/officeDocument/2006/relationships" xmlns:p="http://schemas.openxmlformats.org/presentationml/2006/main" type="blank" preserve="1">
+  <p:cSld name="空白">
+    <p:spTree>
+      <p:nvGrpSpPr>
+        <p:cNvPr id="1" name=""/>
+        <p:cNvGrpSpPr/>
+        <p:nvPr/>
+      </p:nvGrpSpPr>
+      <p:grpSpPr>
+        <a:xfrm>
+          <a:off x="0" y="0"/>
+          <a:ext cx="0" cy="0"/>
+          <a:chOff x="0" y="0"/>
+          <a:chExt cx="0" cy="0"/>
+        </a:xfrm>
+      </p:grpSpPr>
+      <p:sp>
+        <p:nvSpPr>
+          <p:cNvPr id="2" name="日期占位符 1"/>
+          <p:cNvSpPr>
+            <a:spLocks noGrp="1"/>
+          </p:cNvSpPr>
+          <p:nvPr>
+            <p:ph type="dt" sz="half" idx="10"/>
+          </p:nvPr>
+        </p:nvSpPr>
+        <p:spPr/>
+        <p:txBody>
+          <a:bodyPr/>
+          <a:lstStyle/>
+          <a:p>
+            <a:fld id="{26C1D8DE-D085-B844-8474-AFD779F84500}" type="datetimeFigureOut">
+              <a:rPr lang="zh-CN" altLang="en-US"/>
+              <a:t>2026/2/27</a:t>
+            </a:fld>
+            <a:endParaRPr kumimoji="1" lang="zh-CN" altLang="en-US"/>
+          </a:p>
+        </p:txBody>
+      </p:sp>
+      <p:sp>
+        <p:nvSpPr>
+          <p:cNvPr id="3" name="页脚占位符 2"/>
+          <p:cNvSpPr>
+            <a:spLocks noGrp="1"/>
+          </p:cNvSpPr>
+          <p:nvPr>
+            <p:ph type="ftr" sz="quarter" idx="11"/>
+          </p:nvPr>
+        </p:nvSpPr>
+        <p:spPr/>
+        <p:txBody>
+          <a:bodyPr/>
+          <a:lstStyle/>
+          <a:p>
+            <a:endParaRPr kumimoji="1" lang="zh-CN" altLang="en-US"/>
+          </a:p>
+        </p:txBody>
+      </p:sp>
+      <p:sp>
+        <p:nvSpPr>
+          <p:cNvPr id="4" name="灯片编号占位符 3"/>
+          <p:cNvSpPr>
+            <a:spLocks noGrp="1"/>
+          </p:cNvSpPr>
+          <p:nvPr>
+            <p:ph type="sldNum" sz="quarter" idx="12"/>
+          </p:nvPr>
+        </p:nvSpPr>
+        <p:spPr/>
+        <p:txBody>
+          <a:bodyPr/>
+          <a:lstStyle/>
+          <a:p>
+            <a:fld id="{BFA2D2D8-75F2-7C46-9B4E-B9ACD5B2CF84}" type="slidenum">
+              <a:rPr/>
+              <a:t>‹#›</a:t>
+            </a:fld>
+            <a:endParaRPr kumimoji="1" lang="zh-CN" altLang="en-US"/>
+          </a:p>
+        </p:txBody>
+      </p:sp>
+    </p:spTree>
+  </p:cSld>
+  <p:clrMapOvr>
+    <a:masterClrMapping/>
+  </p:clrMapOvr>
+</p:sldLayout>
+</file>
+
+<file path=ppt/slideLayouts/slideLayout8.xml><?xml version="1.0" encoding="utf-8"?>
+<p:sldLayout xmlns:a="http://schemas.openxmlformats.org/drawingml/2006/main" xmlns:r="http://schemas.openxmlformats.org/officeDocument/2006/relationships" xmlns:p="http://schemas.openxmlformats.org/presentationml/2006/main" type="objTx" preserve="1">
+  <p:cSld name="内容与标题">
+    <p:spTree>
+      <p:nvGrpSpPr>
+        <p:cNvPr id="1" name=""/>
+        <p:cNvGrpSpPr/>
+        <p:nvPr/>
+      </p:nvGrpSpPr>
+      <p:grpSpPr>
+        <a:xfrm>
+          <a:off x="0" y="0"/>
+          <a:ext cx="0" cy="0"/>
+          <a:chOff x="0" y="0"/>
+          <a:chExt cx="0" cy="0"/>
+        </a:xfrm>
+      </p:grpSpPr>
+      <p:sp>
+        <p:nvSpPr>
+          <p:cNvPr id="2" name="标题 1"/>
+          <p:cNvSpPr>
+            <a:spLocks noGrp="1"/>
+          </p:cNvSpPr>
+          <p:nvPr>
+            <p:ph type="title"/>
+          </p:nvPr>
+        </p:nvSpPr>
+        <p:spPr>
+          <a:xfrm>
+            <a:off x="839788" y="457200"/>
+            <a:ext cx="3932237" cy="1600200"/>
+          </a:xfrm>
+        </p:spPr>
+        <p:txBody>
+          <a:bodyPr anchor="b"/>
+          <a:lstStyle>
+            <a:lvl1pPr>
+              <a:defRPr sz="3200"/>
+            </a:lvl1pPr>
+          </a:lstStyle>
+          <a:p>
+            <a:r>
+              <a:rPr kumimoji="1" lang="zh-CN" altLang="en-US"/>
+              <a:t>单击此处编辑母版标题样式</a:t>
+            </a:r>
+          </a:p>
+        </p:txBody>
+      </p:sp>
+      <p:sp>
+        <p:nvSpPr>
+          <p:cNvPr id="3" name="内容占位符 2"/>
+          <p:cNvSpPr>
+            <a:spLocks noGrp="1"/>
+          </p:cNvSpPr>
+          <p:nvPr>
+            <p:ph idx="1"/>
+          </p:nvPr>
+        </p:nvSpPr>
+        <p:spPr>
+          <a:xfrm>
+            <a:off x="5183188" y="987425"/>
+            <a:ext cx="6172200" cy="4873625"/>
+          </a:xfrm>
+        </p:spPr>
+        <p:txBody>
+          <a:bodyPr/>
+          <a:lstStyle>
+            <a:lvl1pPr>
+              <a:defRPr sz="3200"/>
+            </a:lvl1pPr>
+            <a:lvl2pPr>
+              <a:defRPr sz="2800"/>
+            </a:lvl2pPr>
+            <a:lvl3pPr>
+              <a:defRPr sz="2400"/>
+            </a:lvl3pPr>
+            <a:lvl4pPr>
+              <a:defRPr sz="2000"/>
+            </a:lvl4pPr>
+            <a:lvl5pPr>
+              <a:defRPr sz="2000"/>
+            </a:lvl5pPr>
+            <a:lvl6pPr>
+              <a:defRPr sz="2000"/>
+            </a:lvl6pPr>
+            <a:lvl7pPr>
+              <a:defRPr sz="2000"/>
+            </a:lvl7pPr>
+            <a:lvl8pPr>
+              <a:defRPr sz="2000"/>
+            </a:lvl8pPr>
+            <a:lvl9pPr>
+              <a:defRPr sz="2000"/>
+            </a:lvl9pPr>
+          </a:lstStyle>
+          <a:p>
+            <a:pPr lvl="0"/>
+            <a:r>
+              <a:rPr kumimoji="1" lang="zh-CN" altLang="en-US"/>
+              <a:t>单击此处编辑母版文本样式</a:t>
+            </a:r>
+          </a:p>
+          <a:p>
+            <a:pPr lvl="1"/>
+            <a:r>
+              <a:rPr kumimoji="1" lang="zh-CN" altLang="en-US"/>
+              <a:t>二级</a:t>
+            </a:r>
+          </a:p>
+          <a:p>
+            <a:pPr lvl="2"/>
+            <a:r>
+              <a:rPr kumimoji="1" lang="zh-CN" altLang="en-US"/>
+              <a:t>三级</a:t>
+            </a:r>
+          </a:p>
+          <a:p>
+            <a:pPr lvl="3"/>
+            <a:r>
+              <a:rPr kumimoji="1" lang="zh-CN" altLang="en-US"/>
+              <a:t>四级</a:t>
+            </a:r>
+          </a:p>
+          <a:p>
+            <a:pPr lvl="4"/>
+            <a:r>
+              <a:rPr kumimoji="1" lang="zh-CN" altLang="en-US"/>
+              <a:t>五级</a:t>
+            </a:r>
+          </a:p>
+        </p:txBody>
+      </p:sp>
+      <p:sp>
+        <p:nvSpPr>
+          <p:cNvPr id="4" name="文本占位符 3"/>
+          <p:cNvSpPr>
+            <a:spLocks noGrp="1"/>
+          </p:cNvSpPr>
+          <p:nvPr>
+            <p:ph type="body" sz="half" idx="2"/>
+          </p:nvPr>
+        </p:nvSpPr>
+        <p:spPr>
+          <a:xfrm>
+            <a:off x="839788" y="2057400"/>
+            <a:ext cx="3932237" cy="3811588"/>
+          </a:xfrm>
+        </p:spPr>
+        <p:txBody>
+          <a:bodyPr/>
+          <a:lstStyle>
+            <a:lvl1pPr marL="0" indent="0">
+              <a:buNone/>
+              <a:defRPr sz="1600"/>
+            </a:lvl1pPr>
+            <a:lvl2pPr marL="457200" indent="0">
+              <a:buNone/>
+              <a:defRPr sz="1400"/>
+            </a:lvl2pPr>
+            <a:lvl3pPr marL="914400" indent="0">
+              <a:buNone/>
+              <a:defRPr sz="1200"/>
+            </a:lvl3pPr>
+            <a:lvl4pPr marL="1371600" indent="0">
+              <a:buNone/>
+              <a:defRPr sz="1000"/>
+            </a:lvl4pPr>
+            <a:lvl5pPr marL="1828800" indent="0">
+              <a:buNone/>
+              <a:defRPr sz="1000"/>
+            </a:lvl5pPr>
+            <a:lvl6pPr marL="2286000" indent="0">
+              <a:buNone/>
+              <a:defRPr sz="1000"/>
+            </a:lvl6pPr>
+            <a:lvl7pPr marL="2743200" indent="0">
+              <a:buNone/>
+              <a:defRPr sz="1000"/>
+            </a:lvl7pPr>
+            <a:lvl8pPr marL="3200400" indent="0">
+              <a:buNone/>
+              <a:defRPr sz="1000"/>
+            </a:lvl8pPr>
+            <a:lvl9pPr marL="3657600" indent="0">
+              <a:buNone/>
+              <a:defRPr sz="1000"/>
+            </a:lvl9pPr>
+          </a:lstStyle>
+          <a:p>
+            <a:pPr lvl="0"/>
+            <a:r>
+              <a:rPr kumimoji="1" lang="zh-CN" altLang="en-US"/>
+              <a:t>单击此处编辑母版文本样式</a:t>
+            </a:r>
+          </a:p>
+        </p:txBody>
+      </p:sp>
+      <p:sp>
+        <p:nvSpPr>
+          <p:cNvPr id="5" name="日期占位符 4"/>
+          <p:cNvSpPr>
+            <a:spLocks noGrp="1"/>
+          </p:cNvSpPr>
+          <p:nvPr>
+            <p:ph type="dt" sz="half" idx="10"/>
+          </p:nvPr>
+        </p:nvSpPr>
+        <p:spPr/>
+        <p:txBody>
+          <a:bodyPr/>
+          <a:lstStyle/>
+          <a:p>
+            <a:fld id="{26C1D8DE-D085-B844-8474-AFD779F84500}" type="datetimeFigureOut">
+              <a:rPr lang="zh-CN" altLang="en-US"/>
+              <a:t>2026/2/27</a:t>
+            </a:fld>
+            <a:endParaRPr kumimoji="1" lang="zh-CN" altLang="en-US"/>
+          </a:p>
+        </p:txBody>
+      </p:sp>
+      <p:sp>
+        <p:nvSpPr>
+          <p:cNvPr id="6" name="页脚占位符 5"/>
+          <p:cNvSpPr>
+            <a:spLocks noGrp="1"/>
+          </p:cNvSpPr>
+          <p:nvPr>
+            <p:ph type="ftr" sz="quarter" idx="11"/>
+          </p:nvPr>
+        </p:nvSpPr>
+        <p:spPr/>
+        <p:txBody>
+          <a:bodyPr/>
+          <a:lstStyle/>
+          <a:p>
+            <a:endParaRPr kumimoji="1" lang="zh-CN" altLang="en-US"/>
+          </a:p>
+        </p:txBody>
+      </p:sp>
+      <p:sp>
+        <p:nvSpPr>
+          <p:cNvPr id="7" name="灯片编号占位符 6"/>
+          <p:cNvSpPr>
+            <a:spLocks noGrp="1"/>
+          </p:cNvSpPr>
+          <p:nvPr>
+            <p:ph type="sldNum" sz="quarter" idx="12"/>
+          </p:nvPr>
+        </p:nvSpPr>
+        <p:spPr/>
+        <p:txBody>
+          <a:bodyPr/>
+          <a:lstStyle/>
+          <a:p>
+            <a:fld id="{BFA2D2D8-75F2-7C46-9B4E-B9ACD5B2CF84}" type="slidenum">
+              <a:rPr/>
+              <a:t>‹#›</a:t>
+            </a:fld>
+            <a:endParaRPr kumimoji="1" lang="zh-CN" altLang="en-US"/>
+          </a:p>
+        </p:txBody>
+      </p:sp>
+    </p:spTree>
   </p:cSld>
   <p:clrMapOvr>
     <a:masterClrMapping/>
@@ -2455,13 +4350,7 @@
       </p:grpSpPr>
       <p:sp>
         <p:nvSpPr>
-          <p:cNvPr id="2" name="标题 1">
-            <a:extLst>
-              <a:ext uri="{FF2B5EF4-FFF2-40B4-BE49-F238E27FC236}">
-                <a16:creationId xmlns:a16="http://schemas.microsoft.com/office/drawing/2014/main" id="{6AD14D3A-4FFC-E786-CBA2-914B01CDD663}"/>
-              </a:ext>
-            </a:extLst>
-          </p:cNvPr>
+          <p:cNvPr id="2" name="标题 1"/>
           <p:cNvSpPr>
             <a:spLocks noGrp="1"/>
           </p:cNvSpPr>
@@ -2492,13 +4381,7 @@
       </p:sp>
       <p:sp>
         <p:nvSpPr>
-          <p:cNvPr id="3" name="图片占位符 2">
-            <a:extLst>
-              <a:ext uri="{FF2B5EF4-FFF2-40B4-BE49-F238E27FC236}">
-                <a16:creationId xmlns:a16="http://schemas.microsoft.com/office/drawing/2014/main" id="{B889C6CD-3460-830F-195B-226ED9CF85D0}"/>
-              </a:ext>
-            </a:extLst>
-          </p:cNvPr>
+          <p:cNvPr id="3" name="图片占位符 2"/>
           <p:cNvSpPr>
             <a:spLocks noGrp="1"/>
           </p:cNvSpPr>
@@ -2559,13 +4442,7 @@
       </p:sp>
       <p:sp>
         <p:nvSpPr>
-          <p:cNvPr id="4" name="文本占位符 3">
-            <a:extLst>
-              <a:ext uri="{FF2B5EF4-FFF2-40B4-BE49-F238E27FC236}">
-                <a16:creationId xmlns:a16="http://schemas.microsoft.com/office/drawing/2014/main" id="{6196E09D-935F-A397-0673-DE6CB76EDF90}"/>
-              </a:ext>
-            </a:extLst>
-          </p:cNvPr>
+          <p:cNvPr id="4" name="文本占位符 3"/>
           <p:cNvSpPr>
             <a:spLocks noGrp="1"/>
           </p:cNvSpPr>
@@ -2630,13 +4507,7 @@
       </p:sp>
       <p:sp>
         <p:nvSpPr>
-          <p:cNvPr id="5" name="日期占位符 4">
-            <a:extLst>
-              <a:ext uri="{FF2B5EF4-FFF2-40B4-BE49-F238E27FC236}">
-                <a16:creationId xmlns:a16="http://schemas.microsoft.com/office/drawing/2014/main" id="{8BD8908E-7F95-F35B-05AC-D9867B7AF97F}"/>
-              </a:ext>
-            </a:extLst>
-          </p:cNvPr>
+          <p:cNvPr id="5" name="日期占位符 4"/>
           <p:cNvSpPr>
             <a:spLocks noGrp="1"/>
           </p:cNvSpPr>
@@ -2650,7 +4521,8 @@
           <a:lstStyle/>
           <a:p>
             <a:fld id="{26C1D8DE-D085-B844-8474-AFD779F84500}" type="datetimeFigureOut">
-              <a:t>2025/12/8</a:t>
+              <a:rPr lang="zh-CN" altLang="en-US"/>
+              <a:t>2026/2/27</a:t>
             </a:fld>
             <a:endParaRPr kumimoji="1" lang="zh-CN" altLang="en-US"/>
           </a:p>
@@ -2658,13 +4530,7 @@
       </p:sp>
       <p:sp>
         <p:nvSpPr>
-          <p:cNvPr id="6" name="页脚占位符 5">
-            <a:extLst>
-              <a:ext uri="{FF2B5EF4-FFF2-40B4-BE49-F238E27FC236}">
-                <a16:creationId xmlns:a16="http://schemas.microsoft.com/office/drawing/2014/main" id="{BC2FDF12-7FB8-3F35-4F0F-847BD27FE957}"/>
-              </a:ext>
-            </a:extLst>
-          </p:cNvPr>
+          <p:cNvPr id="6" name="页脚占位符 5"/>
           <p:cNvSpPr>
             <a:spLocks noGrp="1"/>
           </p:cNvSpPr>
@@ -2683,13 +4549,7 @@
       </p:sp>
       <p:sp>
         <p:nvSpPr>
-          <p:cNvPr id="7" name="灯片编号占位符 6">
-            <a:extLst>
-              <a:ext uri="{FF2B5EF4-FFF2-40B4-BE49-F238E27FC236}">
-                <a16:creationId xmlns:a16="http://schemas.microsoft.com/office/drawing/2014/main" id="{FB5E3803-3826-DFFB-F1A1-AB2B5C5D0FBF}"/>
-              </a:ext>
-            </a:extLst>
-          </p:cNvPr>
+          <p:cNvPr id="7" name="灯片编号占位符 6"/>
           <p:cNvSpPr>
             <a:spLocks noGrp="1"/>
           </p:cNvSpPr>
@@ -2703,6 +4563,7 @@
           <a:lstStyle/>
           <a:p>
             <a:fld id="{BFA2D2D8-75F2-7C46-9B4E-B9ACD5B2CF84}" type="slidenum">
+              <a:rPr/>
               <a:t>‹#›</a:t>
             </a:fld>
             <a:endParaRPr kumimoji="1" lang="zh-CN" altLang="en-US"/>
@@ -2710,11 +4571,6 @@
         </p:txBody>
       </p:sp>
     </p:spTree>
-    <p:extLst>
-      <p:ext uri="{BB962C8B-B14F-4D97-AF65-F5344CB8AC3E}">
-        <p14:creationId xmlns:p14="http://schemas.microsoft.com/office/powerpoint/2010/main" val="3317084360"/>
-      </p:ext>
-    </p:extLst>
   </p:cSld>
   <p:clrMapOvr>
     <a:masterClrMapping/>
@@ -2746,13 +4602,7 @@
       </p:grpSpPr>
       <p:sp>
         <p:nvSpPr>
-          <p:cNvPr id="2" name="标题占位符 1">
-            <a:extLst>
-              <a:ext uri="{FF2B5EF4-FFF2-40B4-BE49-F238E27FC236}">
-                <a16:creationId xmlns:a16="http://schemas.microsoft.com/office/drawing/2014/main" id="{892553AF-8700-EE85-303E-E308B75EDDBA}"/>
-              </a:ext>
-            </a:extLst>
-          </p:cNvPr>
+          <p:cNvPr id="2" name="标题占位符 1"/>
           <p:cNvSpPr>
             <a:spLocks noGrp="1"/>
           </p:cNvSpPr>
@@ -2784,13 +4634,7 @@
       </p:sp>
       <p:sp>
         <p:nvSpPr>
-          <p:cNvPr id="3" name="文本占位符 2">
-            <a:extLst>
-              <a:ext uri="{FF2B5EF4-FFF2-40B4-BE49-F238E27FC236}">
-                <a16:creationId xmlns:a16="http://schemas.microsoft.com/office/drawing/2014/main" id="{D2CF2FBF-49EC-1020-2E0A-4CD22C1662E1}"/>
-              </a:ext>
-            </a:extLst>
-          </p:cNvPr>
+          <p:cNvPr id="3" name="文本占位符 2"/>
           <p:cNvSpPr>
             <a:spLocks noGrp="1"/>
           </p:cNvSpPr>
@@ -2851,13 +4695,7 @@
       </p:sp>
       <p:sp>
         <p:nvSpPr>
-          <p:cNvPr id="4" name="日期占位符 3">
-            <a:extLst>
-              <a:ext uri="{FF2B5EF4-FFF2-40B4-BE49-F238E27FC236}">
-                <a16:creationId xmlns:a16="http://schemas.microsoft.com/office/drawing/2014/main" id="{5A571BD8-C843-54CA-F5E7-C0F24B7E39AE}"/>
-              </a:ext>
-            </a:extLst>
-          </p:cNvPr>
+          <p:cNvPr id="4" name="日期占位符 3"/>
           <p:cNvSpPr>
             <a:spLocks noGrp="1"/>
           </p:cNvSpPr>
@@ -2889,7 +4727,8 @@
           </a:lstStyle>
           <a:p>
             <a:fld id="{26C1D8DE-D085-B844-8474-AFD779F84500}" type="datetimeFigureOut">
-              <a:t>2025/12/8</a:t>
+              <a:rPr lang="zh-CN" altLang="en-US"/>
+              <a:t>2026/2/27</a:t>
             </a:fld>
             <a:endParaRPr kumimoji="1" lang="zh-CN" altLang="en-US"/>
           </a:p>
@@ -2897,13 +4736,7 @@
       </p:sp>
       <p:sp>
         <p:nvSpPr>
-          <p:cNvPr id="5" name="页脚占位符 4">
-            <a:extLst>
-              <a:ext uri="{FF2B5EF4-FFF2-40B4-BE49-F238E27FC236}">
-                <a16:creationId xmlns:a16="http://schemas.microsoft.com/office/drawing/2014/main" id="{CC63E602-3617-C98B-A178-72F8994BF45B}"/>
-              </a:ext>
-            </a:extLst>
-          </p:cNvPr>
+          <p:cNvPr id="5" name="页脚占位符 4"/>
           <p:cNvSpPr>
             <a:spLocks noGrp="1"/>
           </p:cNvSpPr>
@@ -2940,13 +4773,7 @@
       </p:sp>
       <p:sp>
         <p:nvSpPr>
-          <p:cNvPr id="6" name="灯片编号占位符 5">
-            <a:extLst>
-              <a:ext uri="{FF2B5EF4-FFF2-40B4-BE49-F238E27FC236}">
-                <a16:creationId xmlns:a16="http://schemas.microsoft.com/office/drawing/2014/main" id="{59F29830-C81D-5F0C-8C99-1E1234FD8F6C}"/>
-              </a:ext>
-            </a:extLst>
-          </p:cNvPr>
+          <p:cNvPr id="6" name="灯片编号占位符 5"/>
           <p:cNvSpPr>
             <a:spLocks noGrp="1"/>
           </p:cNvSpPr>
@@ -2978,6 +4805,7 @@
           </a:lstStyle>
           <a:p>
             <a:fld id="{BFA2D2D8-75F2-7C46-9B4E-B9ACD5B2CF84}" type="slidenum">
+              <a:rPr/>
               <a:t>‹#›</a:t>
             </a:fld>
             <a:endParaRPr kumimoji="1" lang="zh-CN" altLang="en-US"/>
@@ -2985,11 +4813,6 @@
         </p:txBody>
       </p:sp>
     </p:spTree>
-    <p:extLst>
-      <p:ext uri="{BB962C8B-B14F-4D97-AF65-F5344CB8AC3E}">
-        <p14:creationId xmlns:p14="http://schemas.microsoft.com/office/powerpoint/2010/main" val="694121073"/>
-      </p:ext>
-    </p:extLst>
   </p:cSld>
   <p:clrMap bg1="lt1" tx1="dk1" bg2="lt2" tx2="dk2" accent1="accent1" accent2="accent2" accent3="accent3" accent4="accent4" accent5="accent5" accent6="accent6" hlink="hlink" folHlink="folHlink"/>
   <p:sldLayoutIdLst>
@@ -3004,6 +4827,539 @@
     <p:sldLayoutId id="2147483657" r:id="rId9"/>
     <p:sldLayoutId id="2147483658" r:id="rId10"/>
     <p:sldLayoutId id="2147483659" r:id="rId11"/>
+  </p:sldLayoutIdLst>
+  <p:txStyles>
+    <p:titleStyle>
+      <a:lvl1pPr algn="l" defTabSz="914400" rtl="0" eaLnBrk="1" latinLnBrk="0" hangingPunct="1">
+        <a:lnSpc>
+          <a:spcPct val="90000"/>
+        </a:lnSpc>
+        <a:spcBef>
+          <a:spcPct val="0"/>
+        </a:spcBef>
+        <a:buNone/>
+        <a:defRPr sz="4400" kern="1200">
+          <a:solidFill>
+            <a:schemeClr val="tx1"/>
+          </a:solidFill>
+          <a:latin typeface="+mj-lt"/>
+          <a:ea typeface="+mj-ea"/>
+          <a:cs typeface="+mj-cs"/>
+        </a:defRPr>
+      </a:lvl1pPr>
+    </p:titleStyle>
+    <p:bodyStyle>
+      <a:lvl1pPr marL="228600" indent="-228600" algn="l" defTabSz="914400" rtl="0" eaLnBrk="1" latinLnBrk="0" hangingPunct="1">
+        <a:lnSpc>
+          <a:spcPct val="90000"/>
+        </a:lnSpc>
+        <a:spcBef>
+          <a:spcPts val="1000"/>
+        </a:spcBef>
+        <a:buFont typeface="Arial" panose="020B0604020202020204" pitchFamily="34" charset="0"/>
+        <a:buChar char="•"/>
+        <a:defRPr sz="2800" kern="1200">
+          <a:solidFill>
+            <a:schemeClr val="tx1"/>
+          </a:solidFill>
+          <a:latin typeface="+mn-lt"/>
+          <a:ea typeface="+mn-ea"/>
+          <a:cs typeface="+mn-cs"/>
+        </a:defRPr>
+      </a:lvl1pPr>
+      <a:lvl2pPr marL="685800" indent="-228600" algn="l" defTabSz="914400" rtl="0" eaLnBrk="1" latinLnBrk="0" hangingPunct="1">
+        <a:lnSpc>
+          <a:spcPct val="90000"/>
+        </a:lnSpc>
+        <a:spcBef>
+          <a:spcPts val="500"/>
+        </a:spcBef>
+        <a:buFont typeface="Arial" panose="020B0604020202020204" pitchFamily="34" charset="0"/>
+        <a:buChar char="•"/>
+        <a:defRPr sz="2400" kern="1200">
+          <a:solidFill>
+            <a:schemeClr val="tx1"/>
+          </a:solidFill>
+          <a:latin typeface="+mn-lt"/>
+          <a:ea typeface="+mn-ea"/>
+          <a:cs typeface="+mn-cs"/>
+        </a:defRPr>
+      </a:lvl2pPr>
+      <a:lvl3pPr marL="1143000" indent="-228600" algn="l" defTabSz="914400" rtl="0" eaLnBrk="1" latinLnBrk="0" hangingPunct="1">
+        <a:lnSpc>
+          <a:spcPct val="90000"/>
+        </a:lnSpc>
+        <a:spcBef>
+          <a:spcPts val="500"/>
+        </a:spcBef>
+        <a:buFont typeface="Arial" panose="020B0604020202020204" pitchFamily="34" charset="0"/>
+        <a:buChar char="•"/>
+        <a:defRPr sz="2000" kern="1200">
+          <a:solidFill>
+            <a:schemeClr val="tx1"/>
+          </a:solidFill>
+          <a:latin typeface="+mn-lt"/>
+          <a:ea typeface="+mn-ea"/>
+          <a:cs typeface="+mn-cs"/>
+        </a:defRPr>
+      </a:lvl3pPr>
+      <a:lvl4pPr marL="1600200" indent="-228600" algn="l" defTabSz="914400" rtl="0" eaLnBrk="1" latinLnBrk="0" hangingPunct="1">
+        <a:lnSpc>
+          <a:spcPct val="90000"/>
+        </a:lnSpc>
+        <a:spcBef>
+          <a:spcPts val="500"/>
+        </a:spcBef>
+        <a:buFont typeface="Arial" panose="020B0604020202020204" pitchFamily="34" charset="0"/>
+        <a:buChar char="•"/>
+        <a:defRPr sz="1800" kern="1200">
+          <a:solidFill>
+            <a:schemeClr val="tx1"/>
+          </a:solidFill>
+          <a:latin typeface="+mn-lt"/>
+          <a:ea typeface="+mn-ea"/>
+          <a:cs typeface="+mn-cs"/>
+        </a:defRPr>
+      </a:lvl4pPr>
+      <a:lvl5pPr marL="2057400" indent="-228600" algn="l" defTabSz="914400" rtl="0" eaLnBrk="1" latinLnBrk="0" hangingPunct="1">
+        <a:lnSpc>
+          <a:spcPct val="90000"/>
+        </a:lnSpc>
+        <a:spcBef>
+          <a:spcPts val="500"/>
+        </a:spcBef>
+        <a:buFont typeface="Arial" panose="020B0604020202020204" pitchFamily="34" charset="0"/>
+        <a:buChar char="•"/>
+        <a:defRPr sz="1800" kern="1200">
+          <a:solidFill>
+            <a:schemeClr val="tx1"/>
+          </a:solidFill>
+          <a:latin typeface="+mn-lt"/>
+          <a:ea typeface="+mn-ea"/>
+          <a:cs typeface="+mn-cs"/>
+        </a:defRPr>
+      </a:lvl5pPr>
+      <a:lvl6pPr marL="2514600" indent="-228600" algn="l" defTabSz="914400" rtl="0" eaLnBrk="1" latinLnBrk="0" hangingPunct="1">
+        <a:lnSpc>
+          <a:spcPct val="90000"/>
+        </a:lnSpc>
+        <a:spcBef>
+          <a:spcPts val="500"/>
+        </a:spcBef>
+        <a:buFont typeface="Arial" panose="020B0604020202020204" pitchFamily="34" charset="0"/>
+        <a:buChar char="•"/>
+        <a:defRPr sz="1800" kern="1200">
+          <a:solidFill>
+            <a:schemeClr val="tx1"/>
+          </a:solidFill>
+          <a:latin typeface="+mn-lt"/>
+          <a:ea typeface="+mn-ea"/>
+          <a:cs typeface="+mn-cs"/>
+        </a:defRPr>
+      </a:lvl6pPr>
+      <a:lvl7pPr marL="2971800" indent="-228600" algn="l" defTabSz="914400" rtl="0" eaLnBrk="1" latinLnBrk="0" hangingPunct="1">
+        <a:lnSpc>
+          <a:spcPct val="90000"/>
+        </a:lnSpc>
+        <a:spcBef>
+          <a:spcPts val="500"/>
+        </a:spcBef>
+        <a:buFont typeface="Arial" panose="020B0604020202020204" pitchFamily="34" charset="0"/>
+        <a:buChar char="•"/>
+        <a:defRPr sz="1800" kern="1200">
+          <a:solidFill>
+            <a:schemeClr val="tx1"/>
+          </a:solidFill>
+          <a:latin typeface="+mn-lt"/>
+          <a:ea typeface="+mn-ea"/>
+          <a:cs typeface="+mn-cs"/>
+        </a:defRPr>
+      </a:lvl7pPr>
+      <a:lvl8pPr marL="3429000" indent="-228600" algn="l" defTabSz="914400" rtl="0" eaLnBrk="1" latinLnBrk="0" hangingPunct="1">
+        <a:lnSpc>
+          <a:spcPct val="90000"/>
+        </a:lnSpc>
+        <a:spcBef>
+          <a:spcPts val="500"/>
+        </a:spcBef>
+        <a:buFont typeface="Arial" panose="020B0604020202020204" pitchFamily="34" charset="0"/>
+        <a:buChar char="•"/>
+        <a:defRPr sz="1800" kern="1200">
+          <a:solidFill>
+            <a:schemeClr val="tx1"/>
+          </a:solidFill>
+          <a:latin typeface="+mn-lt"/>
+          <a:ea typeface="+mn-ea"/>
+          <a:cs typeface="+mn-cs"/>
+        </a:defRPr>
+      </a:lvl8pPr>
+      <a:lvl9pPr marL="3886200" indent="-228600" algn="l" defTabSz="914400" rtl="0" eaLnBrk="1" latinLnBrk="0" hangingPunct="1">
+        <a:lnSpc>
+          <a:spcPct val="90000"/>
+        </a:lnSpc>
+        <a:spcBef>
+          <a:spcPts val="500"/>
+        </a:spcBef>
+        <a:buFont typeface="Arial" panose="020B0604020202020204" pitchFamily="34" charset="0"/>
+        <a:buChar char="•"/>
+        <a:defRPr sz="1800" kern="1200">
+          <a:solidFill>
+            <a:schemeClr val="tx1"/>
+          </a:solidFill>
+          <a:latin typeface="+mn-lt"/>
+          <a:ea typeface="+mn-ea"/>
+          <a:cs typeface="+mn-cs"/>
+        </a:defRPr>
+      </a:lvl9pPr>
+    </p:bodyStyle>
+    <p:otherStyle>
+      <a:defPPr>
+        <a:defRPr lang="zh-CN"/>
+      </a:defPPr>
+      <a:lvl1pPr marL="0" algn="l" defTabSz="914400" rtl="0" eaLnBrk="1" latinLnBrk="0" hangingPunct="1">
+        <a:defRPr sz="1800" kern="1200">
+          <a:solidFill>
+            <a:schemeClr val="tx1"/>
+          </a:solidFill>
+          <a:latin typeface="+mn-lt"/>
+          <a:ea typeface="+mn-ea"/>
+          <a:cs typeface="+mn-cs"/>
+        </a:defRPr>
+      </a:lvl1pPr>
+      <a:lvl2pPr marL="457200" algn="l" defTabSz="914400" rtl="0" eaLnBrk="1" latinLnBrk="0" hangingPunct="1">
+        <a:defRPr sz="1800" kern="1200">
+          <a:solidFill>
+            <a:schemeClr val="tx1"/>
+          </a:solidFill>
+          <a:latin typeface="+mn-lt"/>
+          <a:ea typeface="+mn-ea"/>
+          <a:cs typeface="+mn-cs"/>
+        </a:defRPr>
+      </a:lvl2pPr>
+      <a:lvl3pPr marL="914400" algn="l" defTabSz="914400" rtl="0" eaLnBrk="1" latinLnBrk="0" hangingPunct="1">
+        <a:defRPr sz="1800" kern="1200">
+          <a:solidFill>
+            <a:schemeClr val="tx1"/>
+          </a:solidFill>
+          <a:latin typeface="+mn-lt"/>
+          <a:ea typeface="+mn-ea"/>
+          <a:cs typeface="+mn-cs"/>
+        </a:defRPr>
+      </a:lvl3pPr>
+      <a:lvl4pPr marL="1371600" algn="l" defTabSz="914400" rtl="0" eaLnBrk="1" latinLnBrk="0" hangingPunct="1">
+        <a:defRPr sz="1800" kern="1200">
+          <a:solidFill>
+            <a:schemeClr val="tx1"/>
+          </a:solidFill>
+          <a:latin typeface="+mn-lt"/>
+          <a:ea typeface="+mn-ea"/>
+          <a:cs typeface="+mn-cs"/>
+        </a:defRPr>
+      </a:lvl4pPr>
+      <a:lvl5pPr marL="1828800" algn="l" defTabSz="914400" rtl="0" eaLnBrk="1" latinLnBrk="0" hangingPunct="1">
+        <a:defRPr sz="1800" kern="1200">
+          <a:solidFill>
+            <a:schemeClr val="tx1"/>
+          </a:solidFill>
+          <a:latin typeface="+mn-lt"/>
+          <a:ea typeface="+mn-ea"/>
+          <a:cs typeface="+mn-cs"/>
+        </a:defRPr>
+      </a:lvl5pPr>
+      <a:lvl6pPr marL="2286000" algn="l" defTabSz="914400" rtl="0" eaLnBrk="1" latinLnBrk="0" hangingPunct="1">
+        <a:defRPr sz="1800" kern="1200">
+          <a:solidFill>
+            <a:schemeClr val="tx1"/>
+          </a:solidFill>
+          <a:latin typeface="+mn-lt"/>
+          <a:ea typeface="+mn-ea"/>
+          <a:cs typeface="+mn-cs"/>
+        </a:defRPr>
+      </a:lvl6pPr>
+      <a:lvl7pPr marL="2743200" algn="l" defTabSz="914400" rtl="0" eaLnBrk="1" latinLnBrk="0" hangingPunct="1">
+        <a:defRPr sz="1800" kern="1200">
+          <a:solidFill>
+            <a:schemeClr val="tx1"/>
+          </a:solidFill>
+          <a:latin typeface="+mn-lt"/>
+          <a:ea typeface="+mn-ea"/>
+          <a:cs typeface="+mn-cs"/>
+        </a:defRPr>
+      </a:lvl7pPr>
+      <a:lvl8pPr marL="3200400" algn="l" defTabSz="914400" rtl="0" eaLnBrk="1" latinLnBrk="0" hangingPunct="1">
+        <a:defRPr sz="1800" kern="1200">
+          <a:solidFill>
+            <a:schemeClr val="tx1"/>
+          </a:solidFill>
+          <a:latin typeface="+mn-lt"/>
+          <a:ea typeface="+mn-ea"/>
+          <a:cs typeface="+mn-cs"/>
+        </a:defRPr>
+      </a:lvl8pPr>
+      <a:lvl9pPr marL="3657600" algn="l" defTabSz="914400" rtl="0" eaLnBrk="1" latinLnBrk="0" hangingPunct="1">
+        <a:defRPr sz="1800" kern="1200">
+          <a:solidFill>
+            <a:schemeClr val="tx1"/>
+          </a:solidFill>
+          <a:latin typeface="+mn-lt"/>
+          <a:ea typeface="+mn-ea"/>
+          <a:cs typeface="+mn-cs"/>
+        </a:defRPr>
+      </a:lvl9pPr>
+    </p:otherStyle>
+  </p:txStyles>
+</p:sldMaster>
+</file>
+
+<file path=ppt/slideMasters/slideMaster2.xml><?xml version="1.0" encoding="utf-8"?>
+<p:sldMaster xmlns:a="http://schemas.openxmlformats.org/drawingml/2006/main" xmlns:r="http://schemas.openxmlformats.org/officeDocument/2006/relationships" xmlns:p="http://schemas.openxmlformats.org/presentationml/2006/main">
+  <p:cSld>
+    <p:bg>
+      <p:bgRef idx="1001">
+        <a:schemeClr val="bg1"/>
+      </p:bgRef>
+    </p:bg>
+    <p:spTree>
+      <p:nvGrpSpPr>
+        <p:cNvPr id="1" name=""/>
+        <p:cNvGrpSpPr/>
+        <p:nvPr/>
+      </p:nvGrpSpPr>
+      <p:grpSpPr>
+        <a:xfrm>
+          <a:off x="0" y="0"/>
+          <a:ext cx="0" cy="0"/>
+          <a:chOff x="0" y="0"/>
+          <a:chExt cx="0" cy="0"/>
+        </a:xfrm>
+      </p:grpSpPr>
+      <p:sp>
+        <p:nvSpPr>
+          <p:cNvPr id="2" name="标题占位符 1"/>
+          <p:cNvSpPr>
+            <a:spLocks noGrp="1"/>
+          </p:cNvSpPr>
+          <p:nvPr>
+            <p:ph type="title"/>
+          </p:nvPr>
+        </p:nvSpPr>
+        <p:spPr>
+          <a:xfrm>
+            <a:off x="838200" y="365125"/>
+            <a:ext cx="10515600" cy="1325563"/>
+          </a:xfrm>
+          <a:prstGeom prst="rect">
+            <a:avLst/>
+          </a:prstGeom>
+        </p:spPr>
+        <p:txBody>
+          <a:bodyPr vert="horz" lIns="91440" tIns="45720" rIns="91440" bIns="45720" rtlCol="0" anchor="ctr">
+            <a:normAutofit/>
+          </a:bodyPr>
+          <a:lstStyle/>
+          <a:p>
+            <a:r>
+              <a:rPr kumimoji="1" lang="zh-CN" altLang="en-US"/>
+              <a:t>单击此处编辑母版标题样式</a:t>
+            </a:r>
+          </a:p>
+        </p:txBody>
+      </p:sp>
+      <p:sp>
+        <p:nvSpPr>
+          <p:cNvPr id="3" name="文本占位符 2"/>
+          <p:cNvSpPr>
+            <a:spLocks noGrp="1"/>
+          </p:cNvSpPr>
+          <p:nvPr>
+            <p:ph type="body" idx="1"/>
+          </p:nvPr>
+        </p:nvSpPr>
+        <p:spPr>
+          <a:xfrm>
+            <a:off x="838200" y="1825625"/>
+            <a:ext cx="10515600" cy="4351338"/>
+          </a:xfrm>
+          <a:prstGeom prst="rect">
+            <a:avLst/>
+          </a:prstGeom>
+        </p:spPr>
+        <p:txBody>
+          <a:bodyPr vert="horz" lIns="91440" tIns="45720" rIns="91440" bIns="45720" rtlCol="0">
+            <a:normAutofit/>
+          </a:bodyPr>
+          <a:lstStyle/>
+          <a:p>
+            <a:pPr lvl="0"/>
+            <a:r>
+              <a:rPr kumimoji="1" lang="zh-CN" altLang="en-US"/>
+              <a:t>单击此处编辑母版文本样式</a:t>
+            </a:r>
+          </a:p>
+          <a:p>
+            <a:pPr lvl="1"/>
+            <a:r>
+              <a:rPr kumimoji="1" lang="zh-CN" altLang="en-US"/>
+              <a:t>二级</a:t>
+            </a:r>
+          </a:p>
+          <a:p>
+            <a:pPr lvl="2"/>
+            <a:r>
+              <a:rPr kumimoji="1" lang="zh-CN" altLang="en-US"/>
+              <a:t>三级</a:t>
+            </a:r>
+          </a:p>
+          <a:p>
+            <a:pPr lvl="3"/>
+            <a:r>
+              <a:rPr kumimoji="1" lang="zh-CN" altLang="en-US"/>
+              <a:t>四级</a:t>
+            </a:r>
+          </a:p>
+          <a:p>
+            <a:pPr lvl="4"/>
+            <a:r>
+              <a:rPr kumimoji="1" lang="zh-CN" altLang="en-US"/>
+              <a:t>五级</a:t>
+            </a:r>
+          </a:p>
+        </p:txBody>
+      </p:sp>
+      <p:sp>
+        <p:nvSpPr>
+          <p:cNvPr id="4" name="日期占位符 3"/>
+          <p:cNvSpPr>
+            <a:spLocks noGrp="1"/>
+          </p:cNvSpPr>
+          <p:nvPr>
+            <p:ph type="dt" sz="half" idx="2"/>
+          </p:nvPr>
+        </p:nvSpPr>
+        <p:spPr>
+          <a:xfrm>
+            <a:off x="838200" y="6356350"/>
+            <a:ext cx="2743200" cy="365125"/>
+          </a:xfrm>
+          <a:prstGeom prst="rect">
+            <a:avLst/>
+          </a:prstGeom>
+        </p:spPr>
+        <p:txBody>
+          <a:bodyPr vert="horz" lIns="91440" tIns="45720" rIns="91440" bIns="45720" rtlCol="0" anchor="ctr"/>
+          <a:lstStyle>
+            <a:lvl1pPr algn="l">
+              <a:defRPr sz="1200">
+                <a:solidFill>
+                  <a:schemeClr val="tx1">
+                    <a:tint val="82000"/>
+                  </a:schemeClr>
+                </a:solidFill>
+              </a:defRPr>
+            </a:lvl1pPr>
+          </a:lstStyle>
+          <a:p>
+            <a:fld id="{26C1D8DE-D085-B844-8474-AFD779F84500}" type="datetimeFigureOut">
+              <a:rPr lang="zh-CN" altLang="en-US"/>
+              <a:t>2026/2/27</a:t>
+            </a:fld>
+            <a:endParaRPr kumimoji="1" lang="zh-CN" altLang="en-US"/>
+          </a:p>
+        </p:txBody>
+      </p:sp>
+      <p:sp>
+        <p:nvSpPr>
+          <p:cNvPr id="5" name="页脚占位符 4"/>
+          <p:cNvSpPr>
+            <a:spLocks noGrp="1"/>
+          </p:cNvSpPr>
+          <p:nvPr>
+            <p:ph type="ftr" sz="quarter" idx="3"/>
+          </p:nvPr>
+        </p:nvSpPr>
+        <p:spPr>
+          <a:xfrm>
+            <a:off x="4038600" y="6356350"/>
+            <a:ext cx="4114800" cy="365125"/>
+          </a:xfrm>
+          <a:prstGeom prst="rect">
+            <a:avLst/>
+          </a:prstGeom>
+        </p:spPr>
+        <p:txBody>
+          <a:bodyPr vert="horz" lIns="91440" tIns="45720" rIns="91440" bIns="45720" rtlCol="0" anchor="ctr"/>
+          <a:lstStyle>
+            <a:lvl1pPr algn="ctr">
+              <a:defRPr sz="1200">
+                <a:solidFill>
+                  <a:schemeClr val="tx1">
+                    <a:tint val="82000"/>
+                  </a:schemeClr>
+                </a:solidFill>
+              </a:defRPr>
+            </a:lvl1pPr>
+          </a:lstStyle>
+          <a:p>
+            <a:endParaRPr kumimoji="1" lang="zh-CN" altLang="en-US"/>
+          </a:p>
+        </p:txBody>
+      </p:sp>
+      <p:sp>
+        <p:nvSpPr>
+          <p:cNvPr id="6" name="灯片编号占位符 5"/>
+          <p:cNvSpPr>
+            <a:spLocks noGrp="1"/>
+          </p:cNvSpPr>
+          <p:nvPr>
+            <p:ph type="sldNum" sz="quarter" idx="4"/>
+          </p:nvPr>
+        </p:nvSpPr>
+        <p:spPr>
+          <a:xfrm>
+            <a:off x="8610600" y="6356350"/>
+            <a:ext cx="2743200" cy="365125"/>
+          </a:xfrm>
+          <a:prstGeom prst="rect">
+            <a:avLst/>
+          </a:prstGeom>
+        </p:spPr>
+        <p:txBody>
+          <a:bodyPr vert="horz" lIns="91440" tIns="45720" rIns="91440" bIns="45720" rtlCol="0" anchor="ctr"/>
+          <a:lstStyle>
+            <a:lvl1pPr algn="r">
+              <a:defRPr sz="1200">
+                <a:solidFill>
+                  <a:schemeClr val="tx1">
+                    <a:tint val="82000"/>
+                  </a:schemeClr>
+                </a:solidFill>
+              </a:defRPr>
+            </a:lvl1pPr>
+          </a:lstStyle>
+          <a:p>
+            <a:fld id="{BFA2D2D8-75F2-7C46-9B4E-B9ACD5B2CF84}" type="slidenum">
+              <a:rPr/>
+              <a:t>‹#›</a:t>
+            </a:fld>
+            <a:endParaRPr kumimoji="1" lang="zh-CN" altLang="en-US"/>
+          </a:p>
+        </p:txBody>
+      </p:sp>
+    </p:spTree>
+  </p:cSld>
+  <p:clrMap bg1="lt1" tx1="dk1" bg2="lt2" tx2="dk2" accent1="accent1" accent2="accent2" accent3="accent3" accent4="accent4" accent5="accent5" accent6="accent6" hlink="hlink" folHlink="folHlink"/>
+  <p:sldLayoutIdLst>
+    <p:sldLayoutId id="2147483661" r:id="rId1"/>
+    <p:sldLayoutId id="2147483662" r:id="rId2"/>
+    <p:sldLayoutId id="2147483663" r:id="rId3"/>
+    <p:sldLayoutId id="2147483664" r:id="rId4"/>
+    <p:sldLayoutId id="2147483665" r:id="rId5"/>
+    <p:sldLayoutId id="2147483666" r:id="rId6"/>
+    <p:sldLayoutId id="2147483667" r:id="rId7"/>
+    <p:sldLayoutId id="2147483668" r:id="rId8"/>
+    <p:sldLayoutId id="2147483669" r:id="rId9"/>
+    <p:sldLayoutId id="2147483670" r:id="rId10"/>
+    <p:sldLayoutId id="2147483671" r:id="rId11"/>
   </p:sldLayoutIdLst>
   <p:txStyles>
     <p:titleStyle>
@@ -3307,13 +5663,7 @@
       </p:grpSpPr>
       <p:grpSp>
         <p:nvGrpSpPr>
-          <p:cNvPr id="7" name="组合 6">
-            <a:extLst>
-              <a:ext uri="{FF2B5EF4-FFF2-40B4-BE49-F238E27FC236}">
-                <a16:creationId xmlns:a16="http://schemas.microsoft.com/office/drawing/2014/main" id="{3A856094-F0D8-478D-6962-DA0E80A1D19A}"/>
-              </a:ext>
-            </a:extLst>
-          </p:cNvPr>
+          <p:cNvPr id="7" name="组合 6"/>
           <p:cNvGrpSpPr/>
           <p:nvPr/>
         </p:nvGrpSpPr>
@@ -3327,13 +5677,7 @@
         </p:grpSpPr>
         <p:pic>
           <p:nvPicPr>
-            <p:cNvPr id="5" name="图片 4">
-              <a:extLst>
-                <a:ext uri="{FF2B5EF4-FFF2-40B4-BE49-F238E27FC236}">
-                  <a16:creationId xmlns:a16="http://schemas.microsoft.com/office/drawing/2014/main" id="{C5BAA162-3E43-780C-E18B-DC8EA1AF5D8D}"/>
-                </a:ext>
-              </a:extLst>
-            </p:cNvPr>
+            <p:cNvPr id="5" name="图片 4"/>
             <p:cNvPicPr>
               <a:picLocks noChangeAspect="1"/>
             </p:cNvPicPr>
@@ -3357,13 +5701,7 @@
         </p:pic>
         <p:sp>
           <p:nvSpPr>
-            <p:cNvPr id="6" name="文本框 5">
-              <a:extLst>
-                <a:ext uri="{FF2B5EF4-FFF2-40B4-BE49-F238E27FC236}">
-                  <a16:creationId xmlns:a16="http://schemas.microsoft.com/office/drawing/2014/main" id="{47513CEE-2EFC-C8C0-5ED9-A614C63FACA6}"/>
-                </a:ext>
-              </a:extLst>
-            </p:cNvPr>
+            <p:cNvPr id="6" name="文本框 5"/>
             <p:cNvSpPr txBox="1"/>
             <p:nvPr/>
           </p:nvSpPr>
@@ -3391,7 +5729,7 @@
                   </a:solidFill>
                   <a:effectLst/>
                   <a:latin typeface="Helvetica" pitchFamily="2" charset="0"/>
-                  <a:ea typeface="SimHei" panose="02010609060101010101" pitchFamily="49" charset="-122"/>
+                  <a:ea typeface="黑体" panose="02010609060101010101" pitchFamily="49" charset="-122"/>
                 </a:rPr>
                 <a:t>碳中和与能源智联 国际大科学计划培育项目</a:t>
               </a:r>
@@ -3400,18 +5738,297 @@
                   <a:srgbClr val="016DAA"/>
                 </a:solidFill>
                 <a:latin typeface="Helvetica" pitchFamily="2" charset="0"/>
-                <a:ea typeface="SimHei" panose="02010609060101010101" pitchFamily="49" charset="-122"/>
+                <a:ea typeface="黑体" panose="02010609060101010101" pitchFamily="49" charset="-122"/>
               </a:endParaRPr>
             </a:p>
           </p:txBody>
         </p:sp>
       </p:grpSp>
     </p:spTree>
-    <p:extLst>
-      <p:ext uri="{BB962C8B-B14F-4D97-AF65-F5344CB8AC3E}">
-        <p14:creationId xmlns:p14="http://schemas.microsoft.com/office/powerpoint/2010/main" val="500414854"/>
-      </p:ext>
-    </p:extLst>
+  </p:cSld>
+  <p:clrMapOvr>
+    <a:masterClrMapping/>
+  </p:clrMapOvr>
+</p:sld>
+</file>
+
+<file path=ppt/slides/slide10.xml><?xml version="1.0" encoding="utf-8"?>
+<p:sld xmlns:a="http://schemas.openxmlformats.org/drawingml/2006/main" xmlns:r="http://schemas.openxmlformats.org/officeDocument/2006/relationships" xmlns:p="http://schemas.openxmlformats.org/presentationml/2006/main">
+  <p:cSld>
+    <p:spTree>
+      <p:nvGrpSpPr>
+        <p:cNvPr id="1" name=""/>
+        <p:cNvGrpSpPr/>
+        <p:nvPr/>
+      </p:nvGrpSpPr>
+      <p:grpSpPr>
+        <a:xfrm>
+          <a:off x="0" y="0"/>
+          <a:ext cx="0" cy="0"/>
+          <a:chOff x="0" y="0"/>
+          <a:chExt cx="0" cy="0"/>
+        </a:xfrm>
+      </p:grpSpPr>
+      <p:pic>
+        <p:nvPicPr>
+          <p:cNvPr id="4" name="图片 3" descr="minviro"/>
+          <p:cNvPicPr>
+            <a:picLocks noChangeAspect="1"/>
+          </p:cNvPicPr>
+          <p:nvPr/>
+        </p:nvPicPr>
+        <p:blipFill>
+          <a:blip r:embed="rId2"/>
+          <a:stretch>
+            <a:fillRect/>
+          </a:stretch>
+        </p:blipFill>
+        <p:spPr>
+          <a:xfrm>
+            <a:off x="1366520" y="768350"/>
+            <a:ext cx="9458325" cy="5320665"/>
+          </a:xfrm>
+          <a:prstGeom prst="rect">
+            <a:avLst/>
+          </a:prstGeom>
+        </p:spPr>
+      </p:pic>
+    </p:spTree>
+  </p:cSld>
+  <p:clrMapOvr>
+    <a:masterClrMapping/>
+  </p:clrMapOvr>
+</p:sld>
+</file>
+
+<file path=ppt/slides/slide11.xml><?xml version="1.0" encoding="utf-8"?>
+<p:sld xmlns:a="http://schemas.openxmlformats.org/drawingml/2006/main" xmlns:r="http://schemas.openxmlformats.org/officeDocument/2006/relationships" xmlns:p="http://schemas.openxmlformats.org/presentationml/2006/main">
+  <p:cSld>
+    <p:spTree>
+      <p:nvGrpSpPr>
+        <p:cNvPr id="1" name=""/>
+        <p:cNvGrpSpPr/>
+        <p:nvPr/>
+      </p:nvGrpSpPr>
+      <p:grpSpPr>
+        <a:xfrm>
+          <a:off x="0" y="0"/>
+          <a:ext cx="0" cy="0"/>
+          <a:chOff x="0" y="0"/>
+          <a:chExt cx="0" cy="0"/>
+        </a:xfrm>
+      </p:grpSpPr>
+      <p:pic>
+        <p:nvPicPr>
+          <p:cNvPr id="2" name="图片 1" descr="pre"/>
+          <p:cNvPicPr>
+            <a:picLocks noChangeAspect="1"/>
+          </p:cNvPicPr>
+          <p:nvPr/>
+        </p:nvPicPr>
+        <p:blipFill>
+          <a:blip r:embed="rId2"/>
+          <a:stretch>
+            <a:fillRect/>
+          </a:stretch>
+        </p:blipFill>
+        <p:spPr>
+          <a:xfrm>
+            <a:off x="2151380" y="776605"/>
+            <a:ext cx="7889875" cy="5305425"/>
+          </a:xfrm>
+          <a:prstGeom prst="rect">
+            <a:avLst/>
+          </a:prstGeom>
+        </p:spPr>
+      </p:pic>
+    </p:spTree>
+  </p:cSld>
+  <p:clrMapOvr>
+    <a:masterClrMapping/>
+  </p:clrMapOvr>
+</p:sld>
+</file>
+
+<file path=ppt/slides/slide12.xml><?xml version="1.0" encoding="utf-8"?>
+<p:sld xmlns:a="http://schemas.openxmlformats.org/drawingml/2006/main" xmlns:r="http://schemas.openxmlformats.org/officeDocument/2006/relationships" xmlns:p="http://schemas.openxmlformats.org/presentationml/2006/main">
+  <p:cSld>
+    <p:spTree>
+      <p:nvGrpSpPr>
+        <p:cNvPr id="1" name=""/>
+        <p:cNvGrpSpPr/>
+        <p:nvPr/>
+      </p:nvGrpSpPr>
+      <p:grpSpPr>
+        <a:xfrm>
+          <a:off x="0" y="0"/>
+          <a:ext cx="0" cy="0"/>
+          <a:chOff x="0" y="0"/>
+          <a:chExt cx="0" cy="0"/>
+        </a:xfrm>
+      </p:grpSpPr>
+      <p:pic>
+        <p:nvPicPr>
+          <p:cNvPr id="4" name="图片 3" descr="tiangong"/>
+          <p:cNvPicPr>
+            <a:picLocks noChangeAspect="1"/>
+          </p:cNvPicPr>
+          <p:nvPr/>
+        </p:nvPicPr>
+        <p:blipFill>
+          <a:blip r:embed="rId2"/>
+          <a:stretch>
+            <a:fillRect/>
+          </a:stretch>
+        </p:blipFill>
+        <p:spPr>
+          <a:xfrm>
+            <a:off x="1897380" y="1732280"/>
+            <a:ext cx="8100695" cy="3392805"/>
+          </a:xfrm>
+          <a:prstGeom prst="rect">
+            <a:avLst/>
+          </a:prstGeom>
+        </p:spPr>
+      </p:pic>
+    </p:spTree>
+  </p:cSld>
+  <p:clrMapOvr>
+    <a:masterClrMapping/>
+  </p:clrMapOvr>
+</p:sld>
+</file>
+
+<file path=ppt/slides/slide13.xml><?xml version="1.0" encoding="utf-8"?>
+<p:sld xmlns:a="http://schemas.openxmlformats.org/drawingml/2006/main" xmlns:r="http://schemas.openxmlformats.org/officeDocument/2006/relationships" xmlns:p="http://schemas.openxmlformats.org/presentationml/2006/main">
+  <p:cSld>
+    <p:spTree>
+      <p:nvGrpSpPr>
+        <p:cNvPr id="1" name=""/>
+        <p:cNvGrpSpPr/>
+        <p:nvPr/>
+      </p:nvGrpSpPr>
+      <p:grpSpPr>
+        <a:xfrm>
+          <a:off x="0" y="0"/>
+          <a:ext cx="0" cy="0"/>
+          <a:chOff x="0" y="0"/>
+          <a:chExt cx="0" cy="0"/>
+        </a:xfrm>
+      </p:grpSpPr>
+      <p:pic>
+        <p:nvPicPr>
+          <p:cNvPr id="2" name="图片 1" descr="watershed"/>
+          <p:cNvPicPr>
+            <a:picLocks noChangeAspect="1"/>
+          </p:cNvPicPr>
+          <p:nvPr/>
+        </p:nvPicPr>
+        <p:blipFill>
+          <a:blip r:embed="rId2"/>
+          <a:stretch>
+            <a:fillRect/>
+          </a:stretch>
+        </p:blipFill>
+        <p:spPr>
+          <a:xfrm>
+            <a:off x="949960" y="2211705"/>
+            <a:ext cx="10292080" cy="2121535"/>
+          </a:xfrm>
+          <a:prstGeom prst="rect">
+            <a:avLst/>
+          </a:prstGeom>
+        </p:spPr>
+      </p:pic>
+    </p:spTree>
+  </p:cSld>
+  <p:clrMapOvr>
+    <a:masterClrMapping/>
+  </p:clrMapOvr>
+</p:sld>
+</file>
+
+<file path=ppt/slides/slide14.xml><?xml version="1.0" encoding="utf-8"?>
+<p:sld xmlns:a="http://schemas.openxmlformats.org/drawingml/2006/main" xmlns:r="http://schemas.openxmlformats.org/officeDocument/2006/relationships" xmlns:p="http://schemas.openxmlformats.org/presentationml/2006/main">
+  <p:cSld>
+    <p:spTree>
+      <p:nvGrpSpPr>
+        <p:cNvPr id="1" name=""/>
+        <p:cNvGrpSpPr/>
+        <p:nvPr/>
+      </p:nvGrpSpPr>
+      <p:grpSpPr>
+        <a:xfrm>
+          <a:off x="0" y="0"/>
+          <a:ext cx="0" cy="0"/>
+          <a:chOff x="0" y="0"/>
+          <a:chExt cx="0" cy="0"/>
+        </a:xfrm>
+      </p:grpSpPr>
+      <p:grpSp>
+        <p:nvGrpSpPr>
+          <p:cNvPr id="6" name="组合 5"/>
+          <p:cNvGrpSpPr/>
+          <p:nvPr/>
+        </p:nvGrpSpPr>
+        <p:grpSpPr>
+          <a:xfrm>
+            <a:off x="325120" y="1583055"/>
+            <a:ext cx="11790680" cy="3647440"/>
+            <a:chOff x="223" y="1772"/>
+            <a:chExt cx="18568" cy="5744"/>
+          </a:xfrm>
+        </p:grpSpPr>
+        <p:pic>
+          <p:nvPicPr>
+            <p:cNvPr id="4" name="图片 3" descr="gdlogo_large"/>
+            <p:cNvPicPr>
+              <a:picLocks noChangeAspect="1"/>
+            </p:cNvPicPr>
+            <p:nvPr/>
+          </p:nvPicPr>
+          <p:blipFill>
+            <a:blip r:embed="rId2"/>
+            <a:stretch>
+              <a:fillRect/>
+            </a:stretch>
+          </p:blipFill>
+          <p:spPr>
+            <a:xfrm>
+              <a:off x="223" y="4128"/>
+              <a:ext cx="9642" cy="1103"/>
+            </a:xfrm>
+            <a:prstGeom prst="rect">
+              <a:avLst/>
+            </a:prstGeom>
+          </p:spPr>
+        </p:pic>
+        <p:pic>
+          <p:nvPicPr>
+            <p:cNvPr id="5" name="图片 4" descr="openLCA_logo_t"/>
+            <p:cNvPicPr>
+              <a:picLocks noChangeAspect="1"/>
+            </p:cNvPicPr>
+            <p:nvPr/>
+          </p:nvPicPr>
+          <p:blipFill>
+            <a:blip r:embed="rId3"/>
+            <a:stretch>
+              <a:fillRect/>
+            </a:stretch>
+          </p:blipFill>
+          <p:spPr>
+            <a:xfrm>
+              <a:off x="9599" y="1772"/>
+              <a:ext cx="9192" cy="5745"/>
+            </a:xfrm>
+            <a:prstGeom prst="rect">
+              <a:avLst/>
+            </a:prstGeom>
+          </p:spPr>
+        </p:pic>
+      </p:grpSp>
+    </p:spTree>
   </p:cSld>
   <p:clrMapOvr>
     <a:masterClrMapping/>
@@ -3438,13 +6055,7 @@
       </p:grpSpPr>
       <p:pic>
         <p:nvPicPr>
-          <p:cNvPr id="5" name="图片 4">
-            <a:extLst>
-              <a:ext uri="{FF2B5EF4-FFF2-40B4-BE49-F238E27FC236}">
-                <a16:creationId xmlns:a16="http://schemas.microsoft.com/office/drawing/2014/main" id="{AE8631C1-D8FE-4C94-E0D1-1022EAE0A860}"/>
-              </a:ext>
-            </a:extLst>
-          </p:cNvPr>
+          <p:cNvPr id="5" name="图片 4"/>
           <p:cNvPicPr>
             <a:picLocks noChangeAspect="1"/>
           </p:cNvPicPr>
@@ -3468,13 +6079,7 @@
       </p:pic>
       <p:sp>
         <p:nvSpPr>
-          <p:cNvPr id="7" name="文本框 6">
-            <a:extLst>
-              <a:ext uri="{FF2B5EF4-FFF2-40B4-BE49-F238E27FC236}">
-                <a16:creationId xmlns:a16="http://schemas.microsoft.com/office/drawing/2014/main" id="{5901DD6F-B000-8DB5-119A-29D843D91E28}"/>
-              </a:ext>
-            </a:extLst>
-          </p:cNvPr>
+          <p:cNvPr id="7" name="文本框 6"/>
           <p:cNvSpPr txBox="1"/>
           <p:nvPr/>
         </p:nvSpPr>
@@ -3585,11 +6190,6 @@
         </p:txBody>
       </p:sp>
     </p:spTree>
-    <p:extLst>
-      <p:ext uri="{BB962C8B-B14F-4D97-AF65-F5344CB8AC3E}">
-        <p14:creationId xmlns:p14="http://schemas.microsoft.com/office/powerpoint/2010/main" val="3202313567"/>
-      </p:ext>
-    </p:extLst>
   </p:cSld>
   <p:clrMapOvr>
     <a:masterClrMapping/>
@@ -3616,13 +6216,7 @@
       </p:grpSpPr>
       <p:pic>
         <p:nvPicPr>
-          <p:cNvPr id="5" name="图片 4">
-            <a:extLst>
-              <a:ext uri="{FF2B5EF4-FFF2-40B4-BE49-F238E27FC236}">
-                <a16:creationId xmlns:a16="http://schemas.microsoft.com/office/drawing/2014/main" id="{3D833B72-0437-01D5-6149-CFA87884EFCA}"/>
-              </a:ext>
-            </a:extLst>
-          </p:cNvPr>
+          <p:cNvPr id="5" name="图片 4"/>
           <p:cNvPicPr>
             <a:picLocks noChangeAspect="1"/>
           </p:cNvPicPr>
@@ -3637,8 +6231,8 @@
         </p:blipFill>
         <p:spPr>
           <a:xfrm>
-            <a:off x="-1" y="1"/>
-            <a:ext cx="12192001" cy="6858000"/>
+            <a:off x="-483870" y="-112395"/>
+            <a:ext cx="12391390" cy="6970395"/>
           </a:xfrm>
           <a:prstGeom prst="rect">
             <a:avLst/>
@@ -3646,11 +6240,6 @@
         </p:spPr>
       </p:pic>
     </p:spTree>
-    <p:extLst>
-      <p:ext uri="{BB962C8B-B14F-4D97-AF65-F5344CB8AC3E}">
-        <p14:creationId xmlns:p14="http://schemas.microsoft.com/office/powerpoint/2010/main" val="3614962"/>
-      </p:ext>
-    </p:extLst>
   </p:cSld>
   <p:clrMapOvr>
     <a:masterClrMapping/>
@@ -3677,13 +6266,57 @@
       </p:grpSpPr>
       <p:pic>
         <p:nvPicPr>
-          <p:cNvPr id="5" name="图片 4" descr="徽标, 公司名称&#10;&#10;AI 生成的内容可能不正确。">
-            <a:extLst>
-              <a:ext uri="{FF2B5EF4-FFF2-40B4-BE49-F238E27FC236}">
-                <a16:creationId xmlns:a16="http://schemas.microsoft.com/office/drawing/2014/main" id="{9BAA88FC-6888-B36A-3D27-55D770484D90}"/>
-              </a:ext>
-            </a:extLst>
-          </p:cNvPr>
+          <p:cNvPr id="2" name="图片 1" descr="carbonminds"/>
+          <p:cNvPicPr>
+            <a:picLocks noChangeAspect="1"/>
+          </p:cNvPicPr>
+          <p:nvPr/>
+        </p:nvPicPr>
+        <p:blipFill>
+          <a:blip r:embed="rId2"/>
+          <a:srcRect t="11620" b="8936"/>
+          <a:stretch>
+            <a:fillRect/>
+          </a:stretch>
+        </p:blipFill>
+        <p:spPr>
+          <a:xfrm>
+            <a:off x="2070735" y="46355"/>
+            <a:ext cx="8049895" cy="6395085"/>
+          </a:xfrm>
+          <a:prstGeom prst="rect">
+            <a:avLst/>
+          </a:prstGeom>
+        </p:spPr>
+      </p:pic>
+    </p:spTree>
+  </p:cSld>
+  <p:clrMapOvr>
+    <a:masterClrMapping/>
+  </p:clrMapOvr>
+</p:sld>
+</file>
+
+<file path=ppt/slides/slide5.xml><?xml version="1.0" encoding="utf-8"?>
+<p:sld xmlns:a="http://schemas.openxmlformats.org/drawingml/2006/main" xmlns:r="http://schemas.openxmlformats.org/officeDocument/2006/relationships" xmlns:p="http://schemas.openxmlformats.org/presentationml/2006/main">
+  <p:cSld>
+    <p:spTree>
+      <p:nvGrpSpPr>
+        <p:cNvPr id="1" name=""/>
+        <p:cNvGrpSpPr/>
+        <p:nvPr/>
+      </p:nvGrpSpPr>
+      <p:grpSpPr>
+        <a:xfrm>
+          <a:off x="0" y="0"/>
+          <a:ext cx="0" cy="0"/>
+          <a:chOff x="0" y="0"/>
+          <a:chExt cx="0" cy="0"/>
+        </a:xfrm>
+      </p:grpSpPr>
+      <p:pic>
+        <p:nvPicPr>
+          <p:cNvPr id="4" name="图片 3" descr="carbonminds"/>
           <p:cNvPicPr>
             <a:picLocks noChangeAspect="1"/>
           </p:cNvPicPr>
@@ -3697,8 +6330,8 @@
         </p:blipFill>
         <p:spPr>
           <a:xfrm>
-            <a:off x="2506473" y="1407461"/>
-            <a:ext cx="7179053" cy="4043077"/>
+            <a:off x="1758950" y="702945"/>
+            <a:ext cx="8673465" cy="4575175"/>
           </a:xfrm>
           <a:prstGeom prst="rect">
             <a:avLst/>
@@ -3706,11 +6339,202 @@
         </p:spPr>
       </p:pic>
     </p:spTree>
-    <p:extLst>
-      <p:ext uri="{BB962C8B-B14F-4D97-AF65-F5344CB8AC3E}">
-        <p14:creationId xmlns:p14="http://schemas.microsoft.com/office/powerpoint/2010/main" val="2600892972"/>
-      </p:ext>
-    </p:extLst>
+  </p:cSld>
+  <p:clrMapOvr>
+    <a:masterClrMapping/>
+  </p:clrMapOvr>
+</p:sld>
+</file>
+
+<file path=ppt/slides/slide6.xml><?xml version="1.0" encoding="utf-8"?>
+<p:sld xmlns:a="http://schemas.openxmlformats.org/drawingml/2006/main" xmlns:r="http://schemas.openxmlformats.org/officeDocument/2006/relationships" xmlns:p="http://schemas.openxmlformats.org/presentationml/2006/main">
+  <p:cSld>
+    <p:spTree>
+      <p:nvGrpSpPr>
+        <p:cNvPr id="1" name=""/>
+        <p:cNvGrpSpPr/>
+        <p:nvPr/>
+      </p:nvGrpSpPr>
+      <p:grpSpPr>
+        <a:xfrm>
+          <a:off x="0" y="0"/>
+          <a:ext cx="0" cy="0"/>
+          <a:chOff x="0" y="0"/>
+          <a:chExt cx="0" cy="0"/>
+        </a:xfrm>
+      </p:grpSpPr>
+      <p:pic>
+        <p:nvPicPr>
+          <p:cNvPr id="4" name="图片 3" descr="cornerstone"/>
+          <p:cNvPicPr>
+            <a:picLocks noChangeAspect="1"/>
+          </p:cNvPicPr>
+          <p:nvPr/>
+        </p:nvPicPr>
+        <p:blipFill>
+          <a:blip r:embed="rId2"/>
+          <a:stretch>
+            <a:fillRect/>
+          </a:stretch>
+        </p:blipFill>
+        <p:spPr>
+          <a:xfrm>
+            <a:off x="403860" y="1721485"/>
+            <a:ext cx="11383645" cy="3032125"/>
+          </a:xfrm>
+          <a:prstGeom prst="rect">
+            <a:avLst/>
+          </a:prstGeom>
+        </p:spPr>
+      </p:pic>
+    </p:spTree>
+  </p:cSld>
+  <p:clrMapOvr>
+    <a:masterClrMapping/>
+  </p:clrMapOvr>
+</p:sld>
+</file>
+
+<file path=ppt/slides/slide7.xml><?xml version="1.0" encoding="utf-8"?>
+<p:sld xmlns:a="http://schemas.openxmlformats.org/drawingml/2006/main" xmlns:r="http://schemas.openxmlformats.org/officeDocument/2006/relationships" xmlns:p="http://schemas.openxmlformats.org/presentationml/2006/main">
+  <p:cSld>
+    <p:spTree>
+      <p:nvGrpSpPr>
+        <p:cNvPr id="1" name=""/>
+        <p:cNvGrpSpPr/>
+        <p:nvPr/>
+      </p:nvGrpSpPr>
+      <p:grpSpPr>
+        <a:xfrm>
+          <a:off x="0" y="0"/>
+          <a:ext cx="0" cy="0"/>
+          <a:chOff x="0" y="0"/>
+          <a:chExt cx="0" cy="0"/>
+        </a:xfrm>
+      </p:grpSpPr>
+      <p:pic>
+        <p:nvPicPr>
+          <p:cNvPr id="4" name="图片 3" descr="dds"/>
+          <p:cNvPicPr>
+            <a:picLocks noChangeAspect="1"/>
+          </p:cNvPicPr>
+          <p:nvPr/>
+        </p:nvPicPr>
+        <p:blipFill>
+          <a:blip r:embed="rId2"/>
+          <a:stretch>
+            <a:fillRect/>
+          </a:stretch>
+        </p:blipFill>
+        <p:spPr>
+          <a:xfrm>
+            <a:off x="1104900" y="1097280"/>
+            <a:ext cx="9982200" cy="4663440"/>
+          </a:xfrm>
+          <a:prstGeom prst="rect">
+            <a:avLst/>
+          </a:prstGeom>
+        </p:spPr>
+      </p:pic>
+    </p:spTree>
+  </p:cSld>
+  <p:clrMapOvr>
+    <a:masterClrMapping/>
+  </p:clrMapOvr>
+</p:sld>
+</file>
+
+<file path=ppt/slides/slide8.xml><?xml version="1.0" encoding="utf-8"?>
+<p:sld xmlns:a="http://schemas.openxmlformats.org/drawingml/2006/main" xmlns:r="http://schemas.openxmlformats.org/officeDocument/2006/relationships" xmlns:p="http://schemas.openxmlformats.org/presentationml/2006/main">
+  <p:cSld>
+    <p:spTree>
+      <p:nvGrpSpPr>
+        <p:cNvPr id="1" name=""/>
+        <p:cNvGrpSpPr/>
+        <p:nvPr/>
+      </p:nvGrpSpPr>
+      <p:grpSpPr>
+        <a:xfrm>
+          <a:off x="0" y="0"/>
+          <a:ext cx="0" cy="0"/>
+          <a:chOff x="0" y="0"/>
+          <a:chExt cx="0" cy="0"/>
+        </a:xfrm>
+      </p:grpSpPr>
+      <p:pic>
+        <p:nvPicPr>
+          <p:cNvPr id="4" name="图片 3" descr="envision"/>
+          <p:cNvPicPr>
+            <a:picLocks noChangeAspect="1"/>
+          </p:cNvPicPr>
+          <p:nvPr/>
+        </p:nvPicPr>
+        <p:blipFill>
+          <a:blip r:embed="rId2"/>
+          <a:stretch>
+            <a:fillRect/>
+          </a:stretch>
+        </p:blipFill>
+        <p:spPr>
+          <a:xfrm>
+            <a:off x="1374603" y="2440402"/>
+            <a:ext cx="9442794" cy="1977196"/>
+          </a:xfrm>
+          <a:prstGeom prst="rect">
+            <a:avLst/>
+          </a:prstGeom>
+        </p:spPr>
+      </p:pic>
+    </p:spTree>
+  </p:cSld>
+  <p:clrMapOvr>
+    <a:masterClrMapping/>
+  </p:clrMapOvr>
+</p:sld>
+</file>
+
+<file path=ppt/slides/slide9.xml><?xml version="1.0" encoding="utf-8"?>
+<p:sld xmlns:a="http://schemas.openxmlformats.org/drawingml/2006/main" xmlns:r="http://schemas.openxmlformats.org/officeDocument/2006/relationships" xmlns:p="http://schemas.openxmlformats.org/presentationml/2006/main">
+  <p:cSld>
+    <p:spTree>
+      <p:nvGrpSpPr>
+        <p:cNvPr id="1" name=""/>
+        <p:cNvGrpSpPr/>
+        <p:nvPr/>
+      </p:nvGrpSpPr>
+      <p:grpSpPr>
+        <a:xfrm>
+          <a:off x="0" y="0"/>
+          <a:ext cx="0" cy="0"/>
+          <a:chOff x="0" y="0"/>
+          <a:chExt cx="0" cy="0"/>
+        </a:xfrm>
+      </p:grpSpPr>
+      <p:pic>
+        <p:nvPicPr>
+          <p:cNvPr id="4" name="图片 3" descr="hiq"/>
+          <p:cNvPicPr>
+            <a:picLocks noChangeAspect="1"/>
+          </p:cNvPicPr>
+          <p:nvPr/>
+        </p:nvPicPr>
+        <p:blipFill>
+          <a:blip r:embed="rId2"/>
+          <a:stretch>
+            <a:fillRect/>
+          </a:stretch>
+        </p:blipFill>
+        <p:spPr>
+          <a:xfrm>
+            <a:off x="2845435" y="1471930"/>
+            <a:ext cx="6501765" cy="3914140"/>
+          </a:xfrm>
+          <a:prstGeom prst="rect">
+            <a:avLst/>
+          </a:prstGeom>
+        </p:spPr>
+      </p:pic>
+    </p:spTree>
   </p:cSld>
   <p:clrMapOvr>
     <a:masterClrMapping/>
@@ -3761,7 +6585,7 @@
     </a:clrScheme>
     <a:fontScheme name="Office">
       <a:majorFont>
-        <a:latin typeface="等线 Light" panose="02110004020202020204"/>
+        <a:latin typeface="等线 Light"/>
         <a:ea typeface=""/>
         <a:cs typeface=""/>
         <a:font script="Jpan" typeface="游ゴシック Light"/>
@@ -3794,26 +6618,9 @@
         <a:font script="Viet" typeface="Times New Roman"/>
         <a:font script="Uigh" typeface="Microsoft Uighur"/>
         <a:font script="Geor" typeface="Sylfaen"/>
-        <a:font script="Armn" typeface="Arial"/>
-        <a:font script="Bugi" typeface="Leelawadee UI"/>
-        <a:font script="Bopo" typeface="Microsoft JhengHei"/>
-        <a:font script="Java" typeface="Javanese Text"/>
-        <a:font script="Lisu" typeface="Segoe UI"/>
-        <a:font script="Mymr" typeface="Myanmar Text"/>
-        <a:font script="Nkoo" typeface="Ebrima"/>
-        <a:font script="Olck" typeface="Nirmala UI"/>
-        <a:font script="Osma" typeface="Ebrima"/>
-        <a:font script="Phag" typeface="Phagspa"/>
-        <a:font script="Syrn" typeface="Estrangelo Edessa"/>
-        <a:font script="Syrj" typeface="Estrangelo Edessa"/>
-        <a:font script="Syre" typeface="Estrangelo Edessa"/>
-        <a:font script="Sora" typeface="Nirmala UI"/>
-        <a:font script="Tale" typeface="Microsoft Tai Le"/>
-        <a:font script="Talu" typeface="Microsoft New Tai Lue"/>
-        <a:font script="Tfng" typeface="Ebrima"/>
       </a:majorFont>
       <a:minorFont>
-        <a:latin typeface="等线" panose="02110004020202020204"/>
+        <a:latin typeface="等线"/>
         <a:ea typeface=""/>
         <a:cs typeface=""/>
         <a:font script="Jpan" typeface="游ゴシック"/>
@@ -3846,23 +6653,6 @@
         <a:font script="Viet" typeface="Arial"/>
         <a:font script="Uigh" typeface="Microsoft Uighur"/>
         <a:font script="Geor" typeface="Sylfaen"/>
-        <a:font script="Armn" typeface="Arial"/>
-        <a:font script="Bugi" typeface="Leelawadee UI"/>
-        <a:font script="Bopo" typeface="Microsoft JhengHei"/>
-        <a:font script="Java" typeface="Javanese Text"/>
-        <a:font script="Lisu" typeface="Segoe UI"/>
-        <a:font script="Mymr" typeface="Myanmar Text"/>
-        <a:font script="Nkoo" typeface="Ebrima"/>
-        <a:font script="Olck" typeface="Nirmala UI"/>
-        <a:font script="Osma" typeface="Ebrima"/>
-        <a:font script="Phag" typeface="Phagspa"/>
-        <a:font script="Syrn" typeface="Estrangelo Edessa"/>
-        <a:font script="Syrj" typeface="Estrangelo Edessa"/>
-        <a:font script="Syre" typeface="Estrangelo Edessa"/>
-        <a:font script="Sora" typeface="Nirmala UI"/>
-        <a:font script="Tale" typeface="Microsoft Tai Le"/>
-        <a:font script="Talu" typeface="Microsoft New Tai Lue"/>
-        <a:font script="Tfng" typeface="Ebrima"/>
       </a:minorFont>
     </a:fontScheme>
     <a:fmtScheme name="Office">
@@ -4027,7 +6817,288 @@
   <a:extraClrSchemeLst/>
   <a:extLst>
     <a:ext uri="{05A4C25C-085E-4340-85A3-A5531E510DB2}">
-      <thm15:themeFamily xmlns:thm15="http://schemas.microsoft.com/office/thememl/2012/main" name="Office Theme" id="{2E142A2C-CD16-42D6-873A-C26D2A0506FA}" vid="{1BDDFF52-6CD6-40A5-AB3C-68EB2F1E4D0A}"/>
+      <thm15:themeFamily xmlns:thm15="http://schemas.microsoft.com/office/thememl/2012/main" name="Office Theme" id="{62F939B6-93AF-4DB8-9C6B-D6C7DFDC589F}" vid="{4A3C46E8-61CC-4603-A589-7422A47A8E4A}"/>
+    </a:ext>
+  </a:extLst>
+</a:theme>
+</file>
+
+<file path=ppt/theme/theme2.xml><?xml version="1.0" encoding="utf-8"?>
+<a:theme xmlns:a="http://schemas.openxmlformats.org/drawingml/2006/main" name="1_Office 主题​​">
+  <a:themeElements>
+    <a:clrScheme name="Office">
+      <a:dk1>
+        <a:sysClr val="windowText" lastClr="000000"/>
+      </a:dk1>
+      <a:lt1>
+        <a:sysClr val="window" lastClr="FFFFFF"/>
+      </a:lt1>
+      <a:dk2>
+        <a:srgbClr val="0E2841"/>
+      </a:dk2>
+      <a:lt2>
+        <a:srgbClr val="E8E8E8"/>
+      </a:lt2>
+      <a:accent1>
+        <a:srgbClr val="156082"/>
+      </a:accent1>
+      <a:accent2>
+        <a:srgbClr val="E97132"/>
+      </a:accent2>
+      <a:accent3>
+        <a:srgbClr val="196B24"/>
+      </a:accent3>
+      <a:accent4>
+        <a:srgbClr val="0F9ED5"/>
+      </a:accent4>
+      <a:accent5>
+        <a:srgbClr val="A02B93"/>
+      </a:accent5>
+      <a:accent6>
+        <a:srgbClr val="4EA72E"/>
+      </a:accent6>
+      <a:hlink>
+        <a:srgbClr val="467886"/>
+      </a:hlink>
+      <a:folHlink>
+        <a:srgbClr val="96607D"/>
+      </a:folHlink>
+    </a:clrScheme>
+    <a:fontScheme name="Office">
+      <a:majorFont>
+        <a:latin typeface="等线 Light"/>
+        <a:ea typeface=""/>
+        <a:cs typeface=""/>
+        <a:font script="Jpan" typeface="游ゴシック Light"/>
+        <a:font script="Hang" typeface="맑은 고딕"/>
+        <a:font script="Hans" typeface="等线 Light"/>
+        <a:font script="Hant" typeface="新細明體"/>
+        <a:font script="Arab" typeface="Times New Roman"/>
+        <a:font script="Hebr" typeface="Times New Roman"/>
+        <a:font script="Thai" typeface="Angsana New"/>
+        <a:font script="Ethi" typeface="Nyala"/>
+        <a:font script="Beng" typeface="Vrinda"/>
+        <a:font script="Gujr" typeface="Shruti"/>
+        <a:font script="Khmr" typeface="MoolBoran"/>
+        <a:font script="Knda" typeface="Tunga"/>
+        <a:font script="Guru" typeface="Raavi"/>
+        <a:font script="Cans" typeface="Euphemia"/>
+        <a:font script="Cher" typeface="Plantagenet Cherokee"/>
+        <a:font script="Yiii" typeface="Microsoft Yi Baiti"/>
+        <a:font script="Tibt" typeface="Microsoft Himalaya"/>
+        <a:font script="Thaa" typeface="MV Boli"/>
+        <a:font script="Deva" typeface="Mangal"/>
+        <a:font script="Telu" typeface="Gautami"/>
+        <a:font script="Taml" typeface="Latha"/>
+        <a:font script="Syrc" typeface="Estrangelo Edessa"/>
+        <a:font script="Orya" typeface="Kalinga"/>
+        <a:font script="Mlym" typeface="Kartika"/>
+        <a:font script="Laoo" typeface="DokChampa"/>
+        <a:font script="Sinh" typeface="Iskoola Pota"/>
+        <a:font script="Mong" typeface="Mongolian Baiti"/>
+        <a:font script="Viet" typeface="Times New Roman"/>
+        <a:font script="Uigh" typeface="Microsoft Uighur"/>
+        <a:font script="Geor" typeface="Sylfaen"/>
+      </a:majorFont>
+      <a:minorFont>
+        <a:latin typeface="等线"/>
+        <a:ea typeface=""/>
+        <a:cs typeface=""/>
+        <a:font script="Jpan" typeface="游ゴシック"/>
+        <a:font script="Hang" typeface="맑은 고딕"/>
+        <a:font script="Hans" typeface="等线"/>
+        <a:font script="Hant" typeface="新細明體"/>
+        <a:font script="Arab" typeface="Arial"/>
+        <a:font script="Hebr" typeface="Arial"/>
+        <a:font script="Thai" typeface="Cordia New"/>
+        <a:font script="Ethi" typeface="Nyala"/>
+        <a:font script="Beng" typeface="Vrinda"/>
+        <a:font script="Gujr" typeface="Shruti"/>
+        <a:font script="Khmr" typeface="DaunPenh"/>
+        <a:font script="Knda" typeface="Tunga"/>
+        <a:font script="Guru" typeface="Raavi"/>
+        <a:font script="Cans" typeface="Euphemia"/>
+        <a:font script="Cher" typeface="Plantagenet Cherokee"/>
+        <a:font script="Yiii" typeface="Microsoft Yi Baiti"/>
+        <a:font script="Tibt" typeface="Microsoft Himalaya"/>
+        <a:font script="Thaa" typeface="MV Boli"/>
+        <a:font script="Deva" typeface="Mangal"/>
+        <a:font script="Telu" typeface="Gautami"/>
+        <a:font script="Taml" typeface="Latha"/>
+        <a:font script="Syrc" typeface="Estrangelo Edessa"/>
+        <a:font script="Orya" typeface="Kalinga"/>
+        <a:font script="Mlym" typeface="Kartika"/>
+        <a:font script="Laoo" typeface="DokChampa"/>
+        <a:font script="Sinh" typeface="Iskoola Pota"/>
+        <a:font script="Mong" typeface="Mongolian Baiti"/>
+        <a:font script="Viet" typeface="Arial"/>
+        <a:font script="Uigh" typeface="Microsoft Uighur"/>
+        <a:font script="Geor" typeface="Sylfaen"/>
+      </a:minorFont>
+    </a:fontScheme>
+    <a:fmtScheme name="Office">
+      <a:fillStyleLst>
+        <a:solidFill>
+          <a:schemeClr val="phClr"/>
+        </a:solidFill>
+        <a:gradFill rotWithShape="1">
+          <a:gsLst>
+            <a:gs pos="0">
+              <a:schemeClr val="phClr">
+                <a:lumMod val="110000"/>
+                <a:satMod val="105000"/>
+                <a:tint val="67000"/>
+              </a:schemeClr>
+            </a:gs>
+            <a:gs pos="50000">
+              <a:schemeClr val="phClr">
+                <a:lumMod val="105000"/>
+                <a:satMod val="103000"/>
+                <a:tint val="73000"/>
+              </a:schemeClr>
+            </a:gs>
+            <a:gs pos="100000">
+              <a:schemeClr val="phClr">
+                <a:lumMod val="105000"/>
+                <a:satMod val="109000"/>
+                <a:tint val="81000"/>
+              </a:schemeClr>
+            </a:gs>
+          </a:gsLst>
+          <a:lin ang="5400000" scaled="0"/>
+        </a:gradFill>
+        <a:gradFill rotWithShape="1">
+          <a:gsLst>
+            <a:gs pos="0">
+              <a:schemeClr val="phClr">
+                <a:satMod val="103000"/>
+                <a:lumMod val="102000"/>
+                <a:tint val="94000"/>
+              </a:schemeClr>
+            </a:gs>
+            <a:gs pos="50000">
+              <a:schemeClr val="phClr">
+                <a:satMod val="110000"/>
+                <a:lumMod val="100000"/>
+                <a:shade val="100000"/>
+              </a:schemeClr>
+            </a:gs>
+            <a:gs pos="100000">
+              <a:schemeClr val="phClr">
+                <a:lumMod val="99000"/>
+                <a:satMod val="120000"/>
+                <a:shade val="78000"/>
+              </a:schemeClr>
+            </a:gs>
+          </a:gsLst>
+          <a:lin ang="5400000" scaled="0"/>
+        </a:gradFill>
+      </a:fillStyleLst>
+      <a:lnStyleLst>
+        <a:ln w="12700" cap="flat" cmpd="sng" algn="ctr">
+          <a:solidFill>
+            <a:schemeClr val="phClr"/>
+          </a:solidFill>
+          <a:prstDash val="solid"/>
+          <a:miter lim="800000"/>
+        </a:ln>
+        <a:ln w="19050" cap="flat" cmpd="sng" algn="ctr">
+          <a:solidFill>
+            <a:schemeClr val="phClr"/>
+          </a:solidFill>
+          <a:prstDash val="solid"/>
+          <a:miter lim="800000"/>
+        </a:ln>
+        <a:ln w="25400" cap="flat" cmpd="sng" algn="ctr">
+          <a:solidFill>
+            <a:schemeClr val="phClr"/>
+          </a:solidFill>
+          <a:prstDash val="solid"/>
+          <a:miter lim="800000"/>
+        </a:ln>
+      </a:lnStyleLst>
+      <a:effectStyleLst>
+        <a:effectStyle>
+          <a:effectLst/>
+        </a:effectStyle>
+        <a:effectStyle>
+          <a:effectLst/>
+        </a:effectStyle>
+        <a:effectStyle>
+          <a:effectLst>
+            <a:outerShdw blurRad="57150" dist="19050" dir="5400000" algn="ctr" rotWithShape="0">
+              <a:srgbClr val="000000">
+                <a:alpha val="63000"/>
+              </a:srgbClr>
+            </a:outerShdw>
+          </a:effectLst>
+        </a:effectStyle>
+      </a:effectStyleLst>
+      <a:bgFillStyleLst>
+        <a:solidFill>
+          <a:schemeClr val="phClr"/>
+        </a:solidFill>
+        <a:solidFill>
+          <a:schemeClr val="phClr">
+            <a:tint val="95000"/>
+            <a:satMod val="170000"/>
+          </a:schemeClr>
+        </a:solidFill>
+        <a:gradFill rotWithShape="1">
+          <a:gsLst>
+            <a:gs pos="0">
+              <a:schemeClr val="phClr">
+                <a:tint val="93000"/>
+                <a:satMod val="150000"/>
+                <a:shade val="98000"/>
+                <a:lumMod val="102000"/>
+              </a:schemeClr>
+            </a:gs>
+            <a:gs pos="50000">
+              <a:schemeClr val="phClr">
+                <a:tint val="98000"/>
+                <a:satMod val="130000"/>
+                <a:shade val="90000"/>
+                <a:lumMod val="103000"/>
+              </a:schemeClr>
+            </a:gs>
+            <a:gs pos="100000">
+              <a:schemeClr val="phClr">
+                <a:shade val="63000"/>
+                <a:satMod val="120000"/>
+              </a:schemeClr>
+            </a:gs>
+          </a:gsLst>
+          <a:lin ang="5400000" scaled="0"/>
+        </a:gradFill>
+      </a:bgFillStyleLst>
+    </a:fmtScheme>
+  </a:themeElements>
+  <a:objectDefaults>
+    <a:lnDef>
+      <a:spPr/>
+      <a:bodyPr/>
+      <a:lstStyle/>
+      <a:style>
+        <a:lnRef idx="2">
+          <a:schemeClr val="accent1"/>
+        </a:lnRef>
+        <a:fillRef idx="0">
+          <a:schemeClr val="accent1"/>
+        </a:fillRef>
+        <a:effectRef idx="1">
+          <a:schemeClr val="accent1"/>
+        </a:effectRef>
+        <a:fontRef idx="minor">
+          <a:schemeClr val="tx1"/>
+        </a:fontRef>
+      </a:style>
+    </a:lnDef>
+  </a:objectDefaults>
+  <a:extraClrSchemeLst/>
+  <a:extLst>
+    <a:ext uri="{05A4C25C-085E-4340-85A3-A5531E510DB2}">
+      <thm15:themeFamily xmlns:thm15="http://schemas.microsoft.com/office/thememl/2012/main" name="Office Theme" id="{62F939B6-93AF-4DB8-9C6B-D6C7DFDC589F}" vid="{4A3C46E8-61CC-4603-A589-7422A47A8E4A}"/>
     </a:ext>
   </a:extLst>
 </a:theme>
